--- a/talks/prospectives_02212014.pptx
+++ b/talks/prospectives_02212014.pptx
@@ -252,7 +252,7 @@
           <a:p>
             <a:fld id="{505CD563-4B57-0E42-9B87-4E50A1167FED}" type="datetimeFigureOut">
               <a:rPr lang="en-US" smtClean="0"/>
-              <a:t>2/21/14</a:t>
+              <a:t>4/7/14</a:t>
             </a:fld>
             <a:endParaRPr lang="en-US"/>
           </a:p>
@@ -4973,19 +4973,7 @@
                 <a:ea typeface="+mn-ea"/>
                 <a:cs typeface="+mn-cs"/>
               </a:rPr>
-              <a:t>10000 </a:t>
-            </a:r>
-            <a:r>
-              <a:rPr lang="en-US" sz="1200" kern="1200" baseline="0" smtClean="0">
-                <a:solidFill>
-                  <a:schemeClr val="tx1"/>
-                </a:solidFill>
-                <a:effectLst/>
-                <a:latin typeface="+mn-lt"/>
-                <a:ea typeface="+mn-ea"/>
-                <a:cs typeface="+mn-cs"/>
-              </a:rPr>
-              <a:t>dollars…. </a:t>
+              <a:t>10000 dollars…. </a:t>
             </a:r>
             <a:r>
               <a:rPr lang="en-US" sz="1200" kern="1200" dirty="0" smtClean="0">
@@ -6536,15 +6524,7 @@
           <a:p>
             <a:r>
               <a:rPr lang="en-US" baseline="0" dirty="0" smtClean="0"/>
-              <a:t>The term hyperbole dates all the way back to Aristotle. In studies of rhetoric, hyperbole is defined as “when the trope is </a:t>
-            </a:r>
-            <a:r>
-              <a:rPr lang="en-US" baseline="0" dirty="0" smtClean="0"/>
-              <a:t>“ More </a:t>
-            </a:r>
-            <a:r>
-              <a:rPr lang="en-US" baseline="0" dirty="0" smtClean="0"/>
-              <a:t>recently, a linguist named Neal </a:t>
+              <a:t>The term hyperbole dates all the way back to Aristotle. In studies of rhetoric, hyperbole is defined as “when the trope is “ More recently, a linguist named Neal </a:t>
             </a:r>
             <a:r>
               <a:rPr lang="en-US" baseline="0" dirty="0" err="1" smtClean="0"/>
@@ -6552,23 +6532,7 @@
             </a:r>
             <a:r>
               <a:rPr lang="en-US" baseline="0" dirty="0" smtClean="0"/>
-              <a:t> characterized hyperbole as having an affective dimension, being pragmatic in the nature of how it’s interpreted, and that it is a vertical-scale metaphor, meaning it is saying ‘‘more than necessary or justiﬁed’’ but not comparing one thing to a completely different thing like horizontal </a:t>
-            </a:r>
-            <a:r>
-              <a:rPr lang="en-US" baseline="0" dirty="0" smtClean="0"/>
-              <a:t>metaphors. An </a:t>
-            </a:r>
-            <a:r>
-              <a:rPr lang="en-US" baseline="0" dirty="0" smtClean="0"/>
-              <a:t>empirical study by psychologists looked at people’s motivations and purposes for using figurative language and found that people often use hyperbole to create emphasis, evoke humor, or express negative </a:t>
-            </a:r>
-            <a:r>
-              <a:rPr lang="en-US" baseline="0" dirty="0" smtClean="0"/>
-              <a:t>emotion. In </a:t>
-            </a:r>
-            <a:r>
-              <a:rPr lang="en-US" baseline="0" dirty="0" smtClean="0"/>
-              <a:t>most informal analyses of hyperbole, researchers have argued that successful hyperbole interpretation requires strong common ground between speaker and listener. It involves the listener entering into a “pact” with the speaker to accept extreme formulations and create a new layer of joint activity</a:t>
+              <a:t> characterized hyperbole as having an affective dimension, being pragmatic in the nature of how it’s interpreted, and that it is a vertical-scale metaphor, meaning it is saying ‘‘more than necessary or justiﬁed’’ but not comparing one thing to a completely different thing like horizontal metaphors. An empirical study by psychologists looked at people’s motivations and purposes for using figurative language and found that people often use hyperbole to create emphasis, evoke humor, or express negative emotion. In most informal analyses of hyperbole, researchers have argued that successful hyperbole interpretation requires strong common ground between speaker and listener. It involves the listener entering into a “pact” with the speaker to accept extreme formulations and create a new layer of joint activity</a:t>
             </a:r>
             <a:endParaRPr lang="en-US" dirty="0"/>
           </a:p>
@@ -6898,7 +6862,7 @@
           <a:p>
             <a:fld id="{22125E78-7C9B-A24B-885C-8F0C553D8219}" type="datetimeFigureOut">
               <a:rPr lang="en-US" smtClean="0"/>
-              <a:t>2/21/14</a:t>
+              <a:t>4/7/14</a:t>
             </a:fld>
             <a:endParaRPr lang="en-US"/>
           </a:p>
@@ -7068,7 +7032,7 @@
           <a:p>
             <a:fld id="{22125E78-7C9B-A24B-885C-8F0C553D8219}" type="datetimeFigureOut">
               <a:rPr lang="en-US" smtClean="0"/>
-              <a:t>2/21/14</a:t>
+              <a:t>4/7/14</a:t>
             </a:fld>
             <a:endParaRPr lang="en-US"/>
           </a:p>
@@ -7248,7 +7212,7 @@
           <a:p>
             <a:fld id="{22125E78-7C9B-A24B-885C-8F0C553D8219}" type="datetimeFigureOut">
               <a:rPr lang="en-US" smtClean="0"/>
-              <a:t>2/21/14</a:t>
+              <a:t>4/7/14</a:t>
             </a:fld>
             <a:endParaRPr lang="en-US"/>
           </a:p>
@@ -7418,7 +7382,7 @@
           <a:p>
             <a:fld id="{22125E78-7C9B-A24B-885C-8F0C553D8219}" type="datetimeFigureOut">
               <a:rPr lang="en-US" smtClean="0"/>
-              <a:t>2/21/14</a:t>
+              <a:t>4/7/14</a:t>
             </a:fld>
             <a:endParaRPr lang="en-US"/>
           </a:p>
@@ -7664,7 +7628,7 @@
           <a:p>
             <a:fld id="{22125E78-7C9B-A24B-885C-8F0C553D8219}" type="datetimeFigureOut">
               <a:rPr lang="en-US" smtClean="0"/>
-              <a:t>2/21/14</a:t>
+              <a:t>4/7/14</a:t>
             </a:fld>
             <a:endParaRPr lang="en-US"/>
           </a:p>
@@ -7952,7 +7916,7 @@
           <a:p>
             <a:fld id="{22125E78-7C9B-A24B-885C-8F0C553D8219}" type="datetimeFigureOut">
               <a:rPr lang="en-US" smtClean="0"/>
-              <a:t>2/21/14</a:t>
+              <a:t>4/7/14</a:t>
             </a:fld>
             <a:endParaRPr lang="en-US"/>
           </a:p>
@@ -8374,7 +8338,7 @@
           <a:p>
             <a:fld id="{22125E78-7C9B-A24B-885C-8F0C553D8219}" type="datetimeFigureOut">
               <a:rPr lang="en-US" smtClean="0"/>
-              <a:t>2/21/14</a:t>
+              <a:t>4/7/14</a:t>
             </a:fld>
             <a:endParaRPr lang="en-US"/>
           </a:p>
@@ -8492,7 +8456,7 @@
           <a:p>
             <a:fld id="{22125E78-7C9B-A24B-885C-8F0C553D8219}" type="datetimeFigureOut">
               <a:rPr lang="en-US" smtClean="0"/>
-              <a:t>2/21/14</a:t>
+              <a:t>4/7/14</a:t>
             </a:fld>
             <a:endParaRPr lang="en-US"/>
           </a:p>
@@ -8587,7 +8551,7 @@
           <a:p>
             <a:fld id="{22125E78-7C9B-A24B-885C-8F0C553D8219}" type="datetimeFigureOut">
               <a:rPr lang="en-US" smtClean="0"/>
-              <a:t>2/21/14</a:t>
+              <a:t>4/7/14</a:t>
             </a:fld>
             <a:endParaRPr lang="en-US"/>
           </a:p>
@@ -8864,7 +8828,7 @@
           <a:p>
             <a:fld id="{22125E78-7C9B-A24B-885C-8F0C553D8219}" type="datetimeFigureOut">
               <a:rPr lang="en-US" smtClean="0"/>
-              <a:t>2/21/14</a:t>
+              <a:t>4/7/14</a:t>
             </a:fld>
             <a:endParaRPr lang="en-US"/>
           </a:p>
@@ -9117,7 +9081,7 @@
           <a:p>
             <a:fld id="{22125E78-7C9B-A24B-885C-8F0C553D8219}" type="datetimeFigureOut">
               <a:rPr lang="en-US" smtClean="0"/>
-              <a:t>2/21/14</a:t>
+              <a:t>4/7/14</a:t>
             </a:fld>
             <a:endParaRPr lang="en-US"/>
           </a:p>
@@ -9330,7 +9294,7 @@
           <a:p>
             <a:fld id="{22125E78-7C9B-A24B-885C-8F0C553D8219}" type="datetimeFigureOut">
               <a:rPr lang="en-US" smtClean="0"/>
-              <a:t>2/21/14</a:t>
+              <a:t>4/7/14</a:t>
             </a:fld>
             <a:endParaRPr lang="en-US"/>
           </a:p>
@@ -9728,12 +9692,20 @@
           <a:lstStyle/>
           <a:p>
             <a:r>
+              <a:rPr lang="en-US" smtClean="0">
+                <a:latin typeface="Calibri" charset="0"/>
+                <a:ea typeface="ＭＳ Ｐゴシック" charset="0"/>
+                <a:cs typeface="ＭＳ Ｐゴシック" charset="0"/>
+              </a:rPr>
+              <a:t>Nonliteral </a:t>
+            </a:r>
+            <a:r>
               <a:rPr lang="en-US" dirty="0" smtClean="0">
                 <a:latin typeface="Calibri" charset="0"/>
                 <a:ea typeface="ＭＳ Ｐゴシック" charset="0"/>
                 <a:cs typeface="ＭＳ Ｐゴシック" charset="0"/>
               </a:rPr>
-              <a:t>Nonliteral language understanding</a:t>
+              <a:t>language understanding</a:t>
             </a:r>
             <a:br>
               <a:rPr lang="en-US" dirty="0" smtClean="0">
@@ -12847,7 +12819,7 @@
           <a:graphicData uri="http://schemas.openxmlformats.org/presentationml/2006/ole">
             <mc:AlternateContent xmlns:mc="http://schemas.openxmlformats.org/markup-compatibility/2006">
               <mc:Choice xmlns:v="urn:schemas-microsoft-com:vml" Requires="v">
-                <p:oleObj spid="_x0000_s34203" name="Document" r:id="rId5" imgW="5486400" imgH="165100" progId="Word.Document.12">
+                <p:oleObj spid="_x0000_s34205" name="Document" r:id="rId5" imgW="5486400" imgH="165100" progId="Word.Document.12">
                   <p:link updateAutomatic="1"/>
                 </p:oleObj>
               </mc:Choice>
@@ -13303,7 +13275,7 @@
           <a:graphicData uri="http://schemas.openxmlformats.org/presentationml/2006/ole">
             <mc:AlternateContent xmlns:mc="http://schemas.openxmlformats.org/markup-compatibility/2006">
               <mc:Choice xmlns:v="urn:schemas-microsoft-com:vml" Requires="v">
-                <p:oleObj spid="_x0000_s56479" name="Document" r:id="rId5" imgW="5486400" imgH="165100" progId="Word.Document.12">
+                <p:oleObj spid="_x0000_s56482" name="Document" r:id="rId5" imgW="5486400" imgH="165100" progId="Word.Document.12">
                   <p:link updateAutomatic="1"/>
                 </p:oleObj>
               </mc:Choice>
@@ -13360,7 +13332,7 @@
           <a:graphicData uri="http://schemas.openxmlformats.org/presentationml/2006/ole">
             <mc:AlternateContent xmlns:mc="http://schemas.openxmlformats.org/markup-compatibility/2006">
               <mc:Choice xmlns:v="urn:schemas-microsoft-com:vml" Requires="v">
-                <p:oleObj spid="_x0000_s56480" name="Document" r:id="rId7" imgW="5486400" imgH="152400" progId="Word.Document.12">
+                <p:oleObj spid="_x0000_s56483" name="Document" r:id="rId7" imgW="5486400" imgH="152400" progId="Word.Document.12">
                   <p:link updateAutomatic="1"/>
                 </p:oleObj>
               </mc:Choice>
@@ -14484,7 +14456,7 @@
           <a:graphicData uri="http://schemas.openxmlformats.org/presentationml/2006/ole">
             <mc:AlternateContent xmlns:mc="http://schemas.openxmlformats.org/markup-compatibility/2006">
               <mc:Choice xmlns:v="urn:schemas-microsoft-com:vml" Requires="v">
-                <p:oleObj spid="_x0000_s3322" name="Document" r:id="rId4" imgW="5486400" imgH="419100" progId="Word.Document.12">
+                <p:oleObj spid="_x0000_s3324" name="Document" r:id="rId4" imgW="5486400" imgH="419100" progId="Word.Document.12">
                   <p:link updateAutomatic="1"/>
                 </p:oleObj>
               </mc:Choice>
@@ -14749,7 +14721,7 @@
           <a:graphicData uri="http://schemas.openxmlformats.org/presentationml/2006/ole">
             <mc:AlternateContent xmlns:mc="http://schemas.openxmlformats.org/markup-compatibility/2006">
               <mc:Choice xmlns:v="urn:schemas-microsoft-com:vml" Requires="v">
-                <p:oleObj spid="_x0000_s4346" name="Document" r:id="rId4" imgW="5486400" imgH="419100" progId="Word.Document.12">
+                <p:oleObj spid="_x0000_s4348" name="Document" r:id="rId4" imgW="5486400" imgH="419100" progId="Word.Document.12">
                   <p:link updateAutomatic="1"/>
                 </p:oleObj>
               </mc:Choice>
@@ -15025,7 +14997,7 @@
           <a:graphicData uri="http://schemas.openxmlformats.org/presentationml/2006/ole">
             <mc:AlternateContent xmlns:mc="http://schemas.openxmlformats.org/markup-compatibility/2006">
               <mc:Choice xmlns:v="urn:schemas-microsoft-com:vml" Requires="v">
-                <p:oleObj spid="_x0000_s5370" name="Document" r:id="rId4" imgW="5486400" imgH="419100" progId="Word.Document.12">
+                <p:oleObj spid="_x0000_s5372" name="Document" r:id="rId4" imgW="5486400" imgH="419100" progId="Word.Document.12">
                   <p:link updateAutomatic="1"/>
                 </p:oleObj>
               </mc:Choice>
@@ -15492,7 +15464,7 @@
           <a:graphicData uri="http://schemas.openxmlformats.org/presentationml/2006/ole">
             <mc:AlternateContent xmlns:mc="http://schemas.openxmlformats.org/markup-compatibility/2006">
               <mc:Choice xmlns:v="urn:schemas-microsoft-com:vml" Requires="v">
-                <p:oleObj spid="_x0000_s1043" name="Document" r:id="rId4" imgW="5486400" imgH="419100" progId="Word.Document.12">
+                <p:oleObj spid="_x0000_s1045" name="Document" r:id="rId4" imgW="5486400" imgH="419100" progId="Word.Document.12">
                   <p:link updateAutomatic="1"/>
                 </p:oleObj>
               </mc:Choice>
@@ -15957,7 +15929,7 @@
           <a:graphicData uri="http://schemas.openxmlformats.org/presentationml/2006/ole">
             <mc:AlternateContent xmlns:mc="http://schemas.openxmlformats.org/markup-compatibility/2006">
               <mc:Choice xmlns:v="urn:schemas-microsoft-com:vml" Requires="v">
-                <p:oleObj spid="_x0000_s6394" name="Document" r:id="rId4" imgW="5486400" imgH="419100" progId="Word.Document.12">
+                <p:oleObj spid="_x0000_s6396" name="Document" r:id="rId4" imgW="5486400" imgH="419100" progId="Word.Document.12">
                   <p:link updateAutomatic="1"/>
                 </p:oleObj>
               </mc:Choice>
@@ -16336,7 +16308,7 @@
           <a:graphicData uri="http://schemas.openxmlformats.org/presentationml/2006/ole">
             <mc:AlternateContent xmlns:mc="http://schemas.openxmlformats.org/markup-compatibility/2006">
               <mc:Choice xmlns:v="urn:schemas-microsoft-com:vml" Requires="v">
-                <p:oleObj spid="_x0000_s7418" name="Document" r:id="rId4" imgW="5486400" imgH="419100" progId="Word.Document.12">
+                <p:oleObj spid="_x0000_s7420" name="Document" r:id="rId4" imgW="5486400" imgH="419100" progId="Word.Document.12">
                   <p:link updateAutomatic="1"/>
                 </p:oleObj>
               </mc:Choice>
@@ -16773,7 +16745,7 @@
           <a:graphicData uri="http://schemas.openxmlformats.org/presentationml/2006/ole">
             <mc:AlternateContent xmlns:mc="http://schemas.openxmlformats.org/markup-compatibility/2006">
               <mc:Choice xmlns:v="urn:schemas-microsoft-com:vml" Requires="v">
-                <p:oleObj spid="_x0000_s9467" name="Document" r:id="rId4" imgW="5486400" imgH="355600" progId="Word.Document.12">
+                <p:oleObj spid="_x0000_s9469" name="Document" r:id="rId4" imgW="5486400" imgH="355600" progId="Word.Document.12">
                   <p:link updateAutomatic="1"/>
                 </p:oleObj>
               </mc:Choice>
@@ -17209,7 +17181,7 @@
           <a:graphicData uri="http://schemas.openxmlformats.org/presentationml/2006/ole">
             <mc:AlternateContent xmlns:mc="http://schemas.openxmlformats.org/markup-compatibility/2006">
               <mc:Choice xmlns:v="urn:schemas-microsoft-com:vml" Requires="v">
-                <p:oleObj spid="_x0000_s10490" name="Document" r:id="rId4" imgW="5486400" imgH="355600" progId="Word.Document.12">
+                <p:oleObj spid="_x0000_s10492" name="Document" r:id="rId4" imgW="5486400" imgH="355600" progId="Word.Document.12">
                   <p:link updateAutomatic="1"/>
                 </p:oleObj>
               </mc:Choice>
@@ -17606,7 +17578,7 @@
           <a:graphicData uri="http://schemas.openxmlformats.org/presentationml/2006/ole">
             <mc:AlternateContent xmlns:mc="http://schemas.openxmlformats.org/markup-compatibility/2006">
               <mc:Choice xmlns:v="urn:schemas-microsoft-com:vml" Requires="v">
-                <p:oleObj spid="_x0000_s11514" name="Document" r:id="rId4" imgW="5486400" imgH="355600" progId="Word.Document.12">
+                <p:oleObj spid="_x0000_s11516" name="Document" r:id="rId4" imgW="5486400" imgH="355600" progId="Word.Document.12">
                   <p:link updateAutomatic="1"/>
                 </p:oleObj>
               </mc:Choice>
@@ -18001,7 +17973,7 @@
           <a:graphicData uri="http://schemas.openxmlformats.org/presentationml/2006/ole">
             <mc:AlternateContent xmlns:mc="http://schemas.openxmlformats.org/markup-compatibility/2006">
               <mc:Choice xmlns:v="urn:schemas-microsoft-com:vml" Requires="v">
-                <p:oleObj spid="_x0000_s12538" name="Document" r:id="rId4" imgW="5486400" imgH="355600" progId="Word.Document.12">
+                <p:oleObj spid="_x0000_s12540" name="Document" r:id="rId4" imgW="5486400" imgH="355600" progId="Word.Document.12">
                   <p:link updateAutomatic="1"/>
                 </p:oleObj>
               </mc:Choice>
@@ -18393,7 +18365,7 @@
           <a:graphicData uri="http://schemas.openxmlformats.org/presentationml/2006/ole">
             <mc:AlternateContent xmlns:mc="http://schemas.openxmlformats.org/markup-compatibility/2006">
               <mc:Choice xmlns:v="urn:schemas-microsoft-com:vml" Requires="v">
-                <p:oleObj spid="_x0000_s13562" name="Document" r:id="rId4" imgW="5486400" imgH="355600" progId="Word.Document.12">
+                <p:oleObj spid="_x0000_s13564" name="Document" r:id="rId4" imgW="5486400" imgH="355600" progId="Word.Document.12">
                   <p:link updateAutomatic="1"/>
                 </p:oleObj>
               </mc:Choice>
@@ -18741,7 +18713,7 @@
           <a:graphicData uri="http://schemas.openxmlformats.org/presentationml/2006/ole">
             <mc:AlternateContent xmlns:mc="http://schemas.openxmlformats.org/markup-compatibility/2006">
               <mc:Choice xmlns:v="urn:schemas-microsoft-com:vml" Requires="v">
-                <p:oleObj spid="_x0000_s54417" name="Document" r:id="rId4" imgW="5486400" imgH="355600" progId="Word.Document.12">
+                <p:oleObj spid="_x0000_s54419" name="Document" r:id="rId4" imgW="5486400" imgH="355600" progId="Word.Document.12">
                   <p:link updateAutomatic="1"/>
                 </p:oleObj>
               </mc:Choice>

--- a/talks/prospectives_02212014.pptx
+++ b/talks/prospectives_02212014.pptx
@@ -5,7 +5,7 @@
     <p:sldMasterId id="2147483648" r:id="rId1"/>
   </p:sldMasterIdLst>
   <p:notesMasterIdLst>
-    <p:notesMasterId r:id="rId63"/>
+    <p:notesMasterId r:id="rId62"/>
   </p:notesMasterIdLst>
   <p:sldIdLst>
     <p:sldId id="281" r:id="rId2"/>
@@ -31,44 +31,43 @@
     <p:sldId id="260" r:id="rId22"/>
     <p:sldId id="261" r:id="rId23"/>
     <p:sldId id="262" r:id="rId24"/>
-    <p:sldId id="263" r:id="rId25"/>
-    <p:sldId id="334" r:id="rId26"/>
-    <p:sldId id="264" r:id="rId27"/>
-    <p:sldId id="265" r:id="rId28"/>
-    <p:sldId id="266" r:id="rId29"/>
-    <p:sldId id="267" r:id="rId30"/>
-    <p:sldId id="268" r:id="rId31"/>
-    <p:sldId id="269" r:id="rId32"/>
-    <p:sldId id="270" r:id="rId33"/>
-    <p:sldId id="271" r:id="rId34"/>
-    <p:sldId id="330" r:id="rId35"/>
-    <p:sldId id="272" r:id="rId36"/>
-    <p:sldId id="308" r:id="rId37"/>
-    <p:sldId id="273" r:id="rId38"/>
-    <p:sldId id="309" r:id="rId39"/>
-    <p:sldId id="274" r:id="rId40"/>
-    <p:sldId id="311" r:id="rId41"/>
-    <p:sldId id="275" r:id="rId42"/>
-    <p:sldId id="312" r:id="rId43"/>
-    <p:sldId id="313" r:id="rId44"/>
-    <p:sldId id="314" r:id="rId45"/>
-    <p:sldId id="315" r:id="rId46"/>
-    <p:sldId id="310" r:id="rId47"/>
-    <p:sldId id="295" r:id="rId48"/>
-    <p:sldId id="296" r:id="rId49"/>
-    <p:sldId id="277" r:id="rId50"/>
-    <p:sldId id="297" r:id="rId51"/>
-    <p:sldId id="278" r:id="rId52"/>
-    <p:sldId id="279" r:id="rId53"/>
-    <p:sldId id="321" r:id="rId54"/>
-    <p:sldId id="325" r:id="rId55"/>
-    <p:sldId id="322" r:id="rId56"/>
-    <p:sldId id="323" r:id="rId57"/>
-    <p:sldId id="331" r:id="rId58"/>
-    <p:sldId id="328" r:id="rId59"/>
-    <p:sldId id="327" r:id="rId60"/>
-    <p:sldId id="320" r:id="rId61"/>
-    <p:sldId id="307" r:id="rId62"/>
+    <p:sldId id="334" r:id="rId25"/>
+    <p:sldId id="264" r:id="rId26"/>
+    <p:sldId id="265" r:id="rId27"/>
+    <p:sldId id="266" r:id="rId28"/>
+    <p:sldId id="267" r:id="rId29"/>
+    <p:sldId id="268" r:id="rId30"/>
+    <p:sldId id="269" r:id="rId31"/>
+    <p:sldId id="270" r:id="rId32"/>
+    <p:sldId id="271" r:id="rId33"/>
+    <p:sldId id="330" r:id="rId34"/>
+    <p:sldId id="272" r:id="rId35"/>
+    <p:sldId id="308" r:id="rId36"/>
+    <p:sldId id="273" r:id="rId37"/>
+    <p:sldId id="309" r:id="rId38"/>
+    <p:sldId id="274" r:id="rId39"/>
+    <p:sldId id="311" r:id="rId40"/>
+    <p:sldId id="275" r:id="rId41"/>
+    <p:sldId id="312" r:id="rId42"/>
+    <p:sldId id="313" r:id="rId43"/>
+    <p:sldId id="314" r:id="rId44"/>
+    <p:sldId id="315" r:id="rId45"/>
+    <p:sldId id="310" r:id="rId46"/>
+    <p:sldId id="295" r:id="rId47"/>
+    <p:sldId id="296" r:id="rId48"/>
+    <p:sldId id="277" r:id="rId49"/>
+    <p:sldId id="297" r:id="rId50"/>
+    <p:sldId id="278" r:id="rId51"/>
+    <p:sldId id="279" r:id="rId52"/>
+    <p:sldId id="321" r:id="rId53"/>
+    <p:sldId id="325" r:id="rId54"/>
+    <p:sldId id="322" r:id="rId55"/>
+    <p:sldId id="323" r:id="rId56"/>
+    <p:sldId id="331" r:id="rId57"/>
+    <p:sldId id="328" r:id="rId58"/>
+    <p:sldId id="327" r:id="rId59"/>
+    <p:sldId id="320" r:id="rId60"/>
+    <p:sldId id="307" r:id="rId61"/>
   </p:sldIdLst>
   <p:sldSz cx="9144000" cy="6858000" type="screen4x3"/>
   <p:notesSz cx="6858000" cy="9144000"/>
@@ -252,7 +251,7 @@
           <a:p>
             <a:fld id="{505CD563-4B57-0E42-9B87-4E50A1167FED}" type="datetimeFigureOut">
               <a:rPr lang="en-US" smtClean="0"/>
-              <a:t>4/7/14</a:t>
+              <a:t>5/19/14</a:t>
             </a:fld>
             <a:endParaRPr lang="en-US"/>
           </a:p>
@@ -2140,12 +2139,16 @@
           <a:lstStyle/>
           <a:p>
             <a:r>
-              <a:rPr lang="en-US" dirty="0" smtClean="0"/>
-              <a:t>The probability that a speaker chooses an utterance depends</a:t>
-            </a:r>
-            <a:r>
               <a:rPr lang="en-US" baseline="0" dirty="0" smtClean="0"/>
-              <a:t> upon various considerations about that utterance.</a:t>
+              <a:t>For </a:t>
+            </a:r>
+            <a:r>
+              <a:rPr lang="en-US" baseline="0" smtClean="0"/>
+              <a:t>each utterance, the </a:t>
+            </a:r>
+            <a:r>
+              <a:rPr lang="en-US" baseline="0" dirty="0" smtClean="0"/>
+              <a:t>speaker iterates through all possible interpretations that the listener may infer from the utterance. Here s is the price of the item, and a is the speaker’s feeling or affect about the price. A possible interpretation that the listener could have is that the kettle cost 50 dollars and the speaker thinks it’s expensive.</a:t>
             </a:r>
             <a:endParaRPr lang="en-US" dirty="0"/>
           </a:p>
@@ -2232,16 +2235,20 @@
           <a:lstStyle/>
           <a:p>
             <a:r>
+              <a:rPr lang="en-US" dirty="0" smtClean="0"/>
+              <a:t>The </a:t>
+            </a:r>
+            <a:r>
               <a:rPr lang="en-US" baseline="0" dirty="0" smtClean="0"/>
-              <a:t>For </a:t>
-            </a:r>
-            <a:r>
-              <a:rPr lang="en-US" baseline="0" smtClean="0"/>
-              <a:t>each utterance, the </a:t>
+              <a:t>speaker considers</a:t>
+            </a:r>
+            <a:r>
+              <a:rPr lang="en-US" dirty="0" smtClean="0"/>
+              <a:t> whether the listener’s interpretation satisfies her goal. For example, if she thinks it’s expensive and</a:t>
             </a:r>
             <a:r>
               <a:rPr lang="en-US" baseline="0" dirty="0" smtClean="0"/>
-              <a:t>speaker iterates through all possible interpretations that the listener may infer from the utterance. Here s is the price of the item, and a is the speaker’s feeling or affect about the price. A possible interpretation that the listener could have is that the kettle cost 50 dollars and the speaker thinks it’s expensive.</a:t>
+              <a:t> wants to communicate that, will the listener interpret that she thinks it’s expensive? If so, this value is 1, meaning the goal is satisfied and the information the listener inferred was relevant and accurate. If not, this value is 0, meaning the information the listener inferred was irrelevant or incorrect. </a:t>
             </a:r>
             <a:endParaRPr lang="en-US" dirty="0"/>
           </a:p>
@@ -2329,19 +2336,11 @@
           <a:p>
             <a:r>
               <a:rPr lang="en-US" dirty="0" smtClean="0"/>
-              <a:t>The </a:t>
+              <a:t>Finally, because</a:t>
             </a:r>
             <a:r>
               <a:rPr lang="en-US" baseline="0" dirty="0" smtClean="0"/>
-              <a:t>speaker considers</a:t>
-            </a:r>
-            <a:r>
-              <a:rPr lang="en-US" dirty="0" smtClean="0"/>
-              <a:t> whether the listener’s interpretation satisfies her goal. For example, if she thinks it’s expensive and</a:t>
-            </a:r>
-            <a:r>
-              <a:rPr lang="en-US" baseline="0" dirty="0" smtClean="0"/>
-              <a:t> wants to communicate that, will the listener interpret that she thinks it’s expensive? If so, this value is 1, meaning the goal is satisfied and the information the listener inferred was relevant and accurate. If not, this value is 0, meaning the information the listener inferred was irrelevant or incorrect. </a:t>
+              <a:t> the speaker wants to communicate efficiently, she also considers her cost of producing an utterance. Some utterances like “10000” are easy to produce, while others like “9,999” are harder. All else being equal, if two utterances can equally likely allow the speaker to satisfy her goal, the speaker is more likely to choose the one that is shorter and easier to utter.</a:t>
             </a:r>
             <a:endParaRPr lang="en-US" dirty="0"/>
           </a:p>
@@ -2429,11 +2428,19 @@
           <a:p>
             <a:r>
               <a:rPr lang="en-US" dirty="0" smtClean="0"/>
-              <a:t>Finally, because</a:t>
+              <a:t>Now we turn to the pragmatic listener,</a:t>
             </a:r>
             <a:r>
               <a:rPr lang="en-US" baseline="0" dirty="0" smtClean="0"/>
-              <a:t> the speaker wants to communicate efficiently, she also considers her cost of producing an utterance. Some utterances like “10000” are easy to produce, while others like “9,999” are harder. All else being equal, if two utterances can equally likely allow the speaker to satisfy her goal, the speaker is more likely to choose the one that is shorter and easier to utter.</a:t>
+              <a:t> who needs to interpret an utterance. In our model, t</a:t>
+            </a:r>
+            <a:r>
+              <a:rPr lang="en-US" dirty="0" smtClean="0"/>
+              <a:t>he listener incorporates</a:t>
+            </a:r>
+            <a:r>
+              <a:rPr lang="en-US" baseline="0" dirty="0" smtClean="0"/>
+              <a:t> prior knowledge to infer the price and the speaker’s affect given an utterance</a:t>
             </a:r>
             <a:endParaRPr lang="en-US" dirty="0"/>
           </a:p>
@@ -2521,19 +2528,11 @@
           <a:p>
             <a:r>
               <a:rPr lang="en-US" dirty="0" smtClean="0"/>
-              <a:t>Now we turn to the pragmatic listener,</a:t>
+              <a:t>Mathematically,</a:t>
             </a:r>
             <a:r>
               <a:rPr lang="en-US" baseline="0" dirty="0" smtClean="0"/>
-              <a:t> who needs to interpret an utterance. In our model, t</a:t>
-            </a:r>
-            <a:r>
-              <a:rPr lang="en-US" dirty="0" smtClean="0"/>
-              <a:t>he listener incorporates</a:t>
-            </a:r>
-            <a:r>
-              <a:rPr lang="en-US" baseline="0" dirty="0" smtClean="0"/>
-              <a:t> prior knowledge to infer the price and the speaker’s affect given an utterance</a:t>
+              <a:t> this can be written down as this.</a:t>
             </a:r>
             <a:endParaRPr lang="en-US" dirty="0"/>
           </a:p>
@@ -2621,11 +2620,19 @@
           <a:p>
             <a:r>
               <a:rPr lang="en-US" dirty="0" smtClean="0"/>
-              <a:t>Mathematically,</a:t>
+              <a:t>The listener considers </a:t>
             </a:r>
             <a:r>
               <a:rPr lang="en-US" baseline="0" dirty="0" smtClean="0"/>
-              <a:t> this can be written down as this.</a:t>
+              <a:t>the prior probability of a particular price. For example, how likely is it that a kettle costs $1000 </a:t>
+            </a:r>
+            <a:r>
+              <a:rPr lang="en-US" baseline="0" dirty="0" err="1" smtClean="0"/>
+              <a:t>vs</a:t>
+            </a:r>
+            <a:r>
+              <a:rPr lang="en-US" baseline="0" dirty="0" smtClean="0"/>
+              <a:t> $50 dollars? Note that this prior probability changes depending on the type of item. For example, a kettle is unlikely to cost $1000, but a laptop is likely to cost that amount. So this requires prior knowledge of the price distributions for different items.</a:t>
             </a:r>
             <a:endParaRPr lang="en-US" dirty="0"/>
           </a:p>
@@ -2805,19 +2812,11 @@
           <a:p>
             <a:r>
               <a:rPr lang="en-US" dirty="0" smtClean="0"/>
-              <a:t>The listener considers </a:t>
+              <a:t>The listener also considers the </a:t>
             </a:r>
             <a:r>
               <a:rPr lang="en-US" baseline="0" dirty="0" smtClean="0"/>
-              <a:t>the prior probability of a particular price. For example, how likely is it that a kettle costs $1000 </a:t>
-            </a:r>
-            <a:r>
-              <a:rPr lang="en-US" baseline="0" dirty="0" err="1" smtClean="0"/>
-              <a:t>vs</a:t>
-            </a:r>
-            <a:r>
-              <a:rPr lang="en-US" baseline="0" dirty="0" smtClean="0"/>
-              <a:t> $50 dollars? Note that this prior probability changes depending on the type of item. For example, a kettle is unlikely to cost $1000, but a laptop is likely to cost that amount. So this requires prior knowledge of the price distributions for different items.</a:t>
+              <a:t>prior probability of someone having an affect given a price. For example, how likely it is that someone would think that a $10000 dollar kettle is too expensive?</a:t>
             </a:r>
             <a:endParaRPr lang="en-US" dirty="0"/>
           </a:p>
@@ -2905,11 +2904,19 @@
           <a:p>
             <a:r>
               <a:rPr lang="en-US" dirty="0" smtClean="0"/>
-              <a:t>The listener also considers the </a:t>
+              <a:t>The</a:t>
             </a:r>
             <a:r>
               <a:rPr lang="en-US" baseline="0" dirty="0" smtClean="0"/>
-              <a:t>prior probability of someone having an affect given a price. For example, how likely it is that someone would think that a $10000 dollar kettle is too expensive?</a:t>
+              <a:t> listener also considers</a:t>
+            </a:r>
+            <a:r>
+              <a:rPr lang="en-US" dirty="0" smtClean="0"/>
+              <a:t> the prior probability of the speaker having a particular goal. This distribution can be shifted around</a:t>
+            </a:r>
+            <a:r>
+              <a:rPr lang="en-US" baseline="0" dirty="0" smtClean="0"/>
+              <a:t> based on the context of the conversation, but here in this experiment we set it as uniform, meaning the listener thinks it’s equally likely that the speaker will want to communicate the exact price, the approximate price, or her affect.</a:t>
             </a:r>
             <a:endParaRPr lang="en-US" dirty="0"/>
           </a:p>
@@ -2997,21 +3004,15 @@
           <a:p>
             <a:r>
               <a:rPr lang="en-US" dirty="0" smtClean="0"/>
-              <a:t>The</a:t>
+              <a:t>Finally, the pragmatic</a:t>
             </a:r>
             <a:r>
               <a:rPr lang="en-US" baseline="0" dirty="0" smtClean="0"/>
-              <a:t> listener also considers</a:t>
-            </a:r>
-            <a:r>
-              <a:rPr lang="en-US" dirty="0" smtClean="0"/>
-              <a:t> the prior probability of the speaker having a particular goal. This distribution can be shifted around</a:t>
-            </a:r>
-            <a:r>
-              <a:rPr lang="en-US" baseline="0" dirty="0" smtClean="0"/>
-              <a:t> based on the context of the conversation, but here in this experiment we set it as uniform, meaning the listener thinks it’s equally likely that the speaker will want to communicate the exact price, the approximate price, or her affect.</a:t>
-            </a:r>
-            <a:endParaRPr lang="en-US" dirty="0"/>
+              <a:t> listener considers the speaker’s probability of producing an utterance given her goal. This part of the equation was defined in the speaker’s model described earlier.</a:t>
+            </a:r>
+          </a:p>
+          <a:p>
+            <a:endParaRPr lang="en-US" baseline="0" dirty="0" smtClean="0"/>
           </a:p>
         </p:txBody>
       </p:sp>
@@ -3096,16 +3097,10 @@
           <a:lstStyle/>
           <a:p>
             <a:r>
-              <a:rPr lang="en-US" dirty="0" smtClean="0"/>
-              <a:t>Finally, the pragmatic</a:t>
-            </a:r>
-            <a:r>
               <a:rPr lang="en-US" baseline="0" dirty="0" smtClean="0"/>
-              <a:t> listener considers the speaker’s probability of producing an utterance given her goal. This part of the equation was defined in the speaker’s model described earlier.</a:t>
-            </a:r>
-          </a:p>
-          <a:p>
-            <a:endParaRPr lang="en-US" baseline="0" dirty="0" smtClean="0"/>
+              <a:t>Note that a prediction of the model is that tendency to interpret things hyperbolically or literally interacts with prior knowledge about prices and affect. To examine this interaction, we need to consider different price and affect distributions. </a:t>
+            </a:r>
+            <a:endParaRPr lang="en-US" dirty="0"/>
           </a:p>
         </p:txBody>
       </p:sp>
@@ -3191,7 +3186,15 @@
           <a:p>
             <a:r>
               <a:rPr lang="en-US" baseline="0" dirty="0" smtClean="0"/>
-              <a:t>Note that a prediction of the model is that tendency to interpret things hyperbolically or literally interacts with prior knowledge about prices and affect. To examine this interaction, we need to consider different price and affect distributions. </a:t>
+              <a:t>We focused on three item types: electric kettles, laptops, and watches. To get their price priors, we asked 30 subjects on </a:t>
+            </a:r>
+            <a:r>
+              <a:rPr lang="en-US" baseline="0" dirty="0" err="1" smtClean="0"/>
+              <a:t>mTurk</a:t>
+            </a:r>
+            <a:r>
+              <a:rPr lang="en-US" baseline="0" dirty="0" smtClean="0"/>
+              <a:t> to rate how likely it is that certain items cost certain amounts of money. Participants read that a person bought an item, and then rate how likely it is that the item cost different amounts of money using slider bars. We normalized their ratings across each trial to sum up to 1.</a:t>
             </a:r>
             <a:endParaRPr lang="en-US" dirty="0"/>
           </a:p>
@@ -3212,7 +3215,7 @@
           <a:bodyPr/>
           <a:lstStyle/>
           <a:p>
-            <a:fld id="{635D794B-D19E-324A-9F0C-8C04F752D34F}" type="slidenum">
+            <a:fld id="{CDFC20A4-C4FF-5343-8F77-1F5B09205176}" type="slidenum">
               <a:rPr lang="en-US" smtClean="0"/>
               <a:t>34</a:t>
             </a:fld>
@@ -3223,7 +3226,7 @@
     </p:spTree>
     <p:extLst>
       <p:ext uri="{BB962C8B-B14F-4D97-AF65-F5344CB8AC3E}">
-        <p14:creationId xmlns:p14="http://schemas.microsoft.com/office/powerpoint/2010/main" val="2531090091"/>
+        <p14:creationId xmlns:p14="http://schemas.microsoft.com/office/powerpoint/2010/main" val="3182576041"/>
       </p:ext>
     </p:extLst>
   </p:cSld>
@@ -3278,16 +3281,12 @@
           <a:lstStyle/>
           <a:p>
             <a:r>
+              <a:rPr lang="en-US" dirty="0" smtClean="0"/>
+              <a:t>Here are the</a:t>
+            </a:r>
+            <a:r>
               <a:rPr lang="en-US" baseline="0" dirty="0" smtClean="0"/>
-              <a:t>We focused on three item types: electric kettles, laptops, and watches. To get their price priors, we asked 30 subjects on </a:t>
-            </a:r>
-            <a:r>
-              <a:rPr lang="en-US" baseline="0" dirty="0" err="1" smtClean="0"/>
-              <a:t>mTurk</a:t>
-            </a:r>
-            <a:r>
-              <a:rPr lang="en-US" baseline="0" dirty="0" smtClean="0"/>
-              <a:t> to rate how likely it is that certain items cost certain amounts of money. Participants read that a person bought an item, and then rate how likely it is that the item cost different amounts of money using slider bars. We normalized their ratings across each trial to sum up to 1.</a:t>
+              <a:t> price priors we got for the three types of items. You can see that electric kettles are very unlikely to cost more than 50 dollars, while laptops are most likely to cost 500 to 1000 dollars. Watches are likely to cost around 50 dollars, but there are also high-end watches that cost a lot more. So the three domains give us fairly different price priors.</a:t>
             </a:r>
             <a:endParaRPr lang="en-US" dirty="0"/>
           </a:p>
@@ -3375,11 +3374,19 @@
           <a:p>
             <a:r>
               <a:rPr lang="en-US" dirty="0" smtClean="0"/>
-              <a:t>Here are the</a:t>
+              <a:t>To elicit</a:t>
             </a:r>
             <a:r>
               <a:rPr lang="en-US" baseline="0" dirty="0" smtClean="0"/>
-              <a:t> price priors we got for the three types of items. You can see that electric kettles are very unlikely to cost more than 50 dollars, while laptops are most likely to cost 500 to 1000 dollars. Watches are likely to cost around 50 dollars, but there are also high-end watches that cost a lot more. So the three domains give us fairly different price priors.</a:t>
+              <a:t> the affect priors, we asked 30 subjects on mechanical </a:t>
+            </a:r>
+            <a:r>
+              <a:rPr lang="en-US" baseline="0" dirty="0" err="1" smtClean="0"/>
+              <a:t>turk</a:t>
+            </a:r>
+            <a:r>
+              <a:rPr lang="en-US" baseline="0" dirty="0" smtClean="0"/>
+              <a:t>: if someone bought an item that costs a certain amount of money, how likely is it that a buyer would think it’s expensive? We also did this for the three types of items.</a:t>
             </a:r>
             <a:endParaRPr lang="en-US" dirty="0"/>
           </a:p>
@@ -3467,19 +3474,11 @@
           <a:p>
             <a:r>
               <a:rPr lang="en-US" dirty="0" smtClean="0"/>
-              <a:t>To elicit</a:t>
+              <a:t>Here are the results. Generally, the higher the price, the more likely</a:t>
             </a:r>
             <a:r>
               <a:rPr lang="en-US" baseline="0" dirty="0" smtClean="0"/>
-              <a:t> the affect priors, we asked 30 subjects on mechanical </a:t>
-            </a:r>
-            <a:r>
-              <a:rPr lang="en-US" baseline="0" dirty="0" err="1" smtClean="0"/>
-              <a:t>turk</a:t>
-            </a:r>
-            <a:r>
-              <a:rPr lang="en-US" baseline="0" dirty="0" smtClean="0"/>
-              <a:t>: if someone bought an item that costs a certain amount of money, how likely is it that a buyer would think it’s expensive? We also did this for the three types of items.</a:t>
+              <a:t> it is that the buyer would think it’s expensive, with slightly different slopes for the three items.</a:t>
             </a:r>
             <a:endParaRPr lang="en-US" dirty="0"/>
           </a:p>
@@ -3567,11 +3566,11 @@
           <a:p>
             <a:r>
               <a:rPr lang="en-US" dirty="0" smtClean="0"/>
-              <a:t>Here are the results. Generally, the higher the price, the more likely</a:t>
+              <a:t>Finally,</a:t>
             </a:r>
             <a:r>
               <a:rPr lang="en-US" baseline="0" dirty="0" smtClean="0"/>
-              <a:t> it is that the buyer would think it’s expensive, with slightly different slopes for the three items.</a:t>
+              <a:t> we conducted an experiment to elicit people’s interpretations of 30 numeric utterances—10 numeric utterances for each of the 3 item types. 120 participants read a dialogue between a speaker and his friend. Given the speaker’s utterance, the participant is asked to rate how likely it is that the item cost various amounts of money.</a:t>
             </a:r>
             <a:endParaRPr lang="en-US" dirty="0"/>
           </a:p>
@@ -3659,11 +3658,11 @@
           <a:p>
             <a:r>
               <a:rPr lang="en-US" dirty="0" smtClean="0"/>
-              <a:t>Finally,</a:t>
+              <a:t>Here are the results.</a:t>
             </a:r>
             <a:r>
               <a:rPr lang="en-US" baseline="0" dirty="0" smtClean="0"/>
-              <a:t> we conducted an experiment to elicit people’s interpretations of 30 numeric utterances—10 numeric utterances for each of the 3 item types. 120 participants read a dialogue between a speaker and his friend. Given the speaker’s utterance, the participant is asked to rate how likely it is that the item cost various amounts of money.</a:t>
+              <a:t> Each column is an utterance, and each row is the item type. For each utterance in each item type, we get people’s  interpretation distribution, where the x axis is the interpreted price, and the y axis the probability of that interpretation. We will focus on looking at this particular cell, which represents the interpretation distribution for the utterance: “The electric kettle cost 1000 dollars.”</a:t>
             </a:r>
             <a:endParaRPr lang="en-US" dirty="0"/>
           </a:p>
@@ -3839,13 +3838,12 @@
           <a:p>
             <a:r>
               <a:rPr lang="en-US" dirty="0" smtClean="0"/>
-              <a:t>Here are the results.</a:t>
+              <a:t>Here is</a:t>
             </a:r>
             <a:r>
               <a:rPr lang="en-US" baseline="0" dirty="0" smtClean="0"/>
-              <a:t> Each column is an utterance, and each row is the item type. For each utterance in each item type, we get people’s  interpretation distribution, where the x axis is the interpreted price, and the y axis the probability of that interpretation. We will focus on looking at this particular cell, which represents the interpretation distribution for the utterance: “The electric kettle cost 1000 dollars.”</a:t>
-            </a:r>
-            <a:endParaRPr lang="en-US" dirty="0"/>
+              <a:t> again participants’ interpretation distribution for this utterance. We will show that our model uses reasoning about the speaker’s communicative goals to successfully capture humans’ interpretation of this utterance. </a:t>
+            </a:r>
           </a:p>
         </p:txBody>
       </p:sp>
@@ -3875,7 +3873,7 @@
     </p:spTree>
     <p:extLst>
       <p:ext uri="{BB962C8B-B14F-4D97-AF65-F5344CB8AC3E}">
-        <p14:creationId xmlns:p14="http://schemas.microsoft.com/office/powerpoint/2010/main" val="3182576041"/>
+        <p14:creationId xmlns:p14="http://schemas.microsoft.com/office/powerpoint/2010/main" val="971079904"/>
       </p:ext>
     </p:extLst>
   </p:cSld>
@@ -3931,12 +3929,13 @@
           <a:p>
             <a:r>
               <a:rPr lang="en-US" dirty="0" smtClean="0"/>
-              <a:t>Here is</a:t>
+              <a:t>If the</a:t>
             </a:r>
             <a:r>
               <a:rPr lang="en-US" baseline="0" dirty="0" smtClean="0"/>
-              <a:t> again participants’ interpretation distribution for this utterance. We will show that our model uses reasoning about the speaker’s communicative goals to successfully capture humans’ interpretation of this utterance. </a:t>
-            </a:r>
+              <a:t> model does not consider the speaker’s communicative goals, it will interpret the utterance purely literally and think the kettle cost 1000 dollars with 100% certainty.</a:t>
+            </a:r>
+            <a:endParaRPr lang="en-US" dirty="0"/>
           </a:p>
         </p:txBody>
       </p:sp>
@@ -4022,11 +4021,11 @@
           <a:p>
             <a:r>
               <a:rPr lang="en-US" dirty="0" smtClean="0"/>
-              <a:t>If the</a:t>
+              <a:t>If the model</a:t>
             </a:r>
             <a:r>
               <a:rPr lang="en-US" baseline="0" dirty="0" smtClean="0"/>
-              <a:t> model does not consider the speaker’s communicative goals, it will interpret the utterance purely literally and think the kettle cost 1000 dollars with 100% certainty.</a:t>
+              <a:t> considers the possibility that the speaker wants to communicate the price approximately, it will now think that it’s fairly likely the actual price was 1001 dollars. The intuition here is that if the kettle cost 1001 dollars and speaker wants to just communicate approximately, 1000 is a more reasonable thing to say because it is less costly to utter.</a:t>
             </a:r>
             <a:endParaRPr lang="en-US" dirty="0"/>
           </a:p>
@@ -4114,11 +4113,11 @@
           <a:p>
             <a:r>
               <a:rPr lang="en-US" dirty="0" smtClean="0"/>
-              <a:t>If the model</a:t>
+              <a:t>Now, </a:t>
             </a:r>
             <a:r>
               <a:rPr lang="en-US" baseline="0" dirty="0" smtClean="0"/>
-              <a:t> considers the possibility that the speaker wants to communicate the price approximately, it will now think that it’s fairly likely the actual price was 1001 dollars. The intuition here is that if the kettle cost 1001 dollars and speaker wants to just communicate approximately, 1000 is a more reasonable thing to say because it is less costly to utter.</a:t>
+              <a:t>If we let the model reason about a speaker who might have the goal of communicating the price exactly or communicating affect about the price, the model’s interpretation now places higher probability on “50” and “51”, which are more likely prices for kettles. The intuition here is that if the kettle cost 50 dollars and the speaker wants to say she thinks it’s expensive, “1000” dollars is a reasonable thing to say because it will satisfy her goal of communicating to the listener that she thinks it’s expensive.</a:t>
             </a:r>
             <a:endParaRPr lang="en-US" dirty="0"/>
           </a:p>
@@ -4206,11 +4205,11 @@
           <a:p>
             <a:r>
               <a:rPr lang="en-US" dirty="0" smtClean="0"/>
-              <a:t>Now, </a:t>
+              <a:t>Finally, </a:t>
             </a:r>
             <a:r>
               <a:rPr lang="en-US" baseline="0" dirty="0" smtClean="0"/>
-              <a:t>If we let the model reason about a speaker who might have the goal of communicating the price exactly or communicating affect about the price, the model’s interpretation now places higher probability on “50” and “51”, which are more likely prices for kettles. The intuition here is that if the kettle cost 50 dollars and the speaker wants to say she thinks it’s expensive, “1000” dollars is a reasonable thing to say because it will satisfy her goal of communicating to the listener that she thinks it’s expensive.</a:t>
+              <a:t>with the full set of goals, we see that the model very closely matches humans’ interpretation of this utterance, with the full range of possibilities that humans consider: the utterance is meant to be hyperbolic, the utterance is meant to be exact, and the utterance is meant to be approximate.</a:t>
             </a:r>
             <a:endParaRPr lang="en-US" dirty="0"/>
           </a:p>
@@ -4298,13 +4297,12 @@
           <a:p>
             <a:r>
               <a:rPr lang="en-US" dirty="0" smtClean="0"/>
-              <a:t>Finally, </a:t>
+              <a:t>In fact, looking</a:t>
             </a:r>
             <a:r>
               <a:rPr lang="en-US" baseline="0" dirty="0" smtClean="0"/>
-              <a:t>with the full set of goals, we see that the model very closely matches humans’ interpretation of this utterance, with the full range of possibilities that humans consider: the utterance is meant to be hyperbolic, the utterance is meant to be exact, and the utterance is meant to be approximate.</a:t>
-            </a:r>
-            <a:endParaRPr lang="en-US" dirty="0"/>
+              <a:t> at the model’s predictions for all of the utterances that we considered, the correlation with human interpretations is 0.97. This correlation is consistent across item types and also across the different kinds of interpretation, such as exact, fuzzy, and hyperbolic. We now turn to examine how each part of the model is responsible for various patterns in the human data. </a:t>
+            </a:r>
           </a:p>
         </p:txBody>
       </p:sp>
@@ -4334,7 +4332,7 @@
     </p:spTree>
     <p:extLst>
       <p:ext uri="{BB962C8B-B14F-4D97-AF65-F5344CB8AC3E}">
-        <p14:creationId xmlns:p14="http://schemas.microsoft.com/office/powerpoint/2010/main" val="971079904"/>
+        <p14:creationId xmlns:p14="http://schemas.microsoft.com/office/powerpoint/2010/main" val="1388347675"/>
       </p:ext>
     </p:extLst>
   </p:cSld>
@@ -4390,12 +4388,57 @@
           <a:p>
             <a:r>
               <a:rPr lang="en-US" dirty="0" smtClean="0"/>
-              <a:t>In fact, looking</a:t>
+              <a:t>This graph examines hyperbolic</a:t>
             </a:r>
             <a:r>
               <a:rPr lang="en-US" baseline="0" dirty="0" smtClean="0"/>
-              <a:t> at the model’s predictions for all of the utterances that we considered, the correlation with human interpretations is 0.97. This correlation is consistent across item types and also across the different kinds of interpretation, such as exact, fuzzy, and hyperbolic. We now turn to examine how each part of the model is responsible for various patterns in the human data. </a:t>
-            </a:r>
+              <a:t> interpretations given different utterances. </a:t>
+            </a:r>
+            <a:r>
+              <a:rPr lang="en-US" dirty="0" smtClean="0"/>
+              <a:t>The</a:t>
+            </a:r>
+            <a:r>
+              <a:rPr lang="en-US" baseline="0" dirty="0" smtClean="0"/>
+              <a:t> x axis is the utterance, and the y axis is the probability that the utterance is interpreted hyperbolically, in other words interpreted as being much less expensive than the literal meaning. Humans are more likely to interpret larger utterances as hyperbolic, and this interacts with the item types. Our model captures this general pattern. However, a model that uses a uniform price prior instead of the empirically derived priors was not able to distinguish among the item types. </a:t>
+            </a:r>
+            <a:r>
+              <a:rPr lang="en-US" sz="1200" kern="1200" dirty="0" smtClean="0">
+                <a:solidFill>
+                  <a:schemeClr val="tx1"/>
+                </a:solidFill>
+                <a:effectLst/>
+                <a:latin typeface="+mn-lt"/>
+                <a:ea typeface="+mn-ea"/>
+                <a:cs typeface="+mn-cs"/>
+              </a:rPr>
+              <a:t>This confirms the hypothesis that people use their prior knowledge of an item’s</a:t>
+            </a:r>
+            <a:r>
+              <a:rPr lang="en-US" sz="1200" kern="1200" baseline="0" dirty="0" smtClean="0">
+                <a:solidFill>
+                  <a:schemeClr val="tx1"/>
+                </a:solidFill>
+                <a:effectLst/>
+                <a:latin typeface="+mn-lt"/>
+                <a:ea typeface="+mn-ea"/>
+                <a:cs typeface="+mn-cs"/>
+              </a:rPr>
+              <a:t> price distribution </a:t>
+            </a:r>
+            <a:r>
+              <a:rPr lang="en-US" sz="1200" kern="1200" dirty="0" smtClean="0">
+                <a:solidFill>
+                  <a:schemeClr val="tx1"/>
+                </a:solidFill>
+                <a:effectLst/>
+                <a:latin typeface="+mn-lt"/>
+                <a:ea typeface="+mn-ea"/>
+                <a:cs typeface="+mn-cs"/>
+              </a:rPr>
+              <a:t>to infer hyperbolic interpretations. </a:t>
+            </a:r>
+            <a:endParaRPr lang="en-US" dirty="0"/>
           </a:p>
         </p:txBody>
       </p:sp>
@@ -4414,7 +4457,7 @@
           <a:bodyPr/>
           <a:lstStyle/>
           <a:p>
-            <a:fld id="{CDFC20A4-C4FF-5343-8F77-1F5B09205176}" type="slidenum">
+            <a:fld id="{CC461698-6A64-7243-B1B4-65A0068048AF}" type="slidenum">
               <a:rPr lang="en-US" smtClean="0"/>
               <a:t>46</a:t>
             </a:fld>
@@ -4425,7 +4468,7 @@
     </p:spTree>
     <p:extLst>
       <p:ext uri="{BB962C8B-B14F-4D97-AF65-F5344CB8AC3E}">
-        <p14:creationId xmlns:p14="http://schemas.microsoft.com/office/powerpoint/2010/main" val="1388347675"/>
+        <p14:creationId xmlns:p14="http://schemas.microsoft.com/office/powerpoint/2010/main" val="1836484117"/>
       </p:ext>
     </p:extLst>
   </p:cSld>
@@ -4481,19 +4524,11 @@
           <a:p>
             <a:r>
               <a:rPr lang="en-US" dirty="0" smtClean="0"/>
-              <a:t>This graph examines hyperbolic</a:t>
+              <a:t>We now look at a</a:t>
             </a:r>
             <a:r>
               <a:rPr lang="en-US" baseline="0" dirty="0" smtClean="0"/>
-              <a:t> interpretations given different utterances. </a:t>
-            </a:r>
-            <a:r>
-              <a:rPr lang="en-US" dirty="0" smtClean="0"/>
-              <a:t>The</a:t>
-            </a:r>
-            <a:r>
-              <a:rPr lang="en-US" baseline="0" dirty="0" smtClean="0"/>
-              <a:t> x axis is the utterance, and the y axis is the probability that the utterance is interpreted hyperbolically, in other words interpreted as being much less expensive than the literal meaning. Humans are more likely to interpret larger utterances as hyperbolic, and this interacts with the item types. Our model captures this general pattern. However, a model that uses a uniform price prior instead of the empirically derived priors was not able to distinguish among the item types. </a:t>
+              <a:t> part of the model that is responsible for the pragmatic halo effect. The x axis here is the utterance type, whether an utterance is a round number or a sharp number. The y axis is the bias for the utterance to be interpreted exactly rather than fuzzily. An example of a fuzzy interpretation is the utterance “1000” interpreted as “1001” or vice versa. We see that for humans, sharp utterances are significantly more likely to have a bias for exact interpretations, which is consistent with previous findings. Our full model also replicates this pattern. However, a model that uses a uniform utterance cost does not produce a distinction between round and sharp utterances. </a:t>
             </a:r>
             <a:r>
               <a:rPr lang="en-US" sz="1200" kern="1200" dirty="0" smtClean="0">
@@ -4505,33 +4540,17 @@
                 <a:ea typeface="+mn-ea"/>
                 <a:cs typeface="+mn-cs"/>
               </a:rPr>
-              <a:t>This confirms the hypothesis that people use their prior knowledge of an item’s</a:t>
-            </a:r>
-            <a:r>
-              <a:rPr lang="en-US" sz="1200" kern="1200" baseline="0" dirty="0" smtClean="0">
-                <a:solidFill>
-                  <a:schemeClr val="tx1"/>
-                </a:solidFill>
-                <a:effectLst/>
-                <a:latin typeface="+mn-lt"/>
-                <a:ea typeface="+mn-ea"/>
-                <a:cs typeface="+mn-cs"/>
-              </a:rPr>
-              <a:t> price distribution </a:t>
-            </a:r>
-            <a:r>
-              <a:rPr lang="en-US" sz="1200" kern="1200" dirty="0" smtClean="0">
-                <a:solidFill>
-                  <a:schemeClr val="tx1"/>
-                </a:solidFill>
-                <a:effectLst/>
-                <a:latin typeface="+mn-lt"/>
-                <a:ea typeface="+mn-ea"/>
-                <a:cs typeface="+mn-cs"/>
-              </a:rPr>
-              <a:t>to infer hyperbolic interpretations. </a:t>
-            </a:r>
-            <a:endParaRPr lang="en-US" dirty="0"/>
+              <a:t>This suggests that people consider utterance costs and communicative efficiency when inferring exact versus fuzzy interpretations. </a:t>
+            </a:r>
+            <a:endParaRPr lang="en-US" sz="1200" kern="1200" dirty="0">
+              <a:solidFill>
+                <a:schemeClr val="tx1"/>
+              </a:solidFill>
+              <a:effectLst/>
+              <a:latin typeface="+mn-lt"/>
+              <a:ea typeface="+mn-ea"/>
+              <a:cs typeface="+mn-cs"/>
+            </a:endParaRPr>
           </a:p>
         </p:txBody>
       </p:sp>
@@ -4561,7 +4580,7 @@
     </p:spTree>
     <p:extLst>
       <p:ext uri="{BB962C8B-B14F-4D97-AF65-F5344CB8AC3E}">
-        <p14:creationId xmlns:p14="http://schemas.microsoft.com/office/powerpoint/2010/main" val="1836484117"/>
+        <p14:creationId xmlns:p14="http://schemas.microsoft.com/office/powerpoint/2010/main" val="3570512816"/>
       </p:ext>
     </p:extLst>
   </p:cSld>
@@ -4617,33 +4636,13 @@
           <a:p>
             <a:r>
               <a:rPr lang="en-US" dirty="0" smtClean="0"/>
-              <a:t>We now look at a</a:t>
+              <a:t>Finally, we wanted</a:t>
             </a:r>
             <a:r>
               <a:rPr lang="en-US" baseline="0" dirty="0" smtClean="0"/>
-              <a:t> part of the model that is responsible for the pragmatic halo effect. The x axis here is the utterance type, whether an utterance is a round number or a sharp number. The y axis is the bias for the utterance to be interpreted exactly rather than fuzzily. An example of a fuzzy interpretation is the utterance “1000” interpreted as “1001” or vice versa. We see that for humans, sharp utterances are significantly more likely to have a bias for exact interpretations, which is consistent with previous findings. Our full model also replicates this pattern. However, a model that uses a uniform utterance cost does not produce a distinction between round and sharp utterances. </a:t>
-            </a:r>
-            <a:r>
-              <a:rPr lang="en-US" sz="1200" kern="1200" dirty="0" smtClean="0">
-                <a:solidFill>
-                  <a:schemeClr val="tx1"/>
-                </a:solidFill>
-                <a:effectLst/>
-                <a:latin typeface="+mn-lt"/>
-                <a:ea typeface="+mn-ea"/>
-                <a:cs typeface="+mn-cs"/>
-              </a:rPr>
-              <a:t>This suggests that people consider utterance costs and communicative efficiency when inferring exact versus fuzzy interpretations. </a:t>
-            </a:r>
-            <a:endParaRPr lang="en-US" sz="1200" kern="1200" dirty="0">
-              <a:solidFill>
-                <a:schemeClr val="tx1"/>
-              </a:solidFill>
-              <a:effectLst/>
-              <a:latin typeface="+mn-lt"/>
-              <a:ea typeface="+mn-ea"/>
-              <a:cs typeface="+mn-cs"/>
-            </a:endParaRPr>
+              <a:t> to test the important intuition that hyperbole conveys additional affect. We conducted a separate experiment on 160 participants. In this experiment, participants are told the actual price of an item, and so they know when the speaker is being hyperbolic and when he is being literal. Participants are asked to rate how likely it is that the speaker thinks the item was expensive.</a:t>
+            </a:r>
+            <a:endParaRPr lang="en-US" dirty="0"/>
           </a:p>
         </p:txBody>
       </p:sp>
@@ -4662,7 +4661,7 @@
           <a:bodyPr/>
           <a:lstStyle/>
           <a:p>
-            <a:fld id="{CC461698-6A64-7243-B1B4-65A0068048AF}" type="slidenum">
+            <a:fld id="{CDFC20A4-C4FF-5343-8F77-1F5B09205176}" type="slidenum">
               <a:rPr lang="en-US" smtClean="0"/>
               <a:t>48</a:t>
             </a:fld>
@@ -4673,7 +4672,7 @@
     </p:spTree>
     <p:extLst>
       <p:ext uri="{BB962C8B-B14F-4D97-AF65-F5344CB8AC3E}">
-        <p14:creationId xmlns:p14="http://schemas.microsoft.com/office/powerpoint/2010/main" val="3570512816"/>
+        <p14:creationId xmlns:p14="http://schemas.microsoft.com/office/powerpoint/2010/main" val="1556500290"/>
       </p:ext>
     </p:extLst>
   </p:cSld>
@@ -4728,12 +4727,104 @@
           <a:lstStyle/>
           <a:p>
             <a:r>
-              <a:rPr lang="en-US" dirty="0" smtClean="0"/>
-              <a:t>Finally, we wanted</a:t>
-            </a:r>
-            <a:r>
               <a:rPr lang="en-US" baseline="0" dirty="0" smtClean="0"/>
-              <a:t> to test the important intuition that hyperbole conveys additional affect. We conducted a separate experiment on 160 participants. In this experiment, participants are told the actual price of an item, and so they know when the speaker is being hyperbolic and when he is being literal. Participants are asked to rate how likely it is that the speaker thinks the item was expensive.</a:t>
+              <a:t>This figure shows the probability of interpreting affect given different price states and utterances. Here the x axis is the actual price of the item, and the y axis is the probability that the speaker has an affect that it’s too expensive. The solid points indicate literal utterances. For example, the left-most yellow point indicates when a watch actually cost 50 dollars, and the speaker said it cost 50 dollars. The star-shaped points are when the utterance is hyperbolic. For example, the left-most yellow star indicates when a watch actually cost 50 dollars, but the speaker said it cost 500, 1000, 5000, or 10000 dollars. </a:t>
+            </a:r>
+            <a:r>
+              <a:rPr lang="en-US" sz="1200" kern="1200" dirty="0" smtClean="0">
+                <a:solidFill>
+                  <a:schemeClr val="tx1"/>
+                </a:solidFill>
+                <a:effectLst/>
+                <a:latin typeface="+mn-lt"/>
+                <a:ea typeface="+mn-ea"/>
+                <a:cs typeface="+mn-cs"/>
+              </a:rPr>
+              <a:t>The human data shows two effects. First, higher actual price states are associated with higher probability of affect, which is not surprising. Second, and more interestingly,</a:t>
+            </a:r>
+            <a:r>
+              <a:rPr lang="en-US" sz="1200" kern="1200" baseline="0" dirty="0" smtClean="0">
+                <a:solidFill>
+                  <a:schemeClr val="tx1"/>
+                </a:solidFill>
+                <a:effectLst/>
+                <a:latin typeface="+mn-lt"/>
+                <a:ea typeface="+mn-ea"/>
+                <a:cs typeface="+mn-cs"/>
+              </a:rPr>
+              <a:t> w</a:t>
+            </a:r>
+            <a:r>
+              <a:rPr lang="en-US" sz="1200" kern="1200" dirty="0" smtClean="0">
+                <a:solidFill>
+                  <a:schemeClr val="tx1"/>
+                </a:solidFill>
+                <a:effectLst/>
+                <a:latin typeface="+mn-lt"/>
+                <a:ea typeface="+mn-ea"/>
+                <a:cs typeface="+mn-cs"/>
+              </a:rPr>
+              <a:t>ithin the same actual price state, hyperbolic utterances are interpreted as conveying more affect than literal utterances.</a:t>
+            </a:r>
+            <a:r>
+              <a:rPr lang="en-US" sz="1200" kern="1200" baseline="0" dirty="0" smtClean="0">
+                <a:solidFill>
+                  <a:schemeClr val="tx1"/>
+                </a:solidFill>
+                <a:effectLst/>
+                <a:latin typeface="+mn-lt"/>
+                <a:ea typeface="+mn-ea"/>
+                <a:cs typeface="+mn-cs"/>
+              </a:rPr>
+              <a:t> If someone buys a watch that cost 5000 dollars but says it cost </a:t>
+            </a:r>
+            <a:r>
+              <a:rPr lang="en-US" sz="1200" kern="1200" baseline="0" smtClean="0">
+                <a:solidFill>
+                  <a:schemeClr val="tx1"/>
+                </a:solidFill>
+                <a:effectLst/>
+                <a:latin typeface="+mn-lt"/>
+                <a:ea typeface="+mn-ea"/>
+                <a:cs typeface="+mn-cs"/>
+              </a:rPr>
+              <a:t>10000 dollars…. </a:t>
+            </a:r>
+            <a:r>
+              <a:rPr lang="en-US" sz="1200" kern="1200" dirty="0" smtClean="0">
+                <a:solidFill>
+                  <a:schemeClr val="tx1"/>
+                </a:solidFill>
+                <a:effectLst/>
+                <a:latin typeface="+mn-lt"/>
+                <a:ea typeface="+mn-ea"/>
+                <a:cs typeface="+mn-cs"/>
+              </a:rPr>
+              <a:t>Both effects are replicated by the full model, but not by a model that uses</a:t>
+            </a:r>
+            <a:r>
+              <a:rPr lang="en-US" sz="1200" kern="1200" baseline="0" dirty="0" smtClean="0">
+                <a:solidFill>
+                  <a:schemeClr val="tx1"/>
+                </a:solidFill>
+                <a:effectLst/>
+                <a:latin typeface="+mn-lt"/>
+                <a:ea typeface="+mn-ea"/>
+                <a:cs typeface="+mn-cs"/>
+              </a:rPr>
+              <a:t> a uniform affect prior</a:t>
+            </a:r>
+            <a:r>
+              <a:rPr lang="en-US" sz="1200" kern="1200" dirty="0" smtClean="0">
+                <a:solidFill>
+                  <a:schemeClr val="tx1"/>
+                </a:solidFill>
+                <a:effectLst/>
+                <a:latin typeface="+mn-lt"/>
+                <a:ea typeface="+mn-ea"/>
+                <a:cs typeface="+mn-cs"/>
+              </a:rPr>
+              <a:t>. This shows that the rhetorical effect of hyperbole is driven in part by prior knowledge of affect associated with different prices. </a:t>
             </a:r>
             <a:endParaRPr lang="en-US" dirty="0"/>
           </a:p>
@@ -4765,7 +4856,7 @@
     </p:spTree>
     <p:extLst>
       <p:ext uri="{BB962C8B-B14F-4D97-AF65-F5344CB8AC3E}">
-        <p14:creationId xmlns:p14="http://schemas.microsoft.com/office/powerpoint/2010/main" val="1556500290"/>
+        <p14:creationId xmlns:p14="http://schemas.microsoft.com/office/powerpoint/2010/main" val="919386250"/>
       </p:ext>
     </p:extLst>
   </p:cSld>
@@ -4912,104 +5003,12 @@
           <a:lstStyle/>
           <a:p>
             <a:r>
+              <a:rPr lang="en-US" dirty="0" smtClean="0"/>
+              <a:t>Here</a:t>
+            </a:r>
+            <a:r>
               <a:rPr lang="en-US" baseline="0" dirty="0" smtClean="0"/>
-              <a:t>This figure shows the probability of interpreting affect given different price states and utterances. Here the x axis is the actual price of the item, and the y axis is the probability that the speaker has an affect that it’s too expensive. The solid points indicate literal utterances. For example, the left-most yellow point indicates when a watch actually cost 50 dollars, and the speaker said it cost 50 dollars. The star-shaped points are when the utterance is hyperbolic. For example, the left-most yellow star indicates when a watch actually cost 50 dollars, but the speaker said it cost 500, 1000, 5000, or 10000 dollars. </a:t>
-            </a:r>
-            <a:r>
-              <a:rPr lang="en-US" sz="1200" kern="1200" dirty="0" smtClean="0">
-                <a:solidFill>
-                  <a:schemeClr val="tx1"/>
-                </a:solidFill>
-                <a:effectLst/>
-                <a:latin typeface="+mn-lt"/>
-                <a:ea typeface="+mn-ea"/>
-                <a:cs typeface="+mn-cs"/>
-              </a:rPr>
-              <a:t>The human data shows two effects. First, higher actual price states are associated with higher probability of affect, which is not surprising. Second, and more interestingly,</a:t>
-            </a:r>
-            <a:r>
-              <a:rPr lang="en-US" sz="1200" kern="1200" baseline="0" dirty="0" smtClean="0">
-                <a:solidFill>
-                  <a:schemeClr val="tx1"/>
-                </a:solidFill>
-                <a:effectLst/>
-                <a:latin typeface="+mn-lt"/>
-                <a:ea typeface="+mn-ea"/>
-                <a:cs typeface="+mn-cs"/>
-              </a:rPr>
-              <a:t> w</a:t>
-            </a:r>
-            <a:r>
-              <a:rPr lang="en-US" sz="1200" kern="1200" dirty="0" smtClean="0">
-                <a:solidFill>
-                  <a:schemeClr val="tx1"/>
-                </a:solidFill>
-                <a:effectLst/>
-                <a:latin typeface="+mn-lt"/>
-                <a:ea typeface="+mn-ea"/>
-                <a:cs typeface="+mn-cs"/>
-              </a:rPr>
-              <a:t>ithin the same actual price state, hyperbolic utterances are interpreted as conveying more affect than literal utterances.</a:t>
-            </a:r>
-            <a:r>
-              <a:rPr lang="en-US" sz="1200" kern="1200" baseline="0" dirty="0" smtClean="0">
-                <a:solidFill>
-                  <a:schemeClr val="tx1"/>
-                </a:solidFill>
-                <a:effectLst/>
-                <a:latin typeface="+mn-lt"/>
-                <a:ea typeface="+mn-ea"/>
-                <a:cs typeface="+mn-cs"/>
-              </a:rPr>
-              <a:t> If someone buys a watch that cost 5000 dollars but says it cost </a:t>
-            </a:r>
-            <a:r>
-              <a:rPr lang="en-US" sz="1200" kern="1200" baseline="0" smtClean="0">
-                <a:solidFill>
-                  <a:schemeClr val="tx1"/>
-                </a:solidFill>
-                <a:effectLst/>
-                <a:latin typeface="+mn-lt"/>
-                <a:ea typeface="+mn-ea"/>
-                <a:cs typeface="+mn-cs"/>
-              </a:rPr>
-              <a:t>10000 dollars…. </a:t>
-            </a:r>
-            <a:r>
-              <a:rPr lang="en-US" sz="1200" kern="1200" dirty="0" smtClean="0">
-                <a:solidFill>
-                  <a:schemeClr val="tx1"/>
-                </a:solidFill>
-                <a:effectLst/>
-                <a:latin typeface="+mn-lt"/>
-                <a:ea typeface="+mn-ea"/>
-                <a:cs typeface="+mn-cs"/>
-              </a:rPr>
-              <a:t>Both effects are replicated by the full model, but not by a model that uses</a:t>
-            </a:r>
-            <a:r>
-              <a:rPr lang="en-US" sz="1200" kern="1200" baseline="0" dirty="0" smtClean="0">
-                <a:solidFill>
-                  <a:schemeClr val="tx1"/>
-                </a:solidFill>
-                <a:effectLst/>
-                <a:latin typeface="+mn-lt"/>
-                <a:ea typeface="+mn-ea"/>
-                <a:cs typeface="+mn-cs"/>
-              </a:rPr>
-              <a:t> a uniform affect prior</a:t>
-            </a:r>
-            <a:r>
-              <a:rPr lang="en-US" sz="1200" kern="1200" dirty="0" smtClean="0">
-                <a:solidFill>
-                  <a:schemeClr val="tx1"/>
-                </a:solidFill>
-                <a:effectLst/>
-                <a:latin typeface="+mn-lt"/>
-                <a:ea typeface="+mn-ea"/>
-                <a:cs typeface="+mn-cs"/>
-              </a:rPr>
-              <a:t>. This shows that the rhetorical effect of hyperbole is driven in part by prior knowledge of affect associated with different prices. </a:t>
+              <a:t> is a scatter plot correlating the model predictions of speaker’s affect given different utterances and actual prices with human interpretations. The correlation is respectable, 0.77, suggesting that the model is able to successfully capture and predict the affective dimensions of hyperbole, although there are still systematic patterns in the residuals that we hope future work will help explain.</a:t>
             </a:r>
             <a:endParaRPr lang="en-US" dirty="0"/>
           </a:p>
@@ -5070,7 +5069,7 @@
       </p:grpSpPr>
       <p:sp>
         <p:nvSpPr>
-          <p:cNvPr id="2" name="Slide Image Placeholder 1"/>
+          <p:cNvPr id="2" name="投影片影像版面配置區 1"/>
           <p:cNvSpPr>
             <a:spLocks noGrp="1" noRot="1" noChangeAspect="1"/>
           </p:cNvSpPr>
@@ -5082,7 +5081,7 @@
       </p:sp>
       <p:sp>
         <p:nvSpPr>
-          <p:cNvPr id="3" name="Notes Placeholder 2"/>
+          <p:cNvPr id="3" name="備忘稿版面配置區 2"/>
           <p:cNvSpPr>
             <a:spLocks noGrp="1"/>
           </p:cNvSpPr>
@@ -5096,20 +5095,44 @@
           <a:lstStyle/>
           <a:p>
             <a:r>
-              <a:rPr lang="en-US" dirty="0" smtClean="0"/>
-              <a:t>Here</a:t>
-            </a:r>
-            <a:r>
-              <a:rPr lang="en-US" baseline="0" dirty="0" smtClean="0"/>
-              <a:t> is a scatter plot correlating the model predictions of speaker’s affect given different utterances and actual prices with human interpretations. The correlation is respectable, 0.77, suggesting that the model is able to successfully capture and predict the affective dimensions of hyperbole, although there are still systematic patterns in the residuals that we hope future work will help explain.</a:t>
-            </a:r>
-            <a:endParaRPr lang="en-US" dirty="0"/>
-          </a:p>
-        </p:txBody>
-      </p:sp>
-      <p:sp>
-        <p:nvSpPr>
-          <p:cNvPr id="4" name="Slide Number Placeholder 3"/>
+              <a:rPr lang="en-US" sz="1200" dirty="0" smtClean="0"/>
+              <a:t>In conclusion, our model’s quantitative predictions closely match humans’ interpretations of hyperbole.</a:t>
+            </a:r>
+            <a:r>
+              <a:rPr lang="en-US" sz="1200" baseline="0" dirty="0" smtClean="0"/>
+              <a:t> Also, o</a:t>
+            </a:r>
+            <a:r>
+              <a:rPr lang="en-US" sz="1200" dirty="0" smtClean="0"/>
+              <a:t>ur model and behavioral results show that nonliteral number interpretation depends on reasoning about the speaker’s communicative goal, prior knowledge about item</a:t>
+            </a:r>
+            <a:r>
+              <a:rPr lang="en-US" sz="1200" baseline="0" dirty="0" smtClean="0"/>
+              <a:t> under discussion</a:t>
+            </a:r>
+            <a:r>
+              <a:rPr lang="en-US" sz="1200" dirty="0" smtClean="0"/>
+              <a:t>, and consideration of communicative efficiency.</a:t>
+            </a:r>
+            <a:r>
+              <a:rPr lang="en-US" sz="1200" baseline="0" dirty="0" smtClean="0"/>
+              <a:t> </a:t>
+            </a:r>
+            <a:r>
+              <a:rPr lang="en-US" sz="1200" dirty="0" smtClean="0"/>
+              <a:t>Other questions</a:t>
+            </a:r>
+            <a:r>
+              <a:rPr lang="en-US" sz="1200" baseline="0" dirty="0" smtClean="0"/>
+              <a:t> we aim to answer in the future include, what happens when the priors are not common knowledge, and the listener is uncertain about what the prior distribution looks like? Can we model sarcasm using similar principles? Finally, can we model other kinds of nonliteral language? Regarding the last point, we are currently working on a model for metaphor understanding. </a:t>
+            </a:r>
+            <a:endParaRPr lang="en-US" sz="1200" dirty="0" smtClean="0"/>
+          </a:p>
+        </p:txBody>
+      </p:sp>
+      <p:sp>
+        <p:nvSpPr>
+          <p:cNvPr id="4" name="投影片編號版面配置區 3"/>
           <p:cNvSpPr>
             <a:spLocks noGrp="1"/>
           </p:cNvSpPr>
@@ -5133,7 +5156,7 @@
     </p:spTree>
     <p:extLst>
       <p:ext uri="{BB962C8B-B14F-4D97-AF65-F5344CB8AC3E}">
-        <p14:creationId xmlns:p14="http://schemas.microsoft.com/office/powerpoint/2010/main" val="919386250"/>
+        <p14:creationId xmlns:p14="http://schemas.microsoft.com/office/powerpoint/2010/main" val="3944191033"/>
       </p:ext>
     </p:extLst>
   </p:cSld>
@@ -5188,38 +5211,14 @@
           <a:lstStyle/>
           <a:p>
             <a:r>
-              <a:rPr lang="en-US" sz="1200" dirty="0" smtClean="0"/>
-              <a:t>In conclusion, our model’s quantitative predictions closely match humans’ interpretations of hyperbole.</a:t>
-            </a:r>
-            <a:r>
-              <a:rPr lang="en-US" sz="1200" baseline="0" dirty="0" smtClean="0"/>
-              <a:t> Also, o</a:t>
-            </a:r>
-            <a:r>
-              <a:rPr lang="en-US" sz="1200" dirty="0" smtClean="0"/>
-              <a:t>ur model and behavioral results show that nonliteral number interpretation depends on reasoning about the speaker’s communicative goal, prior knowledge about item</a:t>
-            </a:r>
-            <a:r>
-              <a:rPr lang="en-US" sz="1200" baseline="0" dirty="0" smtClean="0"/>
-              <a:t> under discussion</a:t>
-            </a:r>
-            <a:r>
-              <a:rPr lang="en-US" sz="1200" dirty="0" smtClean="0"/>
-              <a:t>, and consideration of communicative efficiency.</a:t>
-            </a:r>
-            <a:r>
-              <a:rPr lang="en-US" sz="1200" baseline="0" dirty="0" smtClean="0"/>
-              <a:t> </a:t>
-            </a:r>
-            <a:r>
-              <a:rPr lang="en-US" sz="1200" dirty="0" smtClean="0"/>
-              <a:t>Other questions</a:t>
-            </a:r>
-            <a:r>
-              <a:rPr lang="en-US" sz="1200" baseline="0" dirty="0" smtClean="0"/>
-              <a:t> we aim to answer in the future include, what happens when the priors are not common knowledge, and the listener is uncertain about what the prior distribution looks like? Can we model sarcasm using similar principles? Finally, can we model other kinds of nonliteral language? Regarding the last point, we are currently working on a model for metaphor understanding. </a:t>
-            </a:r>
-            <a:endParaRPr lang="en-US" sz="1200" dirty="0" smtClean="0"/>
+              <a:rPr kumimoji="1" lang="en-US" altLang="zh-TW" dirty="0" smtClean="0"/>
+              <a:t>Returning</a:t>
+            </a:r>
+            <a:r>
+              <a:rPr kumimoji="1" lang="en-US" altLang="zh-TW" baseline="0" dirty="0" smtClean="0"/>
+              <a:t> to the Juliet example,</a:t>
+            </a:r>
+            <a:endParaRPr kumimoji="1" lang="zh-TW" altLang="en-US" dirty="0"/>
           </a:p>
         </p:txBody>
       </p:sp>
@@ -5305,11 +5304,11 @@
           <a:p>
             <a:r>
               <a:rPr kumimoji="1" lang="en-US" altLang="zh-TW" dirty="0" smtClean="0"/>
-              <a:t>Returning</a:t>
+              <a:t>We</a:t>
             </a:r>
             <a:r>
               <a:rPr kumimoji="1" lang="en-US" altLang="zh-TW" baseline="0" dirty="0" smtClean="0"/>
-              <a:t> to the Juliet example,</a:t>
+              <a:t> can model metaphor interpretation in similar ways. Instead of the probability of affect given a price, the listener now considers the probability of a feature given a category. For example, what is the probability that the sun is made of hot plasma? What is the probability that the sun is beautiful?</a:t>
             </a:r>
             <a:endParaRPr kumimoji="1" lang="zh-TW" altLang="en-US" dirty="0"/>
           </a:p>
@@ -5397,11 +5396,11 @@
           <a:p>
             <a:r>
               <a:rPr kumimoji="1" lang="en-US" altLang="zh-TW" dirty="0" smtClean="0"/>
-              <a:t>We</a:t>
+              <a:t>Also, what is the probability of Juliet</a:t>
             </a:r>
             <a:r>
               <a:rPr kumimoji="1" lang="en-US" altLang="zh-TW" baseline="0" dirty="0" smtClean="0"/>
-              <a:t> can model metaphor interpretation in similar ways. Instead of the probability of affect given a price, the listener now considers the probability of a feature given a category. For example, what is the probability that the sun is made of hot plasma? What is the probability that the sun is beautiful?</a:t>
+              <a:t> being made of hot plasma, and the probability that Juliet is beautiful?</a:t>
             </a:r>
             <a:endParaRPr kumimoji="1" lang="zh-TW" altLang="en-US" dirty="0"/>
           </a:p>
@@ -5489,11 +5488,11 @@
           <a:p>
             <a:r>
               <a:rPr kumimoji="1" lang="en-US" altLang="zh-TW" dirty="0" smtClean="0"/>
-              <a:t>Also, what is the probability of Juliet</a:t>
+              <a:t>What are</a:t>
             </a:r>
             <a:r>
               <a:rPr kumimoji="1" lang="en-US" altLang="zh-TW" baseline="0" dirty="0" smtClean="0"/>
-              <a:t> being made of hot plasma, and the probability that Juliet is beautiful?</a:t>
+              <a:t> Romeo’s possible communicative goals? Is he likely to want to talk about hot plasma? Or is he likely to want to talk about Juliet’s beauty?</a:t>
             </a:r>
             <a:endParaRPr kumimoji="1" lang="zh-TW" altLang="en-US" dirty="0"/>
           </a:p>
@@ -5581,11 +5580,11 @@
           <a:p>
             <a:r>
               <a:rPr kumimoji="1" lang="en-US" altLang="zh-TW" dirty="0" smtClean="0"/>
-              <a:t>What are</a:t>
+              <a:t>Using</a:t>
             </a:r>
             <a:r>
               <a:rPr kumimoji="1" lang="en-US" altLang="zh-TW" baseline="0" dirty="0" smtClean="0"/>
-              <a:t> Romeo’s possible communicative goals? Is he likely to want to talk about hot plasma? Or is he likely to want to talk about Juliet’s beauty?</a:t>
+              <a:t> this information, the listener can infer the features of a metaphorical target.</a:t>
             </a:r>
             <a:endParaRPr kumimoji="1" lang="zh-TW" altLang="en-US" dirty="0"/>
           </a:p>
@@ -5672,14 +5671,17 @@
           <a:lstStyle/>
           <a:p>
             <a:r>
-              <a:rPr kumimoji="1" lang="en-US" altLang="zh-TW" dirty="0" smtClean="0"/>
-              <a:t>Using</a:t>
-            </a:r>
-            <a:r>
-              <a:rPr kumimoji="1" lang="en-US" altLang="zh-TW" baseline="0" dirty="0" smtClean="0"/>
-              <a:t> this information, the listener can infer the features of a metaphorical target.</a:t>
-            </a:r>
-            <a:endParaRPr kumimoji="1" lang="zh-TW" altLang="en-US" dirty="0"/>
+              <a:rPr lang="en-US" sz="1200" dirty="0" smtClean="0"/>
+              <a:t>We used the following paradigm</a:t>
+            </a:r>
+            <a:r>
+              <a:rPr lang="en-US" sz="1200" baseline="0" dirty="0" smtClean="0"/>
+              <a:t> to examine people’s interpretation of a range of animal metaphors in context.</a:t>
+            </a:r>
+            <a:endParaRPr lang="en-US" sz="1200" dirty="0" smtClean="0"/>
+          </a:p>
+          <a:p>
+            <a:endParaRPr lang="en-US" sz="1200" dirty="0" smtClean="0"/>
           </a:p>
         </p:txBody>
       </p:sp>
@@ -5765,11 +5767,11 @@
           <a:p>
             <a:r>
               <a:rPr lang="en-US" sz="1200" dirty="0" smtClean="0"/>
-              <a:t>We used the following paradigm</a:t>
+              <a:t>Our</a:t>
             </a:r>
             <a:r>
               <a:rPr lang="en-US" sz="1200" baseline="0" dirty="0" smtClean="0"/>
-              <a:t> to examine people’s interpretation of a range of animal metaphors in context.</a:t>
+              <a:t> model achieved decent correlation with people’s interpretation of these metaphorical utterances. Work is still ongoing, but we believe it is quite promising and are excited to see where it goes.</a:t>
             </a:r>
             <a:endParaRPr lang="en-US" sz="1200" dirty="0" smtClean="0"/>
           </a:p>
@@ -5860,15 +5862,12 @@
           <a:p>
             <a:r>
               <a:rPr lang="en-US" sz="1200" dirty="0" smtClean="0"/>
-              <a:t>Our</a:t>
+              <a:t>To</a:t>
             </a:r>
             <a:r>
               <a:rPr lang="en-US" sz="1200" baseline="0" dirty="0" smtClean="0"/>
-              <a:t> model achieved decent correlation with people’s interpretation of these metaphorical utterances. Work is still ongoing, but we believe it is quite promising and are excited to see where it goes.</a:t>
-            </a:r>
-            <a:endParaRPr lang="en-US" sz="1200" dirty="0" smtClean="0"/>
-          </a:p>
-          <a:p>
+              <a:t> conclude, I hope that the work I presented today suggests to you that our framework for computationally modeling nonliteral language advances the flexibility and richness of formal models of language understanding. I will end with the following statement, and leave it up to you to decide if it should be interpreted hyperbolically or not.</a:t>
+            </a:r>
             <a:endParaRPr lang="en-US" sz="1200" dirty="0" smtClean="0"/>
           </a:p>
         </p:txBody>
@@ -6011,98 +6010,6 @@
 </file>
 
 <file path=ppt/notesSlides/notesSlide60.xml><?xml version="1.0" encoding="utf-8"?>
-<p:notes xmlns:a="http://schemas.openxmlformats.org/drawingml/2006/main" xmlns:r="http://schemas.openxmlformats.org/officeDocument/2006/relationships" xmlns:p="http://schemas.openxmlformats.org/presentationml/2006/main">
-  <p:cSld>
-    <p:spTree>
-      <p:nvGrpSpPr>
-        <p:cNvPr id="1" name=""/>
-        <p:cNvGrpSpPr/>
-        <p:nvPr/>
-      </p:nvGrpSpPr>
-      <p:grpSpPr>
-        <a:xfrm>
-          <a:off x="0" y="0"/>
-          <a:ext cx="0" cy="0"/>
-          <a:chOff x="0" y="0"/>
-          <a:chExt cx="0" cy="0"/>
-        </a:xfrm>
-      </p:grpSpPr>
-      <p:sp>
-        <p:nvSpPr>
-          <p:cNvPr id="2" name="投影片影像版面配置區 1"/>
-          <p:cNvSpPr>
-            <a:spLocks noGrp="1" noRot="1" noChangeAspect="1"/>
-          </p:cNvSpPr>
-          <p:nvPr>
-            <p:ph type="sldImg"/>
-          </p:nvPr>
-        </p:nvSpPr>
-        <p:spPr/>
-      </p:sp>
-      <p:sp>
-        <p:nvSpPr>
-          <p:cNvPr id="3" name="備忘稿版面配置區 2"/>
-          <p:cNvSpPr>
-            <a:spLocks noGrp="1"/>
-          </p:cNvSpPr>
-          <p:nvPr>
-            <p:ph type="body" idx="1"/>
-          </p:nvPr>
-        </p:nvSpPr>
-        <p:spPr/>
-        <p:txBody>
-          <a:bodyPr/>
-          <a:lstStyle/>
-          <a:p>
-            <a:r>
-              <a:rPr lang="en-US" sz="1200" dirty="0" smtClean="0"/>
-              <a:t>To</a:t>
-            </a:r>
-            <a:r>
-              <a:rPr lang="en-US" sz="1200" baseline="0" dirty="0" smtClean="0"/>
-              <a:t> conclude, I hope that the work I presented today suggests to you that our framework for computationally modeling nonliteral language advances the flexibility and richness of formal models of language understanding. I will end with the following statement, and leave it up to you to decide if it should be interpreted hyperbolically or not.</a:t>
-            </a:r>
-            <a:endParaRPr lang="en-US" sz="1200" dirty="0" smtClean="0"/>
-          </a:p>
-        </p:txBody>
-      </p:sp>
-      <p:sp>
-        <p:nvSpPr>
-          <p:cNvPr id="4" name="投影片編號版面配置區 3"/>
-          <p:cNvSpPr>
-            <a:spLocks noGrp="1"/>
-          </p:cNvSpPr>
-          <p:nvPr>
-            <p:ph type="sldNum" sz="quarter" idx="10"/>
-          </p:nvPr>
-        </p:nvSpPr>
-        <p:spPr/>
-        <p:txBody>
-          <a:bodyPr/>
-          <a:lstStyle/>
-          <a:p>
-            <a:fld id="{CDFC20A4-C4FF-5343-8F77-1F5B09205176}" type="slidenum">
-              <a:rPr lang="en-US" smtClean="0"/>
-              <a:t>60</a:t>
-            </a:fld>
-            <a:endParaRPr lang="en-US"/>
-          </a:p>
-        </p:txBody>
-      </p:sp>
-    </p:spTree>
-    <p:extLst>
-      <p:ext uri="{BB962C8B-B14F-4D97-AF65-F5344CB8AC3E}">
-        <p14:creationId xmlns:p14="http://schemas.microsoft.com/office/powerpoint/2010/main" val="3944191033"/>
-      </p:ext>
-    </p:extLst>
-  </p:cSld>
-  <p:clrMapOvr>
-    <a:masterClrMapping/>
-  </p:clrMapOvr>
-</p:notes>
-</file>
-
-<file path=ppt/notesSlides/notesSlide61.xml><?xml version="1.0" encoding="utf-8"?>
 <p:notes xmlns:a="http://schemas.openxmlformats.org/drawingml/2006/main" xmlns:r="http://schemas.openxmlformats.org/officeDocument/2006/relationships" xmlns:p="http://schemas.openxmlformats.org/presentationml/2006/main">
   <p:cSld>
     <p:spTree>
@@ -6368,7 +6275,7 @@
             <a:fld id="{EC9544C4-B56A-064D-ADD4-981BE830F361}" type="slidenum">
               <a:rPr lang="en-US" sz="1200"/>
               <a:pPr eaLnBrk="1" hangingPunct="1"/>
-              <a:t>61</a:t>
+              <a:t>60</a:t>
             </a:fld>
             <a:endParaRPr lang="en-US" sz="1200" dirty="0"/>
           </a:p>
@@ -6862,7 +6769,7 @@
           <a:p>
             <a:fld id="{22125E78-7C9B-A24B-885C-8F0C553D8219}" type="datetimeFigureOut">
               <a:rPr lang="en-US" smtClean="0"/>
-              <a:t>4/7/14</a:t>
+              <a:t>5/19/14</a:t>
             </a:fld>
             <a:endParaRPr lang="en-US"/>
           </a:p>
@@ -7032,7 +6939,7 @@
           <a:p>
             <a:fld id="{22125E78-7C9B-A24B-885C-8F0C553D8219}" type="datetimeFigureOut">
               <a:rPr lang="en-US" smtClean="0"/>
-              <a:t>4/7/14</a:t>
+              <a:t>5/19/14</a:t>
             </a:fld>
             <a:endParaRPr lang="en-US"/>
           </a:p>
@@ -7212,7 +7119,7 @@
           <a:p>
             <a:fld id="{22125E78-7C9B-A24B-885C-8F0C553D8219}" type="datetimeFigureOut">
               <a:rPr lang="en-US" smtClean="0"/>
-              <a:t>4/7/14</a:t>
+              <a:t>5/19/14</a:t>
             </a:fld>
             <a:endParaRPr lang="en-US"/>
           </a:p>
@@ -7382,7 +7289,7 @@
           <a:p>
             <a:fld id="{22125E78-7C9B-A24B-885C-8F0C553D8219}" type="datetimeFigureOut">
               <a:rPr lang="en-US" smtClean="0"/>
-              <a:t>4/7/14</a:t>
+              <a:t>5/19/14</a:t>
             </a:fld>
             <a:endParaRPr lang="en-US"/>
           </a:p>
@@ -7628,7 +7535,7 @@
           <a:p>
             <a:fld id="{22125E78-7C9B-A24B-885C-8F0C553D8219}" type="datetimeFigureOut">
               <a:rPr lang="en-US" smtClean="0"/>
-              <a:t>4/7/14</a:t>
+              <a:t>5/19/14</a:t>
             </a:fld>
             <a:endParaRPr lang="en-US"/>
           </a:p>
@@ -7916,7 +7823,7 @@
           <a:p>
             <a:fld id="{22125E78-7C9B-A24B-885C-8F0C553D8219}" type="datetimeFigureOut">
               <a:rPr lang="en-US" smtClean="0"/>
-              <a:t>4/7/14</a:t>
+              <a:t>5/19/14</a:t>
             </a:fld>
             <a:endParaRPr lang="en-US"/>
           </a:p>
@@ -8338,7 +8245,7 @@
           <a:p>
             <a:fld id="{22125E78-7C9B-A24B-885C-8F0C553D8219}" type="datetimeFigureOut">
               <a:rPr lang="en-US" smtClean="0"/>
-              <a:t>4/7/14</a:t>
+              <a:t>5/19/14</a:t>
             </a:fld>
             <a:endParaRPr lang="en-US"/>
           </a:p>
@@ -8456,7 +8363,7 @@
           <a:p>
             <a:fld id="{22125E78-7C9B-A24B-885C-8F0C553D8219}" type="datetimeFigureOut">
               <a:rPr lang="en-US" smtClean="0"/>
-              <a:t>4/7/14</a:t>
+              <a:t>5/19/14</a:t>
             </a:fld>
             <a:endParaRPr lang="en-US"/>
           </a:p>
@@ -8551,7 +8458,7 @@
           <a:p>
             <a:fld id="{22125E78-7C9B-A24B-885C-8F0C553D8219}" type="datetimeFigureOut">
               <a:rPr lang="en-US" smtClean="0"/>
-              <a:t>4/7/14</a:t>
+              <a:t>5/19/14</a:t>
             </a:fld>
             <a:endParaRPr lang="en-US"/>
           </a:p>
@@ -8828,7 +8735,7 @@
           <a:p>
             <a:fld id="{22125E78-7C9B-A24B-885C-8F0C553D8219}" type="datetimeFigureOut">
               <a:rPr lang="en-US" smtClean="0"/>
-              <a:t>4/7/14</a:t>
+              <a:t>5/19/14</a:t>
             </a:fld>
             <a:endParaRPr lang="en-US"/>
           </a:p>
@@ -9081,7 +8988,7 @@
           <a:p>
             <a:fld id="{22125E78-7C9B-A24B-885C-8F0C553D8219}" type="datetimeFigureOut">
               <a:rPr lang="en-US" smtClean="0"/>
-              <a:t>4/7/14</a:t>
+              <a:t>5/19/14</a:t>
             </a:fld>
             <a:endParaRPr lang="en-US"/>
           </a:p>
@@ -9294,7 +9201,7 @@
           <a:p>
             <a:fld id="{22125E78-7C9B-A24B-885C-8F0C553D8219}" type="datetimeFigureOut">
               <a:rPr lang="en-US" smtClean="0"/>
-              <a:t>4/7/14</a:t>
+              <a:t>5/19/14</a:t>
             </a:fld>
             <a:endParaRPr lang="en-US"/>
           </a:p>
@@ -12819,7 +12726,7 @@
           <a:graphicData uri="http://schemas.openxmlformats.org/presentationml/2006/ole">
             <mc:AlternateContent xmlns:mc="http://schemas.openxmlformats.org/markup-compatibility/2006">
               <mc:Choice xmlns:v="urn:schemas-microsoft-com:vml" Requires="v">
-                <p:oleObj spid="_x0000_s34205" name="Document" r:id="rId5" imgW="5486400" imgH="165100" progId="Word.Document.12">
+                <p:oleObj spid="_x0000_s34208" name="Document" r:id="rId5" imgW="5486400" imgH="165100" progId="Word.Document.12">
                   <p:link updateAutomatic="1"/>
                 </p:oleObj>
               </mc:Choice>
@@ -13275,7 +13182,7 @@
           <a:graphicData uri="http://schemas.openxmlformats.org/presentationml/2006/ole">
             <mc:AlternateContent xmlns:mc="http://schemas.openxmlformats.org/markup-compatibility/2006">
               <mc:Choice xmlns:v="urn:schemas-microsoft-com:vml" Requires="v">
-                <p:oleObj spid="_x0000_s56482" name="Document" r:id="rId5" imgW="5486400" imgH="165100" progId="Word.Document.12">
+                <p:oleObj spid="_x0000_s56487" name="Document" r:id="rId5" imgW="5486400" imgH="165100" progId="Word.Document.12">
                   <p:link updateAutomatic="1"/>
                 </p:oleObj>
               </mc:Choice>
@@ -13332,7 +13239,7 @@
           <a:graphicData uri="http://schemas.openxmlformats.org/presentationml/2006/ole">
             <mc:AlternateContent xmlns:mc="http://schemas.openxmlformats.org/markup-compatibility/2006">
               <mc:Choice xmlns:v="urn:schemas-microsoft-com:vml" Requires="v">
-                <p:oleObj spid="_x0000_s56483" name="Document" r:id="rId7" imgW="5486400" imgH="152400" progId="Word.Document.12">
+                <p:oleObj spid="_x0000_s56488" name="Document" r:id="rId7" imgW="5486400" imgH="152400" progId="Word.Document.12">
                   <p:link updateAutomatic="1"/>
                 </p:oleObj>
               </mc:Choice>
@@ -14456,7 +14363,7 @@
           <a:graphicData uri="http://schemas.openxmlformats.org/presentationml/2006/ole">
             <mc:AlternateContent xmlns:mc="http://schemas.openxmlformats.org/markup-compatibility/2006">
               <mc:Choice xmlns:v="urn:schemas-microsoft-com:vml" Requires="v">
-                <p:oleObj spid="_x0000_s3324" name="Document" r:id="rId4" imgW="5486400" imgH="419100" progId="Word.Document.12">
+                <p:oleObj spid="_x0000_s3327" name="Document" r:id="rId4" imgW="5486400" imgH="419100" progId="Word.Document.12">
                   <p:link updateAutomatic="1"/>
                 </p:oleObj>
               </mc:Choice>
@@ -14721,7 +14628,7 @@
           <a:graphicData uri="http://schemas.openxmlformats.org/presentationml/2006/ole">
             <mc:AlternateContent xmlns:mc="http://schemas.openxmlformats.org/markup-compatibility/2006">
               <mc:Choice xmlns:v="urn:schemas-microsoft-com:vml" Requires="v">
-                <p:oleObj spid="_x0000_s4348" name="Document" r:id="rId4" imgW="5486400" imgH="419100" progId="Word.Document.12">
+                <p:oleObj spid="_x0000_s4351" name="Document" r:id="rId4" imgW="5486400" imgH="419100" progId="Word.Document.12">
                   <p:link updateAutomatic="1"/>
                 </p:oleObj>
               </mc:Choice>
@@ -14975,391 +14882,6 @@
           </a:p>
         </p:txBody>
       </p:sp>
-      <p:graphicFrame>
-        <p:nvGraphicFramePr>
-          <p:cNvPr id="12" name="Object 11"/>
-          <p:cNvGraphicFramePr>
-            <a:graphicFrameLocks noChangeAspect="1"/>
-          </p:cNvGraphicFramePr>
-          <p:nvPr>
-            <p:extLst>
-              <p:ext uri="{D42A27DB-BD31-4B8C-83A1-F6EECF244321}">
-                <p14:modId xmlns:p14="http://schemas.microsoft.com/office/powerpoint/2010/main" val="4187112126"/>
-              </p:ext>
-            </p:extLst>
-          </p:nvPr>
-        </p:nvGraphicFramePr>
-        <p:xfrm>
-          <a:off x="-1412874" y="2845218"/>
-          <a:ext cx="12065000" cy="921632"/>
-        </p:xfrm>
-        <a:graphic>
-          <a:graphicData uri="http://schemas.openxmlformats.org/presentationml/2006/ole">
-            <mc:AlternateContent xmlns:mc="http://schemas.openxmlformats.org/markup-compatibility/2006">
-              <mc:Choice xmlns:v="urn:schemas-microsoft-com:vml" Requires="v">
-                <p:oleObj spid="_x0000_s5372" name="Document" r:id="rId4" imgW="5486400" imgH="419100" progId="Word.Document.12">
-                  <p:link updateAutomatic="1"/>
-                </p:oleObj>
-              </mc:Choice>
-              <mc:Fallback>
-                <p:oleObj name="Document" r:id="rId4" imgW="5486400" imgH="419100" progId="Word.Document.12">
-                  <p:link updateAutomatic="1"/>
-                  <p:pic>
-                    <p:nvPicPr>
-                      <p:cNvPr id="0" name=""/>
-                      <p:cNvPicPr/>
-                      <p:nvPr/>
-                    </p:nvPicPr>
-                    <p:blipFill>
-                      <a:blip r:embed="rId5"/>
-                      <a:stretch>
-                        <a:fillRect/>
-                      </a:stretch>
-                    </p:blipFill>
-                    <p:spPr>
-                      <a:xfrm>
-                        <a:off x="-1412874" y="2845218"/>
-                        <a:ext cx="12065000" cy="921632"/>
-                      </a:xfrm>
-                      <a:prstGeom prst="rect">
-                        <a:avLst/>
-                      </a:prstGeom>
-                    </p:spPr>
-                  </p:pic>
-                </p:oleObj>
-              </mc:Fallback>
-            </mc:AlternateContent>
-          </a:graphicData>
-        </a:graphic>
-      </p:graphicFrame>
-      <p:cxnSp>
-        <p:nvCxnSpPr>
-          <p:cNvPr id="11" name="Straight Arrow Connector 10"/>
-          <p:cNvCxnSpPr/>
-          <p:nvPr/>
-        </p:nvCxnSpPr>
-        <p:spPr>
-          <a:xfrm>
-            <a:off x="2623936" y="3452050"/>
-            <a:ext cx="0" cy="600800"/>
-          </a:xfrm>
-          <a:prstGeom prst="straightConnector1">
-            <a:avLst/>
-          </a:prstGeom>
-          <a:ln>
-            <a:solidFill>
-              <a:srgbClr val="A6A6A6"/>
-            </a:solidFill>
-            <a:prstDash val="sysDash"/>
-            <a:tailEnd type="arrow"/>
-          </a:ln>
-          <a:effectLst/>
-        </p:spPr>
-        <p:style>
-          <a:lnRef idx="2">
-            <a:schemeClr val="accent1"/>
-          </a:lnRef>
-          <a:fillRef idx="0">
-            <a:schemeClr val="accent1"/>
-          </a:fillRef>
-          <a:effectRef idx="1">
-            <a:schemeClr val="accent1"/>
-          </a:effectRef>
-          <a:fontRef idx="minor">
-            <a:schemeClr val="tx1"/>
-          </a:fontRef>
-        </p:style>
-      </p:cxnSp>
-      <p:sp>
-        <p:nvSpPr>
-          <p:cNvPr id="13" name="文字方塊 4"/>
-          <p:cNvSpPr txBox="1"/>
-          <p:nvPr/>
-        </p:nvSpPr>
-        <p:spPr>
-          <a:xfrm>
-            <a:off x="1534119" y="4071745"/>
-            <a:ext cx="2412339" cy="400110"/>
-          </a:xfrm>
-          <a:prstGeom prst="rect">
-            <a:avLst/>
-          </a:prstGeom>
-          <a:noFill/>
-          <a:ln w="28575" cmpd="sng">
-            <a:solidFill>
-              <a:schemeClr val="bg1">
-                <a:lumMod val="50000"/>
-              </a:schemeClr>
-            </a:solidFill>
-            <a:prstDash val="sysDash"/>
-          </a:ln>
-        </p:spPr>
-        <p:txBody>
-          <a:bodyPr wrap="none" rtlCol="0">
-            <a:spAutoFit/>
-          </a:bodyPr>
-          <a:lstStyle/>
-          <a:p>
-            <a:r>
-              <a:rPr kumimoji="1" lang="en-US" altLang="zh-TW" sz="2000" dirty="0" smtClean="0">
-                <a:solidFill>
-                  <a:srgbClr val="000000"/>
-                </a:solidFill>
-                <a:latin typeface="Cambria Math"/>
-                <a:ea typeface="ＭＳ ゴシック"/>
-                <a:cs typeface="Cambria Math"/>
-              </a:rPr>
-              <a:t>Choose an utterance</a:t>
-            </a:r>
-            <a:endParaRPr kumimoji="1" lang="zh-TW" altLang="en-US" sz="2000" dirty="0">
-              <a:solidFill>
-                <a:srgbClr val="000000"/>
-              </a:solidFill>
-              <a:latin typeface="Cambria Math"/>
-              <a:cs typeface="Cambria Math"/>
-            </a:endParaRPr>
-          </a:p>
-        </p:txBody>
-      </p:sp>
-      <p:grpSp>
-        <p:nvGrpSpPr>
-          <p:cNvPr id="14" name="Group 13"/>
-          <p:cNvGrpSpPr/>
-          <p:nvPr/>
-        </p:nvGrpSpPr>
-        <p:grpSpPr>
-          <a:xfrm>
-            <a:off x="1512323" y="4612887"/>
-            <a:ext cx="2134405" cy="1477328"/>
-            <a:chOff x="1746250" y="4602733"/>
-            <a:chExt cx="1893286" cy="1028574"/>
-          </a:xfrm>
-        </p:grpSpPr>
-        <p:sp>
-          <p:nvSpPr>
-            <p:cNvPr id="15" name="TextBox 14"/>
-            <p:cNvSpPr txBox="1"/>
-            <p:nvPr/>
-          </p:nvSpPr>
-          <p:spPr>
-            <a:xfrm>
-              <a:off x="2048939" y="4602733"/>
-              <a:ext cx="1590597" cy="1028574"/>
-            </a:xfrm>
-            <a:prstGeom prst="rect">
-              <a:avLst/>
-            </a:prstGeom>
-            <a:noFill/>
-          </p:spPr>
-          <p:txBody>
-            <a:bodyPr wrap="none" rtlCol="0">
-              <a:spAutoFit/>
-            </a:bodyPr>
-            <a:lstStyle/>
-            <a:p>
-              <a:r>
-                <a:rPr lang="en-US" dirty="0" smtClean="0"/>
-                <a:t>“50”</a:t>
-              </a:r>
-              <a:r>
-                <a:rPr lang="en-US" dirty="0"/>
-                <a:t> </a:t>
-              </a:r>
-              <a:r>
-                <a:rPr lang="en-US" dirty="0" smtClean="0"/>
-                <a:t>“51”</a:t>
-              </a:r>
-            </a:p>
-            <a:p>
-              <a:r>
-                <a:rPr lang="en-US" dirty="0" smtClean="0"/>
-                <a:t>“500” “501”</a:t>
-              </a:r>
-            </a:p>
-            <a:p>
-              <a:r>
-                <a:rPr lang="en-US" dirty="0" smtClean="0"/>
-                <a:t>“1000” “1001”</a:t>
-              </a:r>
-            </a:p>
-            <a:p>
-              <a:r>
-                <a:rPr lang="en-US" dirty="0" smtClean="0"/>
-                <a:t>“5000” “5001”</a:t>
-              </a:r>
-            </a:p>
-            <a:p>
-              <a:r>
-                <a:rPr lang="en-US" dirty="0" smtClean="0"/>
-                <a:t>“10001” “10001”</a:t>
-              </a:r>
-            </a:p>
-          </p:txBody>
-        </p:sp>
-        <p:sp>
-          <p:nvSpPr>
-            <p:cNvPr id="16" name="Left Brace 15"/>
-            <p:cNvSpPr/>
-            <p:nvPr/>
-          </p:nvSpPr>
-          <p:spPr>
-            <a:xfrm>
-              <a:off x="1746250" y="4683125"/>
-              <a:ext cx="285750" cy="895740"/>
-            </a:xfrm>
-            <a:prstGeom prst="leftBrace">
-              <a:avLst/>
-            </a:prstGeom>
-            <a:ln w="38100" cmpd="sng">
-              <a:solidFill>
-                <a:schemeClr val="accent2">
-                  <a:lumMod val="75000"/>
-                </a:schemeClr>
-              </a:solidFill>
-            </a:ln>
-            <a:effectLst/>
-          </p:spPr>
-          <p:style>
-            <a:lnRef idx="2">
-              <a:schemeClr val="accent1"/>
-            </a:lnRef>
-            <a:fillRef idx="0">
-              <a:schemeClr val="accent1"/>
-            </a:fillRef>
-            <a:effectRef idx="1">
-              <a:schemeClr val="accent1"/>
-            </a:effectRef>
-            <a:fontRef idx="minor">
-              <a:schemeClr val="tx1"/>
-            </a:fontRef>
-          </p:style>
-          <p:txBody>
-            <a:bodyPr rtlCol="0" anchor="ctr"/>
-            <a:lstStyle/>
-            <a:p>
-              <a:pPr algn="ctr"/>
-              <a:endParaRPr lang="en-US"/>
-            </a:p>
-          </p:txBody>
-        </p:sp>
-      </p:grpSp>
-    </p:spTree>
-    <p:extLst>
-      <p:ext uri="{BB962C8B-B14F-4D97-AF65-F5344CB8AC3E}">
-        <p14:creationId xmlns:p14="http://schemas.microsoft.com/office/powerpoint/2010/main" val="3684520321"/>
-      </p:ext>
-    </p:extLst>
-  </p:cSld>
-  <p:clrMapOvr>
-    <a:masterClrMapping/>
-  </p:clrMapOvr>
-  <mc:AlternateContent xmlns:mc="http://schemas.openxmlformats.org/markup-compatibility/2006" xmlns:p14="http://schemas.microsoft.com/office/powerpoint/2010/main">
-    <mc:Choice Requires="p14">
-      <p:transition spd="slow" p14:dur="2000" advTm="374"/>
-    </mc:Choice>
-    <mc:Fallback xmlns="">
-      <p:transition xmlns:p14="http://schemas.microsoft.com/office/powerpoint/2010/main" spd="slow" advTm="374"/>
-    </mc:Fallback>
-  </mc:AlternateContent>
-  <p:timing>
-    <p:tnLst>
-      <p:par>
-        <p:cTn xmlns:p14="http://schemas.microsoft.com/office/powerpoint/2010/main" id="1" dur="indefinite" restart="never" nodeType="tmRoot"/>
-      </p:par>
-    </p:tnLst>
-  </p:timing>
-</p:sld>
-</file>
-
-<file path=ppt/slides/slide25.xml><?xml version="1.0" encoding="utf-8"?>
-<p:sld xmlns:a="http://schemas.openxmlformats.org/drawingml/2006/main" xmlns:r="http://schemas.openxmlformats.org/officeDocument/2006/relationships" xmlns:p="http://schemas.openxmlformats.org/presentationml/2006/main">
-  <p:cSld>
-    <p:spTree>
-      <p:nvGrpSpPr>
-        <p:cNvPr id="1" name=""/>
-        <p:cNvGrpSpPr/>
-        <p:nvPr/>
-      </p:nvGrpSpPr>
-      <p:grpSpPr>
-        <a:xfrm>
-          <a:off x="0" y="0"/>
-          <a:ext cx="0" cy="0"/>
-          <a:chOff x="0" y="0"/>
-          <a:chExt cx="0" cy="0"/>
-        </a:xfrm>
-      </p:grpSpPr>
-      <p:sp>
-        <p:nvSpPr>
-          <p:cNvPr id="9" name="Content Placeholder 2"/>
-          <p:cNvSpPr>
-            <a:spLocks noGrp="1"/>
-          </p:cNvSpPr>
-          <p:nvPr>
-            <p:ph idx="1"/>
-          </p:nvPr>
-        </p:nvSpPr>
-        <p:spPr>
-          <a:xfrm>
-            <a:off x="325814" y="1447515"/>
-            <a:ext cx="8520745" cy="4567378"/>
-          </a:xfrm>
-        </p:spPr>
-        <p:txBody>
-          <a:bodyPr>
-            <a:noAutofit/>
-          </a:bodyPr>
-          <a:lstStyle/>
-          <a:p>
-            <a:r>
-              <a:rPr lang="en-US" sz="2800" b="1" dirty="0" smtClean="0">
-                <a:solidFill>
-                  <a:srgbClr val="953735"/>
-                </a:solidFill>
-              </a:rPr>
-              <a:t>Speaker</a:t>
-            </a:r>
-          </a:p>
-          <a:p>
-            <a:pPr lvl="1"/>
-            <a:r>
-              <a:rPr lang="en-US" sz="2400" dirty="0" smtClean="0"/>
-              <a:t>Produces utterance given goal and model of the listener</a:t>
-            </a:r>
-          </a:p>
-          <a:p>
-            <a:pPr lvl="1"/>
-            <a:endParaRPr lang="en-US" sz="2400" dirty="0" smtClean="0"/>
-          </a:p>
-          <a:p>
-            <a:endParaRPr lang="en-US" sz="2800" dirty="0" smtClean="0"/>
-          </a:p>
-        </p:txBody>
-      </p:sp>
-      <p:sp>
-        <p:nvSpPr>
-          <p:cNvPr id="2" name="Title 1"/>
-          <p:cNvSpPr>
-            <a:spLocks noGrp="1"/>
-          </p:cNvSpPr>
-          <p:nvPr>
-            <p:ph type="title"/>
-          </p:nvPr>
-        </p:nvSpPr>
-        <p:spPr/>
-        <p:txBody>
-          <a:bodyPr>
-            <a:normAutofit/>
-          </a:bodyPr>
-          <a:lstStyle/>
-          <a:p>
-            <a:r>
-              <a:rPr lang="en-US" dirty="0" smtClean="0"/>
-              <a:t>Model</a:t>
-            </a:r>
-            <a:endParaRPr lang="en-US" dirty="0"/>
-          </a:p>
-        </p:txBody>
-      </p:sp>
       <p:cxnSp>
         <p:nvCxnSpPr>
           <p:cNvPr id="7" name="Straight Arrow Connector 6"/>
@@ -15464,7 +14986,7 @@
           <a:graphicData uri="http://schemas.openxmlformats.org/presentationml/2006/ole">
             <mc:AlternateContent xmlns:mc="http://schemas.openxmlformats.org/markup-compatibility/2006">
               <mc:Choice xmlns:v="urn:schemas-microsoft-com:vml" Requires="v">
-                <p:oleObj spid="_x0000_s1045" name="Document" r:id="rId4" imgW="5486400" imgH="419100" progId="Word.Document.12">
+                <p:oleObj spid="_x0000_s1048" name="Document" r:id="rId4" imgW="5486400" imgH="419100" progId="Word.Document.12">
                   <p:link updateAutomatic="1"/>
                 </p:oleObj>
               </mc:Choice>
@@ -15731,7 +15253,7 @@
 </p:sld>
 </file>
 
-<file path=ppt/slides/slide26.xml><?xml version="1.0" encoding="utf-8"?>
+<file path=ppt/slides/slide25.xml><?xml version="1.0" encoding="utf-8"?>
 <p:sld xmlns:a="http://schemas.openxmlformats.org/drawingml/2006/main" xmlns:r="http://schemas.openxmlformats.org/officeDocument/2006/relationships" xmlns:p="http://schemas.openxmlformats.org/presentationml/2006/main">
   <p:cSld>
     <p:spTree>
@@ -15929,7 +15451,7 @@
           <a:graphicData uri="http://schemas.openxmlformats.org/presentationml/2006/ole">
             <mc:AlternateContent xmlns:mc="http://schemas.openxmlformats.org/markup-compatibility/2006">
               <mc:Choice xmlns:v="urn:schemas-microsoft-com:vml" Requires="v">
-                <p:oleObj spid="_x0000_s6396" name="Document" r:id="rId4" imgW="5486400" imgH="419100" progId="Word.Document.12">
+                <p:oleObj spid="_x0000_s6399" name="Document" r:id="rId4" imgW="5486400" imgH="419100" progId="Word.Document.12">
                   <p:link updateAutomatic="1"/>
                 </p:oleObj>
               </mc:Choice>
@@ -16122,7 +15644,7 @@
 </p:sld>
 </file>
 
-<file path=ppt/slides/slide27.xml><?xml version="1.0" encoding="utf-8"?>
+<file path=ppt/slides/slide26.xml><?xml version="1.0" encoding="utf-8"?>
 <p:sld xmlns:a="http://schemas.openxmlformats.org/drawingml/2006/main" xmlns:r="http://schemas.openxmlformats.org/officeDocument/2006/relationships" xmlns:p="http://schemas.openxmlformats.org/presentationml/2006/main">
   <p:cSld>
     <p:spTree>
@@ -16308,7 +15830,7 @@
           <a:graphicData uri="http://schemas.openxmlformats.org/presentationml/2006/ole">
             <mc:AlternateContent xmlns:mc="http://schemas.openxmlformats.org/markup-compatibility/2006">
               <mc:Choice xmlns:v="urn:schemas-microsoft-com:vml" Requires="v">
-                <p:oleObj spid="_x0000_s7420" name="Document" r:id="rId4" imgW="5486400" imgH="419100" progId="Word.Document.12">
+                <p:oleObj spid="_x0000_s7423" name="Document" r:id="rId4" imgW="5486400" imgH="419100" progId="Word.Document.12">
                   <p:link updateAutomatic="1"/>
                 </p:oleObj>
               </mc:Choice>
@@ -16511,7 +16033,7 @@
 </p:sld>
 </file>
 
-<file path=ppt/slides/slide28.xml><?xml version="1.0" encoding="utf-8"?>
+<file path=ppt/slides/slide27.xml><?xml version="1.0" encoding="utf-8"?>
 <p:sld xmlns:a="http://schemas.openxmlformats.org/drawingml/2006/main" xmlns:r="http://schemas.openxmlformats.org/officeDocument/2006/relationships" xmlns:p="http://schemas.openxmlformats.org/presentationml/2006/main">
   <p:cSld>
     <p:spTree>
@@ -16631,7 +16153,7 @@
 </p:sld>
 </file>
 
-<file path=ppt/slides/slide29.xml><?xml version="1.0" encoding="utf-8"?>
+<file path=ppt/slides/slide28.xml><?xml version="1.0" encoding="utf-8"?>
 <p:sld xmlns:a="http://schemas.openxmlformats.org/drawingml/2006/main" xmlns:r="http://schemas.openxmlformats.org/officeDocument/2006/relationships" xmlns:p="http://schemas.openxmlformats.org/presentationml/2006/main">
   <p:cSld>
     <p:spTree>
@@ -16745,7 +16267,7 @@
           <a:graphicData uri="http://schemas.openxmlformats.org/presentationml/2006/ole">
             <mc:AlternateContent xmlns:mc="http://schemas.openxmlformats.org/markup-compatibility/2006">
               <mc:Choice xmlns:v="urn:schemas-microsoft-com:vml" Requires="v">
-                <p:oleObj spid="_x0000_s9469" name="Document" r:id="rId4" imgW="5486400" imgH="355600" progId="Word.Document.12">
+                <p:oleObj spid="_x0000_s9472" name="Document" r:id="rId4" imgW="5486400" imgH="355600" progId="Word.Document.12">
                   <p:link updateAutomatic="1"/>
                 </p:oleObj>
               </mc:Choice>
@@ -16808,186 +16330,7 @@
 </p:sld>
 </file>
 
-<file path=ppt/slides/slide3.xml><?xml version="1.0" encoding="utf-8"?>
-<p:sld xmlns:a="http://schemas.openxmlformats.org/drawingml/2006/main" xmlns:r="http://schemas.openxmlformats.org/officeDocument/2006/relationships" xmlns:p="http://schemas.openxmlformats.org/presentationml/2006/main">
-  <p:cSld>
-    <p:spTree>
-      <p:nvGrpSpPr>
-        <p:cNvPr id="1" name=""/>
-        <p:cNvGrpSpPr/>
-        <p:nvPr/>
-      </p:nvGrpSpPr>
-      <p:grpSpPr>
-        <a:xfrm>
-          <a:off x="0" y="0"/>
-          <a:ext cx="0" cy="0"/>
-          <a:chOff x="0" y="0"/>
-          <a:chExt cx="0" cy="0"/>
-        </a:xfrm>
-      </p:grpSpPr>
-      <p:pic>
-        <p:nvPicPr>
-          <p:cNvPr id="6" name="Picture 5" descr="romeojuliet.jpg"/>
-          <p:cNvPicPr>
-            <a:picLocks noChangeAspect="1"/>
-          </p:cNvPicPr>
-          <p:nvPr/>
-        </p:nvPicPr>
-        <p:blipFill>
-          <a:blip r:embed="rId4">
-            <a:extLst>
-              <a:ext uri="{28A0092B-C50C-407E-A947-70E740481C1C}">
-                <a14:useLocalDpi xmlns:a14="http://schemas.microsoft.com/office/drawing/2010/main" val="0"/>
-              </a:ext>
-            </a:extLst>
-          </a:blip>
-          <a:stretch>
-            <a:fillRect/>
-          </a:stretch>
-        </p:blipFill>
-        <p:spPr>
-          <a:xfrm>
-            <a:off x="2458180" y="1698625"/>
-            <a:ext cx="4447445" cy="4887301"/>
-          </a:xfrm>
-          <a:prstGeom prst="rect">
-            <a:avLst/>
-          </a:prstGeom>
-        </p:spPr>
-      </p:pic>
-      <p:sp>
-        <p:nvSpPr>
-          <p:cNvPr id="11" name="Rounded Rectangular Callout 10"/>
-          <p:cNvSpPr/>
-          <p:nvPr/>
-        </p:nvSpPr>
-        <p:spPr>
-          <a:xfrm>
-            <a:off x="4982273" y="1529333"/>
-            <a:ext cx="3198875" cy="1603375"/>
-          </a:xfrm>
-          <a:prstGeom prst="wedgeRoundRectCallout">
-            <a:avLst>
-              <a:gd name="adj1" fmla="val -42015"/>
-              <a:gd name="adj2" fmla="val 120965"/>
-              <a:gd name="adj3" fmla="val 16667"/>
-            </a:avLst>
-          </a:prstGeom>
-          <a:solidFill>
-            <a:srgbClr val="FFFFFF"/>
-          </a:solidFill>
-          <a:ln w="28575" cmpd="sng">
-            <a:solidFill>
-              <a:schemeClr val="tx1"/>
-            </a:solidFill>
-          </a:ln>
-          <a:effectLst/>
-        </p:spPr>
-        <p:style>
-          <a:lnRef idx="1">
-            <a:schemeClr val="accent1"/>
-          </a:lnRef>
-          <a:fillRef idx="3">
-            <a:schemeClr val="accent1"/>
-          </a:fillRef>
-          <a:effectRef idx="2">
-            <a:schemeClr val="accent1"/>
-          </a:effectRef>
-          <a:fontRef idx="minor">
-            <a:schemeClr val="lt1"/>
-          </a:fontRef>
-        </p:style>
-        <p:txBody>
-          <a:bodyPr rtlCol="0" anchor="ctr"/>
-          <a:lstStyle/>
-          <a:p>
-            <a:r>
-              <a:rPr lang="en-US" sz="2200" dirty="0" smtClean="0">
-                <a:solidFill>
-                  <a:schemeClr val="tx1"/>
-                </a:solidFill>
-              </a:rPr>
-              <a:t>But soft! What light through yonder window breaks? It is the east, and </a:t>
-            </a:r>
-            <a:r>
-              <a:rPr lang="en-US" sz="2200" b="1" dirty="0" smtClean="0">
-                <a:solidFill>
-                  <a:schemeClr val="tx1"/>
-                </a:solidFill>
-              </a:rPr>
-              <a:t>Juliet is the sun</a:t>
-            </a:r>
-            <a:r>
-              <a:rPr lang="en-US" sz="2200" dirty="0" smtClean="0">
-                <a:solidFill>
-                  <a:schemeClr val="tx1"/>
-                </a:solidFill>
-              </a:rPr>
-              <a:t>.</a:t>
-            </a:r>
-          </a:p>
-        </p:txBody>
-      </p:sp>
-      <p:sp>
-        <p:nvSpPr>
-          <p:cNvPr id="16" name="Title 1"/>
-          <p:cNvSpPr>
-            <a:spLocks noGrp="1"/>
-          </p:cNvSpPr>
-          <p:nvPr>
-            <p:ph type="title"/>
-          </p:nvPr>
-        </p:nvSpPr>
-        <p:spPr>
-          <a:xfrm>
-            <a:off x="457200" y="274638"/>
-            <a:ext cx="8229600" cy="1143000"/>
-          </a:xfrm>
-        </p:spPr>
-        <p:txBody>
-          <a:bodyPr/>
-          <a:lstStyle/>
-          <a:p>
-            <a:r>
-              <a:rPr lang="en-US" dirty="0" smtClean="0"/>
-              <a:t>Nonliteral language</a:t>
-            </a:r>
-            <a:endParaRPr lang="en-US" dirty="0"/>
-          </a:p>
-        </p:txBody>
-      </p:sp>
-    </p:spTree>
-    <p:custDataLst>
-      <p:tags r:id="rId1"/>
-    </p:custDataLst>
-    <p:extLst>
-      <p:ext uri="{BB962C8B-B14F-4D97-AF65-F5344CB8AC3E}">
-        <p14:creationId xmlns:p14="http://schemas.microsoft.com/office/powerpoint/2010/main" val="950480653"/>
-      </p:ext>
-    </p:extLst>
-  </p:cSld>
-  <p:clrMapOvr>
-    <a:masterClrMapping/>
-  </p:clrMapOvr>
-  <mc:AlternateContent xmlns:mc="http://schemas.openxmlformats.org/markup-compatibility/2006" xmlns:p14="http://schemas.microsoft.com/office/powerpoint/2010/main">
-    <mc:Choice Requires="p14">
-      <p:transition spd="slow" p14:dur="2000" advTm="1468"/>
-    </mc:Choice>
-    <mc:Fallback xmlns="">
-      <p:transition xmlns:p14="http://schemas.microsoft.com/office/powerpoint/2010/main" spd="slow" advTm="1468"/>
-    </mc:Fallback>
-  </mc:AlternateContent>
-  <p:timing>
-    <p:tnLst>
-      <p:par>
-        <p:cTn xmlns:p14="http://schemas.microsoft.com/office/powerpoint/2010/main" id="1" dur="indefinite" restart="never" nodeType="tmRoot"/>
-      </p:par>
-    </p:tnLst>
-  </p:timing>
-</p:sld>
-</file>
-
-<file path=ppt/slides/slide30.xml><?xml version="1.0" encoding="utf-8"?>
+<file path=ppt/slides/slide29.xml><?xml version="1.0" encoding="utf-8"?>
 <p:sld xmlns:a="http://schemas.openxmlformats.org/drawingml/2006/main" xmlns:r="http://schemas.openxmlformats.org/officeDocument/2006/relationships" xmlns:p="http://schemas.openxmlformats.org/presentationml/2006/main">
   <p:cSld>
     <p:spTree>
@@ -17181,7 +16524,7 @@
           <a:graphicData uri="http://schemas.openxmlformats.org/presentationml/2006/ole">
             <mc:AlternateContent xmlns:mc="http://schemas.openxmlformats.org/markup-compatibility/2006">
               <mc:Choice xmlns:v="urn:schemas-microsoft-com:vml" Requires="v">
-                <p:oleObj spid="_x0000_s10492" name="Document" r:id="rId4" imgW="5486400" imgH="355600" progId="Word.Document.12">
+                <p:oleObj spid="_x0000_s10495" name="Document" r:id="rId4" imgW="5486400" imgH="355600" progId="Word.Document.12">
                   <p:link updateAutomatic="1"/>
                 </p:oleObj>
               </mc:Choice>
@@ -17384,7 +16727,186 @@
 </p:sld>
 </file>
 
-<file path=ppt/slides/slide31.xml><?xml version="1.0" encoding="utf-8"?>
+<file path=ppt/slides/slide3.xml><?xml version="1.0" encoding="utf-8"?>
+<p:sld xmlns:a="http://schemas.openxmlformats.org/drawingml/2006/main" xmlns:r="http://schemas.openxmlformats.org/officeDocument/2006/relationships" xmlns:p="http://schemas.openxmlformats.org/presentationml/2006/main">
+  <p:cSld>
+    <p:spTree>
+      <p:nvGrpSpPr>
+        <p:cNvPr id="1" name=""/>
+        <p:cNvGrpSpPr/>
+        <p:nvPr/>
+      </p:nvGrpSpPr>
+      <p:grpSpPr>
+        <a:xfrm>
+          <a:off x="0" y="0"/>
+          <a:ext cx="0" cy="0"/>
+          <a:chOff x="0" y="0"/>
+          <a:chExt cx="0" cy="0"/>
+        </a:xfrm>
+      </p:grpSpPr>
+      <p:pic>
+        <p:nvPicPr>
+          <p:cNvPr id="6" name="Picture 5" descr="romeojuliet.jpg"/>
+          <p:cNvPicPr>
+            <a:picLocks noChangeAspect="1"/>
+          </p:cNvPicPr>
+          <p:nvPr/>
+        </p:nvPicPr>
+        <p:blipFill>
+          <a:blip r:embed="rId4">
+            <a:extLst>
+              <a:ext uri="{28A0092B-C50C-407E-A947-70E740481C1C}">
+                <a14:useLocalDpi xmlns:a14="http://schemas.microsoft.com/office/drawing/2010/main" val="0"/>
+              </a:ext>
+            </a:extLst>
+          </a:blip>
+          <a:stretch>
+            <a:fillRect/>
+          </a:stretch>
+        </p:blipFill>
+        <p:spPr>
+          <a:xfrm>
+            <a:off x="2458180" y="1698625"/>
+            <a:ext cx="4447445" cy="4887301"/>
+          </a:xfrm>
+          <a:prstGeom prst="rect">
+            <a:avLst/>
+          </a:prstGeom>
+        </p:spPr>
+      </p:pic>
+      <p:sp>
+        <p:nvSpPr>
+          <p:cNvPr id="11" name="Rounded Rectangular Callout 10"/>
+          <p:cNvSpPr/>
+          <p:nvPr/>
+        </p:nvSpPr>
+        <p:spPr>
+          <a:xfrm>
+            <a:off x="4982273" y="1529333"/>
+            <a:ext cx="3198875" cy="1603375"/>
+          </a:xfrm>
+          <a:prstGeom prst="wedgeRoundRectCallout">
+            <a:avLst>
+              <a:gd name="adj1" fmla="val -42015"/>
+              <a:gd name="adj2" fmla="val 120965"/>
+              <a:gd name="adj3" fmla="val 16667"/>
+            </a:avLst>
+          </a:prstGeom>
+          <a:solidFill>
+            <a:srgbClr val="FFFFFF"/>
+          </a:solidFill>
+          <a:ln w="28575" cmpd="sng">
+            <a:solidFill>
+              <a:schemeClr val="tx1"/>
+            </a:solidFill>
+          </a:ln>
+          <a:effectLst/>
+        </p:spPr>
+        <p:style>
+          <a:lnRef idx="1">
+            <a:schemeClr val="accent1"/>
+          </a:lnRef>
+          <a:fillRef idx="3">
+            <a:schemeClr val="accent1"/>
+          </a:fillRef>
+          <a:effectRef idx="2">
+            <a:schemeClr val="accent1"/>
+          </a:effectRef>
+          <a:fontRef idx="minor">
+            <a:schemeClr val="lt1"/>
+          </a:fontRef>
+        </p:style>
+        <p:txBody>
+          <a:bodyPr rtlCol="0" anchor="ctr"/>
+          <a:lstStyle/>
+          <a:p>
+            <a:r>
+              <a:rPr lang="en-US" sz="2200" dirty="0" smtClean="0">
+                <a:solidFill>
+                  <a:schemeClr val="tx1"/>
+                </a:solidFill>
+              </a:rPr>
+              <a:t>But soft! What light through yonder window breaks? It is the east, and </a:t>
+            </a:r>
+            <a:r>
+              <a:rPr lang="en-US" sz="2200" b="1" dirty="0" smtClean="0">
+                <a:solidFill>
+                  <a:schemeClr val="tx1"/>
+                </a:solidFill>
+              </a:rPr>
+              <a:t>Juliet is the sun</a:t>
+            </a:r>
+            <a:r>
+              <a:rPr lang="en-US" sz="2200" dirty="0" smtClean="0">
+                <a:solidFill>
+                  <a:schemeClr val="tx1"/>
+                </a:solidFill>
+              </a:rPr>
+              <a:t>.</a:t>
+            </a:r>
+          </a:p>
+        </p:txBody>
+      </p:sp>
+      <p:sp>
+        <p:nvSpPr>
+          <p:cNvPr id="16" name="Title 1"/>
+          <p:cNvSpPr>
+            <a:spLocks noGrp="1"/>
+          </p:cNvSpPr>
+          <p:nvPr>
+            <p:ph type="title"/>
+          </p:nvPr>
+        </p:nvSpPr>
+        <p:spPr>
+          <a:xfrm>
+            <a:off x="457200" y="274638"/>
+            <a:ext cx="8229600" cy="1143000"/>
+          </a:xfrm>
+        </p:spPr>
+        <p:txBody>
+          <a:bodyPr/>
+          <a:lstStyle/>
+          <a:p>
+            <a:r>
+              <a:rPr lang="en-US" dirty="0" smtClean="0"/>
+              <a:t>Nonliteral language</a:t>
+            </a:r>
+            <a:endParaRPr lang="en-US" dirty="0"/>
+          </a:p>
+        </p:txBody>
+      </p:sp>
+    </p:spTree>
+    <p:custDataLst>
+      <p:tags r:id="rId1"/>
+    </p:custDataLst>
+    <p:extLst>
+      <p:ext uri="{BB962C8B-B14F-4D97-AF65-F5344CB8AC3E}">
+        <p14:creationId xmlns:p14="http://schemas.microsoft.com/office/powerpoint/2010/main" val="950480653"/>
+      </p:ext>
+    </p:extLst>
+  </p:cSld>
+  <p:clrMapOvr>
+    <a:masterClrMapping/>
+  </p:clrMapOvr>
+  <mc:AlternateContent xmlns:mc="http://schemas.openxmlformats.org/markup-compatibility/2006" xmlns:p14="http://schemas.microsoft.com/office/powerpoint/2010/main">
+    <mc:Choice Requires="p14">
+      <p:transition spd="slow" p14:dur="2000" advTm="1468"/>
+    </mc:Choice>
+    <mc:Fallback xmlns="">
+      <p:transition xmlns:p14="http://schemas.microsoft.com/office/powerpoint/2010/main" spd="slow" advTm="1468"/>
+    </mc:Fallback>
+  </mc:AlternateContent>
+  <p:timing>
+    <p:tnLst>
+      <p:par>
+        <p:cTn xmlns:p14="http://schemas.microsoft.com/office/powerpoint/2010/main" id="1" dur="indefinite" restart="never" nodeType="tmRoot"/>
+      </p:par>
+    </p:tnLst>
+  </p:timing>
+</p:sld>
+</file>
+
+<file path=ppt/slides/slide30.xml><?xml version="1.0" encoding="utf-8"?>
 <p:sld xmlns:a="http://schemas.openxmlformats.org/drawingml/2006/main" xmlns:r="http://schemas.openxmlformats.org/officeDocument/2006/relationships" xmlns:p="http://schemas.openxmlformats.org/presentationml/2006/main">
   <p:cSld>
     <p:spTree>
@@ -17578,7 +17100,7 @@
           <a:graphicData uri="http://schemas.openxmlformats.org/presentationml/2006/ole">
             <mc:AlternateContent xmlns:mc="http://schemas.openxmlformats.org/markup-compatibility/2006">
               <mc:Choice xmlns:v="urn:schemas-microsoft-com:vml" Requires="v">
-                <p:oleObj spid="_x0000_s11516" name="Document" r:id="rId4" imgW="5486400" imgH="355600" progId="Word.Document.12">
+                <p:oleObj spid="_x0000_s11519" name="Document" r:id="rId4" imgW="5486400" imgH="355600" progId="Word.Document.12">
                   <p:link updateAutomatic="1"/>
                 </p:oleObj>
               </mc:Choice>
@@ -17779,7 +17301,7 @@
 </p:sld>
 </file>
 
-<file path=ppt/slides/slide32.xml><?xml version="1.0" encoding="utf-8"?>
+<file path=ppt/slides/slide31.xml><?xml version="1.0" encoding="utf-8"?>
 <p:sld xmlns:a="http://schemas.openxmlformats.org/drawingml/2006/main" xmlns:r="http://schemas.openxmlformats.org/officeDocument/2006/relationships" xmlns:p="http://schemas.openxmlformats.org/presentationml/2006/main">
   <p:cSld>
     <p:spTree>
@@ -17973,7 +17495,7 @@
           <a:graphicData uri="http://schemas.openxmlformats.org/presentationml/2006/ole">
             <mc:AlternateContent xmlns:mc="http://schemas.openxmlformats.org/markup-compatibility/2006">
               <mc:Choice xmlns:v="urn:schemas-microsoft-com:vml" Requires="v">
-                <p:oleObj spid="_x0000_s12540" name="Document" r:id="rId4" imgW="5486400" imgH="355600" progId="Word.Document.12">
+                <p:oleObj spid="_x0000_s12543" name="Document" r:id="rId4" imgW="5486400" imgH="355600" progId="Word.Document.12">
                   <p:link updateAutomatic="1"/>
                 </p:oleObj>
               </mc:Choice>
@@ -18171,7 +17693,7 @@
 </p:sld>
 </file>
 
-<file path=ppt/slides/slide33.xml><?xml version="1.0" encoding="utf-8"?>
+<file path=ppt/slides/slide32.xml><?xml version="1.0" encoding="utf-8"?>
 <p:sld xmlns:a="http://schemas.openxmlformats.org/drawingml/2006/main" xmlns:r="http://schemas.openxmlformats.org/officeDocument/2006/relationships" xmlns:p="http://schemas.openxmlformats.org/presentationml/2006/main">
   <p:cSld>
     <p:spTree>
@@ -18365,7 +17887,7 @@
           <a:graphicData uri="http://schemas.openxmlformats.org/presentationml/2006/ole">
             <mc:AlternateContent xmlns:mc="http://schemas.openxmlformats.org/markup-compatibility/2006">
               <mc:Choice xmlns:v="urn:schemas-microsoft-com:vml" Requires="v">
-                <p:oleObj spid="_x0000_s13564" name="Document" r:id="rId4" imgW="5486400" imgH="355600" progId="Word.Document.12">
+                <p:oleObj spid="_x0000_s13567" name="Document" r:id="rId4" imgW="5486400" imgH="355600" progId="Word.Document.12">
                   <p:link updateAutomatic="1"/>
                 </p:oleObj>
               </mc:Choice>
@@ -18563,7 +18085,7 @@
 </p:sld>
 </file>
 
-<file path=ppt/slides/slide34.xml><?xml version="1.0" encoding="utf-8"?>
+<file path=ppt/slides/slide33.xml><?xml version="1.0" encoding="utf-8"?>
 <p:sld xmlns:a="http://schemas.openxmlformats.org/drawingml/2006/main" xmlns:r="http://schemas.openxmlformats.org/officeDocument/2006/relationships" xmlns:p="http://schemas.openxmlformats.org/presentationml/2006/main">
   <p:cSld>
     <p:spTree>
@@ -18713,7 +18235,7 @@
           <a:graphicData uri="http://schemas.openxmlformats.org/presentationml/2006/ole">
             <mc:AlternateContent xmlns:mc="http://schemas.openxmlformats.org/markup-compatibility/2006">
               <mc:Choice xmlns:v="urn:schemas-microsoft-com:vml" Requires="v">
-                <p:oleObj spid="_x0000_s54419" name="Document" r:id="rId4" imgW="5486400" imgH="355600" progId="Word.Document.12">
+                <p:oleObj spid="_x0000_s54422" name="Document" r:id="rId4" imgW="5486400" imgH="355600" progId="Word.Document.12">
                   <p:link updateAutomatic="1"/>
                 </p:oleObj>
               </mc:Choice>
@@ -18906,7 +18428,7 @@
 </p:sld>
 </file>
 
-<file path=ppt/slides/slide35.xml><?xml version="1.0" encoding="utf-8"?>
+<file path=ppt/slides/slide34.xml><?xml version="1.0" encoding="utf-8"?>
 <p:sld xmlns:a="http://schemas.openxmlformats.org/drawingml/2006/main" xmlns:r="http://schemas.openxmlformats.org/officeDocument/2006/relationships" xmlns:p="http://schemas.openxmlformats.org/presentationml/2006/main">
   <p:cSld>
     <p:spTree>
@@ -19029,7 +18551,7 @@
 </p:sld>
 </file>
 
-<file path=ppt/slides/slide36.xml><?xml version="1.0" encoding="utf-8"?>
+<file path=ppt/slides/slide35.xml><?xml version="1.0" encoding="utf-8"?>
 <p:sld xmlns:a="http://schemas.openxmlformats.org/drawingml/2006/main" xmlns:r="http://schemas.openxmlformats.org/officeDocument/2006/relationships" xmlns:p="http://schemas.openxmlformats.org/presentationml/2006/main">
   <p:cSld>
     <p:spTree>
@@ -19157,7 +18679,7 @@
 </p:sld>
 </file>
 
-<file path=ppt/slides/slide37.xml><?xml version="1.0" encoding="utf-8"?>
+<file path=ppt/slides/slide36.xml><?xml version="1.0" encoding="utf-8"?>
 <p:sld xmlns:a="http://schemas.openxmlformats.org/drawingml/2006/main" xmlns:r="http://schemas.openxmlformats.org/officeDocument/2006/relationships" xmlns:p="http://schemas.openxmlformats.org/presentationml/2006/main">
   <p:cSld>
     <p:spTree>
@@ -19285,7 +18807,7 @@
 </p:sld>
 </file>
 
-<file path=ppt/slides/slide38.xml><?xml version="1.0" encoding="utf-8"?>
+<file path=ppt/slides/slide37.xml><?xml version="1.0" encoding="utf-8"?>
 <p:sld xmlns:a="http://schemas.openxmlformats.org/drawingml/2006/main" xmlns:r="http://schemas.openxmlformats.org/officeDocument/2006/relationships" xmlns:p="http://schemas.openxmlformats.org/presentationml/2006/main">
   <p:cSld>
     <p:spTree>
@@ -19413,7 +18935,7 @@
 </p:sld>
 </file>
 
-<file path=ppt/slides/slide39.xml><?xml version="1.0" encoding="utf-8"?>
+<file path=ppt/slides/slide38.xml><?xml version="1.0" encoding="utf-8"?>
 <p:sld xmlns:a="http://schemas.openxmlformats.org/drawingml/2006/main" xmlns:r="http://schemas.openxmlformats.org/officeDocument/2006/relationships" xmlns:p="http://schemas.openxmlformats.org/presentationml/2006/main">
   <p:cSld>
     <p:spTree>
@@ -19541,276 +19063,7 @@
 </p:sld>
 </file>
 
-<file path=ppt/slides/slide4.xml><?xml version="1.0" encoding="utf-8"?>
-<p:sld xmlns:a="http://schemas.openxmlformats.org/drawingml/2006/main" xmlns:r="http://schemas.openxmlformats.org/officeDocument/2006/relationships" xmlns:p="http://schemas.openxmlformats.org/presentationml/2006/main">
-  <p:cSld>
-    <p:spTree>
-      <p:nvGrpSpPr>
-        <p:cNvPr id="1" name=""/>
-        <p:cNvGrpSpPr/>
-        <p:nvPr/>
-      </p:nvGrpSpPr>
-      <p:grpSpPr>
-        <a:xfrm>
-          <a:off x="0" y="0"/>
-          <a:ext cx="0" cy="0"/>
-          <a:chOff x="0" y="0"/>
-          <a:chExt cx="0" cy="0"/>
-        </a:xfrm>
-      </p:grpSpPr>
-      <p:pic>
-        <p:nvPicPr>
-          <p:cNvPr id="6" name="Picture 5" descr="romeojuliet.jpg"/>
-          <p:cNvPicPr>
-            <a:picLocks noChangeAspect="1"/>
-          </p:cNvPicPr>
-          <p:nvPr/>
-        </p:nvPicPr>
-        <p:blipFill>
-          <a:blip r:embed="rId4">
-            <a:extLst>
-              <a:ext uri="{28A0092B-C50C-407E-A947-70E740481C1C}">
-                <a14:useLocalDpi xmlns:a14="http://schemas.microsoft.com/office/drawing/2010/main" val="0"/>
-              </a:ext>
-            </a:extLst>
-          </a:blip>
-          <a:stretch>
-            <a:fillRect/>
-          </a:stretch>
-        </p:blipFill>
-        <p:spPr>
-          <a:xfrm>
-            <a:off x="2458180" y="1698625"/>
-            <a:ext cx="4447445" cy="4887301"/>
-          </a:xfrm>
-          <a:prstGeom prst="rect">
-            <a:avLst/>
-          </a:prstGeom>
-        </p:spPr>
-      </p:pic>
-      <p:pic>
-        <p:nvPicPr>
-          <p:cNvPr id="4" name="Picture 3" descr="sun.png"/>
-          <p:cNvPicPr>
-            <a:picLocks noChangeAspect="1"/>
-          </p:cNvPicPr>
-          <p:nvPr/>
-        </p:nvPicPr>
-        <p:blipFill>
-          <a:blip r:embed="rId5">
-            <a:alphaModFix amt="65000"/>
-            <a:extLst>
-              <a:ext uri="{28A0092B-C50C-407E-A947-70E740481C1C}">
-                <a14:useLocalDpi xmlns:a14="http://schemas.microsoft.com/office/drawing/2010/main" val="0"/>
-              </a:ext>
-            </a:extLst>
-          </a:blip>
-          <a:stretch>
-            <a:fillRect/>
-          </a:stretch>
-        </p:blipFill>
-        <p:spPr>
-          <a:xfrm>
-            <a:off x="82471" y="2285110"/>
-            <a:ext cx="3111840" cy="1996928"/>
-          </a:xfrm>
-          <a:prstGeom prst="rect">
-            <a:avLst/>
-          </a:prstGeom>
-        </p:spPr>
-      </p:pic>
-      <p:sp>
-        <p:nvSpPr>
-          <p:cNvPr id="12" name="Title 1"/>
-          <p:cNvSpPr>
-            <a:spLocks noGrp="1"/>
-          </p:cNvSpPr>
-          <p:nvPr>
-            <p:ph type="title"/>
-          </p:nvPr>
-        </p:nvSpPr>
-        <p:spPr>
-          <a:xfrm>
-            <a:off x="457200" y="274638"/>
-            <a:ext cx="8229600" cy="1143000"/>
-          </a:xfrm>
-        </p:spPr>
-        <p:txBody>
-          <a:bodyPr/>
-          <a:lstStyle/>
-          <a:p>
-            <a:r>
-              <a:rPr lang="en-US" dirty="0" smtClean="0"/>
-              <a:t>Nonliteral language</a:t>
-            </a:r>
-            <a:endParaRPr lang="en-US" dirty="0"/>
-          </a:p>
-        </p:txBody>
-      </p:sp>
-      <p:sp>
-        <p:nvSpPr>
-          <p:cNvPr id="13" name="Rounded Rectangular Callout 12"/>
-          <p:cNvSpPr/>
-          <p:nvPr/>
-        </p:nvSpPr>
-        <p:spPr>
-          <a:xfrm>
-            <a:off x="4982273" y="1529333"/>
-            <a:ext cx="3198875" cy="1603375"/>
-          </a:xfrm>
-          <a:prstGeom prst="wedgeRoundRectCallout">
-            <a:avLst>
-              <a:gd name="adj1" fmla="val -42015"/>
-              <a:gd name="adj2" fmla="val 120965"/>
-              <a:gd name="adj3" fmla="val 16667"/>
-            </a:avLst>
-          </a:prstGeom>
-          <a:solidFill>
-            <a:srgbClr val="FFFFFF"/>
-          </a:solidFill>
-          <a:ln w="28575" cmpd="sng">
-            <a:solidFill>
-              <a:schemeClr val="tx1"/>
-            </a:solidFill>
-          </a:ln>
-          <a:effectLst/>
-        </p:spPr>
-        <p:style>
-          <a:lnRef idx="1">
-            <a:schemeClr val="accent1"/>
-          </a:lnRef>
-          <a:fillRef idx="3">
-            <a:schemeClr val="accent1"/>
-          </a:fillRef>
-          <a:effectRef idx="2">
-            <a:schemeClr val="accent1"/>
-          </a:effectRef>
-          <a:fontRef idx="minor">
-            <a:schemeClr val="lt1"/>
-          </a:fontRef>
-        </p:style>
-        <p:txBody>
-          <a:bodyPr rtlCol="0" anchor="ctr"/>
-          <a:lstStyle/>
-          <a:p>
-            <a:r>
-              <a:rPr lang="en-US" sz="2200" dirty="0" smtClean="0">
-                <a:solidFill>
-                  <a:schemeClr val="tx1"/>
-                </a:solidFill>
-              </a:rPr>
-              <a:t>But soft! What light through yonder window breaks? It is the east, and </a:t>
-            </a:r>
-            <a:r>
-              <a:rPr lang="en-US" sz="2200" b="1" dirty="0" smtClean="0">
-                <a:solidFill>
-                  <a:schemeClr val="tx1"/>
-                </a:solidFill>
-              </a:rPr>
-              <a:t>Juliet is the sun</a:t>
-            </a:r>
-            <a:r>
-              <a:rPr lang="en-US" sz="2200" dirty="0" smtClean="0">
-                <a:solidFill>
-                  <a:schemeClr val="tx1"/>
-                </a:solidFill>
-              </a:rPr>
-              <a:t>.</a:t>
-            </a:r>
-          </a:p>
-        </p:txBody>
-      </p:sp>
-      <p:sp>
-        <p:nvSpPr>
-          <p:cNvPr id="16" name="Cloud Callout 15"/>
-          <p:cNvSpPr/>
-          <p:nvPr/>
-        </p:nvSpPr>
-        <p:spPr>
-          <a:xfrm>
-            <a:off x="142875" y="2318100"/>
-            <a:ext cx="2315305" cy="1822268"/>
-          </a:xfrm>
-          <a:prstGeom prst="cloudCallout">
-            <a:avLst>
-              <a:gd name="adj1" fmla="val 77182"/>
-              <a:gd name="adj2" fmla="val -31674"/>
-            </a:avLst>
-          </a:prstGeom>
-          <a:noFill/>
-          <a:ln>
-            <a:solidFill>
-              <a:srgbClr val="7F7F7F"/>
-            </a:solidFill>
-          </a:ln>
-        </p:spPr>
-        <p:style>
-          <a:lnRef idx="1">
-            <a:schemeClr val="accent1"/>
-          </a:lnRef>
-          <a:fillRef idx="3">
-            <a:schemeClr val="accent1"/>
-          </a:fillRef>
-          <a:effectRef idx="2">
-            <a:schemeClr val="accent1"/>
-          </a:effectRef>
-          <a:fontRef idx="minor">
-            <a:schemeClr val="lt1"/>
-          </a:fontRef>
-        </p:style>
-        <p:txBody>
-          <a:bodyPr rtlCol="0" anchor="ctr"/>
-          <a:lstStyle/>
-          <a:p>
-            <a:pPr algn="ctr"/>
-            <a:r>
-              <a:rPr lang="en-US" sz="2000" dirty="0" smtClean="0">
-                <a:solidFill>
-                  <a:srgbClr val="000000"/>
-                </a:solidFill>
-              </a:rPr>
-              <a:t>He wants to tell me I am made of hot plasma.</a:t>
-            </a:r>
-            <a:endParaRPr lang="en-US" sz="2000" dirty="0">
-              <a:solidFill>
-                <a:srgbClr val="000000"/>
-              </a:solidFill>
-            </a:endParaRPr>
-          </a:p>
-        </p:txBody>
-      </p:sp>
-    </p:spTree>
-    <p:custDataLst>
-      <p:tags r:id="rId1"/>
-    </p:custDataLst>
-    <p:extLst>
-      <p:ext uri="{BB962C8B-B14F-4D97-AF65-F5344CB8AC3E}">
-        <p14:creationId xmlns:p14="http://schemas.microsoft.com/office/powerpoint/2010/main" val="1148633022"/>
-      </p:ext>
-    </p:extLst>
-  </p:cSld>
-  <p:clrMapOvr>
-    <a:masterClrMapping/>
-  </p:clrMapOvr>
-  <mc:AlternateContent xmlns:mc="http://schemas.openxmlformats.org/markup-compatibility/2006" xmlns:p14="http://schemas.microsoft.com/office/powerpoint/2010/main">
-    <mc:Choice Requires="p14">
-      <p:transition spd="slow" p14:dur="2000" advTm="1468"/>
-    </mc:Choice>
-    <mc:Fallback xmlns="">
-      <p:transition xmlns:p14="http://schemas.microsoft.com/office/powerpoint/2010/main" spd="slow" advTm="1468"/>
-    </mc:Fallback>
-  </mc:AlternateContent>
-  <p:timing>
-    <p:tnLst>
-      <p:par>
-        <p:cTn xmlns:p14="http://schemas.microsoft.com/office/powerpoint/2010/main" id="1" dur="indefinite" restart="never" nodeType="tmRoot"/>
-      </p:par>
-    </p:tnLst>
-  </p:timing>
-</p:sld>
-</file>
-
-<file path=ppt/slides/slide40.xml><?xml version="1.0" encoding="utf-8"?>
+<file path=ppt/slides/slide39.xml><?xml version="1.0" encoding="utf-8"?>
 <p:sld xmlns:a="http://schemas.openxmlformats.org/drawingml/2006/main" xmlns:r="http://schemas.openxmlformats.org/officeDocument/2006/relationships" xmlns:p="http://schemas.openxmlformats.org/presentationml/2006/main">
   <p:cSld>
     <p:spTree>
@@ -20054,7 +19307,276 @@
 </p:sld>
 </file>
 
-<file path=ppt/slides/slide41.xml><?xml version="1.0" encoding="utf-8"?>
+<file path=ppt/slides/slide4.xml><?xml version="1.0" encoding="utf-8"?>
+<p:sld xmlns:a="http://schemas.openxmlformats.org/drawingml/2006/main" xmlns:r="http://schemas.openxmlformats.org/officeDocument/2006/relationships" xmlns:p="http://schemas.openxmlformats.org/presentationml/2006/main">
+  <p:cSld>
+    <p:spTree>
+      <p:nvGrpSpPr>
+        <p:cNvPr id="1" name=""/>
+        <p:cNvGrpSpPr/>
+        <p:nvPr/>
+      </p:nvGrpSpPr>
+      <p:grpSpPr>
+        <a:xfrm>
+          <a:off x="0" y="0"/>
+          <a:ext cx="0" cy="0"/>
+          <a:chOff x="0" y="0"/>
+          <a:chExt cx="0" cy="0"/>
+        </a:xfrm>
+      </p:grpSpPr>
+      <p:pic>
+        <p:nvPicPr>
+          <p:cNvPr id="6" name="Picture 5" descr="romeojuliet.jpg"/>
+          <p:cNvPicPr>
+            <a:picLocks noChangeAspect="1"/>
+          </p:cNvPicPr>
+          <p:nvPr/>
+        </p:nvPicPr>
+        <p:blipFill>
+          <a:blip r:embed="rId4">
+            <a:extLst>
+              <a:ext uri="{28A0092B-C50C-407E-A947-70E740481C1C}">
+                <a14:useLocalDpi xmlns:a14="http://schemas.microsoft.com/office/drawing/2010/main" val="0"/>
+              </a:ext>
+            </a:extLst>
+          </a:blip>
+          <a:stretch>
+            <a:fillRect/>
+          </a:stretch>
+        </p:blipFill>
+        <p:spPr>
+          <a:xfrm>
+            <a:off x="2458180" y="1698625"/>
+            <a:ext cx="4447445" cy="4887301"/>
+          </a:xfrm>
+          <a:prstGeom prst="rect">
+            <a:avLst/>
+          </a:prstGeom>
+        </p:spPr>
+      </p:pic>
+      <p:pic>
+        <p:nvPicPr>
+          <p:cNvPr id="4" name="Picture 3" descr="sun.png"/>
+          <p:cNvPicPr>
+            <a:picLocks noChangeAspect="1"/>
+          </p:cNvPicPr>
+          <p:nvPr/>
+        </p:nvPicPr>
+        <p:blipFill>
+          <a:blip r:embed="rId5">
+            <a:alphaModFix amt="65000"/>
+            <a:extLst>
+              <a:ext uri="{28A0092B-C50C-407E-A947-70E740481C1C}">
+                <a14:useLocalDpi xmlns:a14="http://schemas.microsoft.com/office/drawing/2010/main" val="0"/>
+              </a:ext>
+            </a:extLst>
+          </a:blip>
+          <a:stretch>
+            <a:fillRect/>
+          </a:stretch>
+        </p:blipFill>
+        <p:spPr>
+          <a:xfrm>
+            <a:off x="82471" y="2285110"/>
+            <a:ext cx="3111840" cy="1996928"/>
+          </a:xfrm>
+          <a:prstGeom prst="rect">
+            <a:avLst/>
+          </a:prstGeom>
+        </p:spPr>
+      </p:pic>
+      <p:sp>
+        <p:nvSpPr>
+          <p:cNvPr id="12" name="Title 1"/>
+          <p:cNvSpPr>
+            <a:spLocks noGrp="1"/>
+          </p:cNvSpPr>
+          <p:nvPr>
+            <p:ph type="title"/>
+          </p:nvPr>
+        </p:nvSpPr>
+        <p:spPr>
+          <a:xfrm>
+            <a:off x="457200" y="274638"/>
+            <a:ext cx="8229600" cy="1143000"/>
+          </a:xfrm>
+        </p:spPr>
+        <p:txBody>
+          <a:bodyPr/>
+          <a:lstStyle/>
+          <a:p>
+            <a:r>
+              <a:rPr lang="en-US" dirty="0" smtClean="0"/>
+              <a:t>Nonliteral language</a:t>
+            </a:r>
+            <a:endParaRPr lang="en-US" dirty="0"/>
+          </a:p>
+        </p:txBody>
+      </p:sp>
+      <p:sp>
+        <p:nvSpPr>
+          <p:cNvPr id="13" name="Rounded Rectangular Callout 12"/>
+          <p:cNvSpPr/>
+          <p:nvPr/>
+        </p:nvSpPr>
+        <p:spPr>
+          <a:xfrm>
+            <a:off x="4982273" y="1529333"/>
+            <a:ext cx="3198875" cy="1603375"/>
+          </a:xfrm>
+          <a:prstGeom prst="wedgeRoundRectCallout">
+            <a:avLst>
+              <a:gd name="adj1" fmla="val -42015"/>
+              <a:gd name="adj2" fmla="val 120965"/>
+              <a:gd name="adj3" fmla="val 16667"/>
+            </a:avLst>
+          </a:prstGeom>
+          <a:solidFill>
+            <a:srgbClr val="FFFFFF"/>
+          </a:solidFill>
+          <a:ln w="28575" cmpd="sng">
+            <a:solidFill>
+              <a:schemeClr val="tx1"/>
+            </a:solidFill>
+          </a:ln>
+          <a:effectLst/>
+        </p:spPr>
+        <p:style>
+          <a:lnRef idx="1">
+            <a:schemeClr val="accent1"/>
+          </a:lnRef>
+          <a:fillRef idx="3">
+            <a:schemeClr val="accent1"/>
+          </a:fillRef>
+          <a:effectRef idx="2">
+            <a:schemeClr val="accent1"/>
+          </a:effectRef>
+          <a:fontRef idx="minor">
+            <a:schemeClr val="lt1"/>
+          </a:fontRef>
+        </p:style>
+        <p:txBody>
+          <a:bodyPr rtlCol="0" anchor="ctr"/>
+          <a:lstStyle/>
+          <a:p>
+            <a:r>
+              <a:rPr lang="en-US" sz="2200" dirty="0" smtClean="0">
+                <a:solidFill>
+                  <a:schemeClr val="tx1"/>
+                </a:solidFill>
+              </a:rPr>
+              <a:t>But soft! What light through yonder window breaks? It is the east, and </a:t>
+            </a:r>
+            <a:r>
+              <a:rPr lang="en-US" sz="2200" b="1" dirty="0" smtClean="0">
+                <a:solidFill>
+                  <a:schemeClr val="tx1"/>
+                </a:solidFill>
+              </a:rPr>
+              <a:t>Juliet is the sun</a:t>
+            </a:r>
+            <a:r>
+              <a:rPr lang="en-US" sz="2200" dirty="0" smtClean="0">
+                <a:solidFill>
+                  <a:schemeClr val="tx1"/>
+                </a:solidFill>
+              </a:rPr>
+              <a:t>.</a:t>
+            </a:r>
+          </a:p>
+        </p:txBody>
+      </p:sp>
+      <p:sp>
+        <p:nvSpPr>
+          <p:cNvPr id="16" name="Cloud Callout 15"/>
+          <p:cNvSpPr/>
+          <p:nvPr/>
+        </p:nvSpPr>
+        <p:spPr>
+          <a:xfrm>
+            <a:off x="142875" y="2318100"/>
+            <a:ext cx="2315305" cy="1822268"/>
+          </a:xfrm>
+          <a:prstGeom prst="cloudCallout">
+            <a:avLst>
+              <a:gd name="adj1" fmla="val 77182"/>
+              <a:gd name="adj2" fmla="val -31674"/>
+            </a:avLst>
+          </a:prstGeom>
+          <a:noFill/>
+          <a:ln>
+            <a:solidFill>
+              <a:srgbClr val="7F7F7F"/>
+            </a:solidFill>
+          </a:ln>
+        </p:spPr>
+        <p:style>
+          <a:lnRef idx="1">
+            <a:schemeClr val="accent1"/>
+          </a:lnRef>
+          <a:fillRef idx="3">
+            <a:schemeClr val="accent1"/>
+          </a:fillRef>
+          <a:effectRef idx="2">
+            <a:schemeClr val="accent1"/>
+          </a:effectRef>
+          <a:fontRef idx="minor">
+            <a:schemeClr val="lt1"/>
+          </a:fontRef>
+        </p:style>
+        <p:txBody>
+          <a:bodyPr rtlCol="0" anchor="ctr"/>
+          <a:lstStyle/>
+          <a:p>
+            <a:pPr algn="ctr"/>
+            <a:r>
+              <a:rPr lang="en-US" sz="2000" dirty="0" smtClean="0">
+                <a:solidFill>
+                  <a:srgbClr val="000000"/>
+                </a:solidFill>
+              </a:rPr>
+              <a:t>He wants to tell me I am made of hot plasma.</a:t>
+            </a:r>
+            <a:endParaRPr lang="en-US" sz="2000" dirty="0">
+              <a:solidFill>
+                <a:srgbClr val="000000"/>
+              </a:solidFill>
+            </a:endParaRPr>
+          </a:p>
+        </p:txBody>
+      </p:sp>
+    </p:spTree>
+    <p:custDataLst>
+      <p:tags r:id="rId1"/>
+    </p:custDataLst>
+    <p:extLst>
+      <p:ext uri="{BB962C8B-B14F-4D97-AF65-F5344CB8AC3E}">
+        <p14:creationId xmlns:p14="http://schemas.microsoft.com/office/powerpoint/2010/main" val="1148633022"/>
+      </p:ext>
+    </p:extLst>
+  </p:cSld>
+  <p:clrMapOvr>
+    <a:masterClrMapping/>
+  </p:clrMapOvr>
+  <mc:AlternateContent xmlns:mc="http://schemas.openxmlformats.org/markup-compatibility/2006" xmlns:p14="http://schemas.microsoft.com/office/powerpoint/2010/main">
+    <mc:Choice Requires="p14">
+      <p:transition spd="slow" p14:dur="2000" advTm="1468"/>
+    </mc:Choice>
+    <mc:Fallback xmlns="">
+      <p:transition xmlns:p14="http://schemas.microsoft.com/office/powerpoint/2010/main" spd="slow" advTm="1468"/>
+    </mc:Fallback>
+  </mc:AlternateContent>
+  <p:timing>
+    <p:tnLst>
+      <p:par>
+        <p:cTn xmlns:p14="http://schemas.microsoft.com/office/powerpoint/2010/main" id="1" dur="indefinite" restart="never" nodeType="tmRoot"/>
+      </p:par>
+    </p:tnLst>
+  </p:timing>
+</p:sld>
+</file>
+
+<file path=ppt/slides/slide40.xml><?xml version="1.0" encoding="utf-8"?>
 <p:sld xmlns:a="http://schemas.openxmlformats.org/drawingml/2006/main" xmlns:r="http://schemas.openxmlformats.org/officeDocument/2006/relationships" xmlns:p="http://schemas.openxmlformats.org/presentationml/2006/main">
   <p:cSld>
     <p:spTree>
@@ -20172,6 +19694,149 @@
     <p:extLst>
       <p:ext uri="{BB962C8B-B14F-4D97-AF65-F5344CB8AC3E}">
         <p14:creationId xmlns:p14="http://schemas.microsoft.com/office/powerpoint/2010/main" val="2565388543"/>
+      </p:ext>
+    </p:extLst>
+  </p:cSld>
+  <p:clrMapOvr>
+    <a:masterClrMapping/>
+  </p:clrMapOvr>
+  <mc:AlternateContent xmlns:mc="http://schemas.openxmlformats.org/markup-compatibility/2006" xmlns:p14="http://schemas.microsoft.com/office/powerpoint/2010/main">
+    <mc:Choice Requires="p14">
+      <p:transition spd="slow" p14:dur="2000" advTm="141778"/>
+    </mc:Choice>
+    <mc:Fallback xmlns="">
+      <p:transition xmlns:p14="http://schemas.microsoft.com/office/powerpoint/2010/main" spd="slow" advTm="141778"/>
+    </mc:Fallback>
+  </mc:AlternateContent>
+  <p:timing>
+    <p:tnLst>
+      <p:par>
+        <p:cTn xmlns:p14="http://schemas.microsoft.com/office/powerpoint/2010/main" id="1" dur="indefinite" restart="never" nodeType="tmRoot"/>
+      </p:par>
+    </p:tnLst>
+  </p:timing>
+</p:sld>
+</file>
+
+<file path=ppt/slides/slide41.xml><?xml version="1.0" encoding="utf-8"?>
+<p:sld xmlns:a="http://schemas.openxmlformats.org/drawingml/2006/main" xmlns:r="http://schemas.openxmlformats.org/officeDocument/2006/relationships" xmlns:p="http://schemas.openxmlformats.org/presentationml/2006/main">
+  <p:cSld>
+    <p:spTree>
+      <p:nvGrpSpPr>
+        <p:cNvPr id="1" name=""/>
+        <p:cNvGrpSpPr/>
+        <p:nvPr/>
+      </p:nvGrpSpPr>
+      <p:grpSpPr>
+        <a:xfrm>
+          <a:off x="0" y="0"/>
+          <a:ext cx="0" cy="0"/>
+          <a:chOff x="0" y="0"/>
+          <a:chExt cx="0" cy="0"/>
+        </a:xfrm>
+      </p:grpSpPr>
+      <p:sp>
+        <p:nvSpPr>
+          <p:cNvPr id="2" name="Title 1"/>
+          <p:cNvSpPr>
+            <a:spLocks noGrp="1"/>
+          </p:cNvSpPr>
+          <p:nvPr>
+            <p:ph type="title"/>
+          </p:nvPr>
+        </p:nvSpPr>
+        <p:spPr/>
+        <p:txBody>
+          <a:bodyPr/>
+          <a:lstStyle/>
+          <a:p>
+            <a:r>
+              <a:rPr lang="en-US" dirty="0" smtClean="0"/>
+              <a:t>Results</a:t>
+            </a:r>
+            <a:endParaRPr lang="en-US" dirty="0"/>
+          </a:p>
+        </p:txBody>
+      </p:sp>
+      <p:pic>
+        <p:nvPicPr>
+          <p:cNvPr id="3" name="Picture 2" descr="goal_comp.png"/>
+          <p:cNvPicPr>
+            <a:picLocks noChangeAspect="1"/>
+          </p:cNvPicPr>
+          <p:nvPr/>
+        </p:nvPicPr>
+        <p:blipFill>
+          <a:blip r:embed="rId3">
+            <a:extLst>
+              <a:ext uri="{28A0092B-C50C-407E-A947-70E740481C1C}">
+                <a14:useLocalDpi xmlns:a14="http://schemas.microsoft.com/office/drawing/2010/main" val="0"/>
+              </a:ext>
+            </a:extLst>
+          </a:blip>
+          <a:stretch>
+            <a:fillRect/>
+          </a:stretch>
+        </p:blipFill>
+        <p:spPr>
+          <a:xfrm>
+            <a:off x="440706" y="1251527"/>
+            <a:ext cx="8246094" cy="5395470"/>
+          </a:xfrm>
+          <a:prstGeom prst="rect">
+            <a:avLst/>
+          </a:prstGeom>
+        </p:spPr>
+      </p:pic>
+      <p:sp>
+        <p:nvSpPr>
+          <p:cNvPr id="4" name="Rectangle 3"/>
+          <p:cNvSpPr/>
+          <p:nvPr/>
+        </p:nvSpPr>
+        <p:spPr>
+          <a:xfrm>
+            <a:off x="2556609" y="1682543"/>
+            <a:ext cx="4486436" cy="4662662"/>
+          </a:xfrm>
+          <a:prstGeom prst="rect">
+            <a:avLst/>
+          </a:prstGeom>
+          <a:solidFill>
+            <a:srgbClr val="FFFFFF"/>
+          </a:solidFill>
+          <a:ln>
+            <a:noFill/>
+          </a:ln>
+          <a:effectLst/>
+        </p:spPr>
+        <p:style>
+          <a:lnRef idx="1">
+            <a:schemeClr val="accent1"/>
+          </a:lnRef>
+          <a:fillRef idx="3">
+            <a:schemeClr val="accent1"/>
+          </a:fillRef>
+          <a:effectRef idx="2">
+            <a:schemeClr val="accent1"/>
+          </a:effectRef>
+          <a:fontRef idx="minor">
+            <a:schemeClr val="lt1"/>
+          </a:fontRef>
+        </p:style>
+        <p:txBody>
+          <a:bodyPr rtlCol="0" anchor="ctr"/>
+          <a:lstStyle/>
+          <a:p>
+            <a:pPr algn="ctr"/>
+            <a:endParaRPr lang="en-US"/>
+          </a:p>
+        </p:txBody>
+      </p:sp>
+    </p:spTree>
+    <p:extLst>
+      <p:ext uri="{BB962C8B-B14F-4D97-AF65-F5344CB8AC3E}">
+        <p14:creationId xmlns:p14="http://schemas.microsoft.com/office/powerpoint/2010/main" val="1977395717"/>
       </p:ext>
     </p:extLst>
   </p:cSld>
@@ -20274,8 +19939,8 @@
         </p:nvSpPr>
         <p:spPr>
           <a:xfrm>
-            <a:off x="2556609" y="1682543"/>
-            <a:ext cx="4486436" cy="4662662"/>
+            <a:off x="4041091" y="1682543"/>
+            <a:ext cx="3001953" cy="4662662"/>
           </a:xfrm>
           <a:prstGeom prst="rect">
             <a:avLst/>
@@ -20314,7 +19979,7 @@
     </p:spTree>
     <p:extLst>
       <p:ext uri="{BB962C8B-B14F-4D97-AF65-F5344CB8AC3E}">
-        <p14:creationId xmlns:p14="http://schemas.microsoft.com/office/powerpoint/2010/main" val="1977395717"/>
+        <p14:creationId xmlns:p14="http://schemas.microsoft.com/office/powerpoint/2010/main" val="663963237"/>
       </p:ext>
     </p:extLst>
   </p:cSld>
@@ -20417,149 +20082,6 @@
         </p:nvSpPr>
         <p:spPr>
           <a:xfrm>
-            <a:off x="4041091" y="1682543"/>
-            <a:ext cx="3001953" cy="4662662"/>
-          </a:xfrm>
-          <a:prstGeom prst="rect">
-            <a:avLst/>
-          </a:prstGeom>
-          <a:solidFill>
-            <a:srgbClr val="FFFFFF"/>
-          </a:solidFill>
-          <a:ln>
-            <a:noFill/>
-          </a:ln>
-          <a:effectLst/>
-        </p:spPr>
-        <p:style>
-          <a:lnRef idx="1">
-            <a:schemeClr val="accent1"/>
-          </a:lnRef>
-          <a:fillRef idx="3">
-            <a:schemeClr val="accent1"/>
-          </a:fillRef>
-          <a:effectRef idx="2">
-            <a:schemeClr val="accent1"/>
-          </a:effectRef>
-          <a:fontRef idx="minor">
-            <a:schemeClr val="lt1"/>
-          </a:fontRef>
-        </p:style>
-        <p:txBody>
-          <a:bodyPr rtlCol="0" anchor="ctr"/>
-          <a:lstStyle/>
-          <a:p>
-            <a:pPr algn="ctr"/>
-            <a:endParaRPr lang="en-US"/>
-          </a:p>
-        </p:txBody>
-      </p:sp>
-    </p:spTree>
-    <p:extLst>
-      <p:ext uri="{BB962C8B-B14F-4D97-AF65-F5344CB8AC3E}">
-        <p14:creationId xmlns:p14="http://schemas.microsoft.com/office/powerpoint/2010/main" val="663963237"/>
-      </p:ext>
-    </p:extLst>
-  </p:cSld>
-  <p:clrMapOvr>
-    <a:masterClrMapping/>
-  </p:clrMapOvr>
-  <mc:AlternateContent xmlns:mc="http://schemas.openxmlformats.org/markup-compatibility/2006" xmlns:p14="http://schemas.microsoft.com/office/powerpoint/2010/main">
-    <mc:Choice Requires="p14">
-      <p:transition spd="slow" p14:dur="2000" advTm="141778"/>
-    </mc:Choice>
-    <mc:Fallback xmlns="">
-      <p:transition xmlns:p14="http://schemas.microsoft.com/office/powerpoint/2010/main" spd="slow" advTm="141778"/>
-    </mc:Fallback>
-  </mc:AlternateContent>
-  <p:timing>
-    <p:tnLst>
-      <p:par>
-        <p:cTn xmlns:p14="http://schemas.microsoft.com/office/powerpoint/2010/main" id="1" dur="indefinite" restart="never" nodeType="tmRoot"/>
-      </p:par>
-    </p:tnLst>
-  </p:timing>
-</p:sld>
-</file>
-
-<file path=ppt/slides/slide44.xml><?xml version="1.0" encoding="utf-8"?>
-<p:sld xmlns:a="http://schemas.openxmlformats.org/drawingml/2006/main" xmlns:r="http://schemas.openxmlformats.org/officeDocument/2006/relationships" xmlns:p="http://schemas.openxmlformats.org/presentationml/2006/main">
-  <p:cSld>
-    <p:spTree>
-      <p:nvGrpSpPr>
-        <p:cNvPr id="1" name=""/>
-        <p:cNvGrpSpPr/>
-        <p:nvPr/>
-      </p:nvGrpSpPr>
-      <p:grpSpPr>
-        <a:xfrm>
-          <a:off x="0" y="0"/>
-          <a:ext cx="0" cy="0"/>
-          <a:chOff x="0" y="0"/>
-          <a:chExt cx="0" cy="0"/>
-        </a:xfrm>
-      </p:grpSpPr>
-      <p:sp>
-        <p:nvSpPr>
-          <p:cNvPr id="2" name="Title 1"/>
-          <p:cNvSpPr>
-            <a:spLocks noGrp="1"/>
-          </p:cNvSpPr>
-          <p:nvPr>
-            <p:ph type="title"/>
-          </p:nvPr>
-        </p:nvSpPr>
-        <p:spPr/>
-        <p:txBody>
-          <a:bodyPr/>
-          <a:lstStyle/>
-          <a:p>
-            <a:r>
-              <a:rPr lang="en-US" dirty="0" smtClean="0"/>
-              <a:t>Results</a:t>
-            </a:r>
-            <a:endParaRPr lang="en-US" dirty="0"/>
-          </a:p>
-        </p:txBody>
-      </p:sp>
-      <p:pic>
-        <p:nvPicPr>
-          <p:cNvPr id="3" name="Picture 2" descr="goal_comp.png"/>
-          <p:cNvPicPr>
-            <a:picLocks noChangeAspect="1"/>
-          </p:cNvPicPr>
-          <p:nvPr/>
-        </p:nvPicPr>
-        <p:blipFill>
-          <a:blip r:embed="rId3">
-            <a:extLst>
-              <a:ext uri="{28A0092B-C50C-407E-A947-70E740481C1C}">
-                <a14:useLocalDpi xmlns:a14="http://schemas.microsoft.com/office/drawing/2010/main" val="0"/>
-              </a:ext>
-            </a:extLst>
-          </a:blip>
-          <a:stretch>
-            <a:fillRect/>
-          </a:stretch>
-        </p:blipFill>
-        <p:spPr>
-          <a:xfrm>
-            <a:off x="440706" y="1251527"/>
-            <a:ext cx="8246094" cy="5395470"/>
-          </a:xfrm>
-          <a:prstGeom prst="rect">
-            <a:avLst/>
-          </a:prstGeom>
-        </p:spPr>
-      </p:pic>
-      <p:sp>
-        <p:nvSpPr>
-          <p:cNvPr id="4" name="Rectangle 3"/>
-          <p:cNvSpPr/>
-          <p:nvPr/>
-        </p:nvSpPr>
-        <p:spPr>
-          <a:xfrm>
             <a:off x="5509080" y="1682543"/>
             <a:ext cx="1533964" cy="4662662"/>
           </a:xfrm>
@@ -20625,7 +20147,7 @@
 </p:sld>
 </file>
 
-<file path=ppt/slides/slide45.xml><?xml version="1.0" encoding="utf-8"?>
+<file path=ppt/slides/slide44.xml><?xml version="1.0" encoding="utf-8"?>
 <p:sld xmlns:a="http://schemas.openxmlformats.org/drawingml/2006/main" xmlns:r="http://schemas.openxmlformats.org/officeDocument/2006/relationships" xmlns:p="http://schemas.openxmlformats.org/presentationml/2006/main">
   <p:cSld>
     <p:spTree>
@@ -20723,7 +20245,7 @@
 </p:sld>
 </file>
 
-<file path=ppt/slides/slide46.xml><?xml version="1.0" encoding="utf-8"?>
+<file path=ppt/slides/slide45.xml><?xml version="1.0" encoding="utf-8"?>
 <p:sld xmlns:a="http://schemas.openxmlformats.org/drawingml/2006/main" xmlns:r="http://schemas.openxmlformats.org/officeDocument/2006/relationships" xmlns:p="http://schemas.openxmlformats.org/presentationml/2006/main">
   <p:cSld>
     <p:spTree>
@@ -20851,7 +20373,7 @@
 </p:sld>
 </file>
 
-<file path=ppt/slides/slide47.xml><?xml version="1.0" encoding="utf-8"?>
+<file path=ppt/slides/slide46.xml><?xml version="1.0" encoding="utf-8"?>
 <p:sld xmlns:a="http://schemas.openxmlformats.org/drawingml/2006/main" xmlns:r="http://schemas.openxmlformats.org/officeDocument/2006/relationships" xmlns:p="http://schemas.openxmlformats.org/presentationml/2006/main">
   <p:cSld>
     <p:spTree>
@@ -20946,7 +20468,7 @@
 </p:sld>
 </file>
 
-<file path=ppt/slides/slide48.xml><?xml version="1.0" encoding="utf-8"?>
+<file path=ppt/slides/slide47.xml><?xml version="1.0" encoding="utf-8"?>
 <p:sld xmlns:a="http://schemas.openxmlformats.org/drawingml/2006/main" xmlns:r="http://schemas.openxmlformats.org/officeDocument/2006/relationships" xmlns:p="http://schemas.openxmlformats.org/presentationml/2006/main">
   <p:cSld>
     <p:spTree>
@@ -21041,7 +20563,7 @@
 </p:sld>
 </file>
 
-<file path=ppt/slides/slide49.xml><?xml version="1.0" encoding="utf-8"?>
+<file path=ppt/slides/slide48.xml><?xml version="1.0" encoding="utf-8"?>
 <p:sld xmlns:a="http://schemas.openxmlformats.org/drawingml/2006/main" xmlns:r="http://schemas.openxmlformats.org/officeDocument/2006/relationships" xmlns:p="http://schemas.openxmlformats.org/presentationml/2006/main">
   <p:cSld>
     <p:spTree>
@@ -21161,247 +20683,7 @@
 </p:sld>
 </file>
 
-<file path=ppt/slides/slide5.xml><?xml version="1.0" encoding="utf-8"?>
-<p:sld xmlns:a="http://schemas.openxmlformats.org/drawingml/2006/main" xmlns:r="http://schemas.openxmlformats.org/officeDocument/2006/relationships" xmlns:p="http://schemas.openxmlformats.org/presentationml/2006/main">
-  <p:cSld>
-    <p:spTree>
-      <p:nvGrpSpPr>
-        <p:cNvPr id="1" name=""/>
-        <p:cNvGrpSpPr/>
-        <p:nvPr/>
-      </p:nvGrpSpPr>
-      <p:grpSpPr>
-        <a:xfrm>
-          <a:off x="0" y="0"/>
-          <a:ext cx="0" cy="0"/>
-          <a:chOff x="0" y="0"/>
-          <a:chExt cx="0" cy="0"/>
-        </a:xfrm>
-      </p:grpSpPr>
-      <p:pic>
-        <p:nvPicPr>
-          <p:cNvPr id="6" name="Picture 5" descr="romeojuliet.jpg"/>
-          <p:cNvPicPr>
-            <a:picLocks noChangeAspect="1"/>
-          </p:cNvPicPr>
-          <p:nvPr/>
-        </p:nvPicPr>
-        <p:blipFill>
-          <a:blip r:embed="rId4">
-            <a:extLst>
-              <a:ext uri="{28A0092B-C50C-407E-A947-70E740481C1C}">
-                <a14:useLocalDpi xmlns:a14="http://schemas.microsoft.com/office/drawing/2010/main" val="0"/>
-              </a:ext>
-            </a:extLst>
-          </a:blip>
-          <a:stretch>
-            <a:fillRect/>
-          </a:stretch>
-        </p:blipFill>
-        <p:spPr>
-          <a:xfrm>
-            <a:off x="2458180" y="1698625"/>
-            <a:ext cx="4447445" cy="4887301"/>
-          </a:xfrm>
-          <a:prstGeom prst="rect">
-            <a:avLst/>
-          </a:prstGeom>
-        </p:spPr>
-      </p:pic>
-      <p:sp>
-        <p:nvSpPr>
-          <p:cNvPr id="7" name="Rounded Rectangular Callout 6"/>
-          <p:cNvSpPr/>
-          <p:nvPr/>
-        </p:nvSpPr>
-        <p:spPr>
-          <a:xfrm>
-            <a:off x="4982273" y="1529333"/>
-            <a:ext cx="3198875" cy="1603375"/>
-          </a:xfrm>
-          <a:prstGeom prst="wedgeRoundRectCallout">
-            <a:avLst>
-              <a:gd name="adj1" fmla="val -42015"/>
-              <a:gd name="adj2" fmla="val 120965"/>
-              <a:gd name="adj3" fmla="val 16667"/>
-            </a:avLst>
-          </a:prstGeom>
-          <a:solidFill>
-            <a:srgbClr val="FFFFFF"/>
-          </a:solidFill>
-          <a:ln w="28575" cmpd="sng">
-            <a:solidFill>
-              <a:schemeClr val="tx1"/>
-            </a:solidFill>
-          </a:ln>
-          <a:effectLst/>
-        </p:spPr>
-        <p:style>
-          <a:lnRef idx="1">
-            <a:schemeClr val="accent1"/>
-          </a:lnRef>
-          <a:fillRef idx="3">
-            <a:schemeClr val="accent1"/>
-          </a:fillRef>
-          <a:effectRef idx="2">
-            <a:schemeClr val="accent1"/>
-          </a:effectRef>
-          <a:fontRef idx="minor">
-            <a:schemeClr val="lt1"/>
-          </a:fontRef>
-        </p:style>
-        <p:txBody>
-          <a:bodyPr rtlCol="0" anchor="ctr"/>
-          <a:lstStyle/>
-          <a:p>
-            <a:r>
-              <a:rPr lang="en-US" sz="2200" dirty="0" smtClean="0">
-                <a:solidFill>
-                  <a:schemeClr val="tx1"/>
-                </a:solidFill>
-              </a:rPr>
-              <a:t>But soft! What light through yonder window breaks? It is the east, and </a:t>
-            </a:r>
-            <a:r>
-              <a:rPr lang="en-US" sz="2200" b="1" dirty="0" smtClean="0">
-                <a:solidFill>
-                  <a:schemeClr val="tx1"/>
-                </a:solidFill>
-              </a:rPr>
-              <a:t>Juliet is the sun</a:t>
-            </a:r>
-            <a:r>
-              <a:rPr lang="en-US" sz="2200" dirty="0" smtClean="0">
-                <a:solidFill>
-                  <a:schemeClr val="tx1"/>
-                </a:solidFill>
-              </a:rPr>
-              <a:t>.</a:t>
-            </a:r>
-          </a:p>
-        </p:txBody>
-      </p:sp>
-      <p:sp>
-        <p:nvSpPr>
-          <p:cNvPr id="9" name="Cloud Callout 8"/>
-          <p:cNvSpPr/>
-          <p:nvPr/>
-        </p:nvSpPr>
-        <p:spPr>
-          <a:xfrm>
-            <a:off x="142875" y="2318100"/>
-            <a:ext cx="2315305" cy="1822268"/>
-          </a:xfrm>
-          <a:prstGeom prst="cloudCallout">
-            <a:avLst>
-              <a:gd name="adj1" fmla="val 78607"/>
-              <a:gd name="adj2" fmla="val -34390"/>
-            </a:avLst>
-          </a:prstGeom>
-          <a:solidFill>
-            <a:srgbClr val="FFFFFF"/>
-          </a:solidFill>
-          <a:ln>
-            <a:solidFill>
-              <a:srgbClr val="7F7F7F"/>
-            </a:solidFill>
-          </a:ln>
-        </p:spPr>
-        <p:style>
-          <a:lnRef idx="1">
-            <a:schemeClr val="accent1"/>
-          </a:lnRef>
-          <a:fillRef idx="3">
-            <a:schemeClr val="accent1"/>
-          </a:fillRef>
-          <a:effectRef idx="2">
-            <a:schemeClr val="accent1"/>
-          </a:effectRef>
-          <a:fontRef idx="minor">
-            <a:schemeClr val="lt1"/>
-          </a:fontRef>
-        </p:style>
-        <p:txBody>
-          <a:bodyPr rtlCol="0" anchor="ctr"/>
-          <a:lstStyle/>
-          <a:p>
-            <a:pPr algn="ctr"/>
-            <a:r>
-              <a:rPr lang="en-US" sz="2000" dirty="0" smtClean="0">
-                <a:solidFill>
-                  <a:srgbClr val="000000"/>
-                </a:solidFill>
-              </a:rPr>
-              <a:t>He wants to tell me I am beautiful.</a:t>
-            </a:r>
-            <a:endParaRPr lang="en-US" sz="2000" dirty="0">
-              <a:solidFill>
-                <a:srgbClr val="000000"/>
-              </a:solidFill>
-            </a:endParaRPr>
-          </a:p>
-        </p:txBody>
-      </p:sp>
-      <p:sp>
-        <p:nvSpPr>
-          <p:cNvPr id="10" name="Title 1"/>
-          <p:cNvSpPr>
-            <a:spLocks noGrp="1"/>
-          </p:cNvSpPr>
-          <p:nvPr>
-            <p:ph type="title"/>
-          </p:nvPr>
-        </p:nvSpPr>
-        <p:spPr>
-          <a:xfrm>
-            <a:off x="457200" y="274638"/>
-            <a:ext cx="8229600" cy="1143000"/>
-          </a:xfrm>
-        </p:spPr>
-        <p:txBody>
-          <a:bodyPr/>
-          <a:lstStyle/>
-          <a:p>
-            <a:r>
-              <a:rPr lang="en-US" dirty="0" smtClean="0"/>
-              <a:t>Nonliteral language</a:t>
-            </a:r>
-            <a:endParaRPr lang="en-US" dirty="0"/>
-          </a:p>
-        </p:txBody>
-      </p:sp>
-    </p:spTree>
-    <p:custDataLst>
-      <p:tags r:id="rId1"/>
-    </p:custDataLst>
-    <p:extLst>
-      <p:ext uri="{BB962C8B-B14F-4D97-AF65-F5344CB8AC3E}">
-        <p14:creationId xmlns:p14="http://schemas.microsoft.com/office/powerpoint/2010/main" val="1148633022"/>
-      </p:ext>
-    </p:extLst>
-  </p:cSld>
-  <p:clrMapOvr>
-    <a:masterClrMapping/>
-  </p:clrMapOvr>
-  <mc:AlternateContent xmlns:mc="http://schemas.openxmlformats.org/markup-compatibility/2006" xmlns:p14="http://schemas.microsoft.com/office/powerpoint/2010/main">
-    <mc:Choice Requires="p14">
-      <p:transition spd="slow" p14:dur="2000" advTm="1468"/>
-    </mc:Choice>
-    <mc:Fallback xmlns="">
-      <p:transition xmlns:p14="http://schemas.microsoft.com/office/powerpoint/2010/main" spd="slow" advTm="1468"/>
-    </mc:Fallback>
-  </mc:AlternateContent>
-  <p:timing>
-    <p:tnLst>
-      <p:par>
-        <p:cTn xmlns:p14="http://schemas.microsoft.com/office/powerpoint/2010/main" id="1" dur="indefinite" restart="never" nodeType="tmRoot"/>
-      </p:par>
-    </p:tnLst>
-  </p:timing>
-</p:sld>
-</file>
-
-<file path=ppt/slides/slide50.xml><?xml version="1.0" encoding="utf-8"?>
+<file path=ppt/slides/slide49.xml><?xml version="1.0" encoding="utf-8"?>
 <p:sld xmlns:a="http://schemas.openxmlformats.org/drawingml/2006/main" xmlns:r="http://schemas.openxmlformats.org/officeDocument/2006/relationships" xmlns:p="http://schemas.openxmlformats.org/presentationml/2006/main">
   <p:cSld>
     <p:spTree>
@@ -21499,7 +20781,247 @@
 </p:sld>
 </file>
 
-<file path=ppt/slides/slide51.xml><?xml version="1.0" encoding="utf-8"?>
+<file path=ppt/slides/slide5.xml><?xml version="1.0" encoding="utf-8"?>
+<p:sld xmlns:a="http://schemas.openxmlformats.org/drawingml/2006/main" xmlns:r="http://schemas.openxmlformats.org/officeDocument/2006/relationships" xmlns:p="http://schemas.openxmlformats.org/presentationml/2006/main">
+  <p:cSld>
+    <p:spTree>
+      <p:nvGrpSpPr>
+        <p:cNvPr id="1" name=""/>
+        <p:cNvGrpSpPr/>
+        <p:nvPr/>
+      </p:nvGrpSpPr>
+      <p:grpSpPr>
+        <a:xfrm>
+          <a:off x="0" y="0"/>
+          <a:ext cx="0" cy="0"/>
+          <a:chOff x="0" y="0"/>
+          <a:chExt cx="0" cy="0"/>
+        </a:xfrm>
+      </p:grpSpPr>
+      <p:pic>
+        <p:nvPicPr>
+          <p:cNvPr id="6" name="Picture 5" descr="romeojuliet.jpg"/>
+          <p:cNvPicPr>
+            <a:picLocks noChangeAspect="1"/>
+          </p:cNvPicPr>
+          <p:nvPr/>
+        </p:nvPicPr>
+        <p:blipFill>
+          <a:blip r:embed="rId4">
+            <a:extLst>
+              <a:ext uri="{28A0092B-C50C-407E-A947-70E740481C1C}">
+                <a14:useLocalDpi xmlns:a14="http://schemas.microsoft.com/office/drawing/2010/main" val="0"/>
+              </a:ext>
+            </a:extLst>
+          </a:blip>
+          <a:stretch>
+            <a:fillRect/>
+          </a:stretch>
+        </p:blipFill>
+        <p:spPr>
+          <a:xfrm>
+            <a:off x="2458180" y="1698625"/>
+            <a:ext cx="4447445" cy="4887301"/>
+          </a:xfrm>
+          <a:prstGeom prst="rect">
+            <a:avLst/>
+          </a:prstGeom>
+        </p:spPr>
+      </p:pic>
+      <p:sp>
+        <p:nvSpPr>
+          <p:cNvPr id="7" name="Rounded Rectangular Callout 6"/>
+          <p:cNvSpPr/>
+          <p:nvPr/>
+        </p:nvSpPr>
+        <p:spPr>
+          <a:xfrm>
+            <a:off x="4982273" y="1529333"/>
+            <a:ext cx="3198875" cy="1603375"/>
+          </a:xfrm>
+          <a:prstGeom prst="wedgeRoundRectCallout">
+            <a:avLst>
+              <a:gd name="adj1" fmla="val -42015"/>
+              <a:gd name="adj2" fmla="val 120965"/>
+              <a:gd name="adj3" fmla="val 16667"/>
+            </a:avLst>
+          </a:prstGeom>
+          <a:solidFill>
+            <a:srgbClr val="FFFFFF"/>
+          </a:solidFill>
+          <a:ln w="28575" cmpd="sng">
+            <a:solidFill>
+              <a:schemeClr val="tx1"/>
+            </a:solidFill>
+          </a:ln>
+          <a:effectLst/>
+        </p:spPr>
+        <p:style>
+          <a:lnRef idx="1">
+            <a:schemeClr val="accent1"/>
+          </a:lnRef>
+          <a:fillRef idx="3">
+            <a:schemeClr val="accent1"/>
+          </a:fillRef>
+          <a:effectRef idx="2">
+            <a:schemeClr val="accent1"/>
+          </a:effectRef>
+          <a:fontRef idx="minor">
+            <a:schemeClr val="lt1"/>
+          </a:fontRef>
+        </p:style>
+        <p:txBody>
+          <a:bodyPr rtlCol="0" anchor="ctr"/>
+          <a:lstStyle/>
+          <a:p>
+            <a:r>
+              <a:rPr lang="en-US" sz="2200" dirty="0" smtClean="0">
+                <a:solidFill>
+                  <a:schemeClr val="tx1"/>
+                </a:solidFill>
+              </a:rPr>
+              <a:t>But soft! What light through yonder window breaks? It is the east, and </a:t>
+            </a:r>
+            <a:r>
+              <a:rPr lang="en-US" sz="2200" b="1" dirty="0" smtClean="0">
+                <a:solidFill>
+                  <a:schemeClr val="tx1"/>
+                </a:solidFill>
+              </a:rPr>
+              <a:t>Juliet is the sun</a:t>
+            </a:r>
+            <a:r>
+              <a:rPr lang="en-US" sz="2200" dirty="0" smtClean="0">
+                <a:solidFill>
+                  <a:schemeClr val="tx1"/>
+                </a:solidFill>
+              </a:rPr>
+              <a:t>.</a:t>
+            </a:r>
+          </a:p>
+        </p:txBody>
+      </p:sp>
+      <p:sp>
+        <p:nvSpPr>
+          <p:cNvPr id="9" name="Cloud Callout 8"/>
+          <p:cNvSpPr/>
+          <p:nvPr/>
+        </p:nvSpPr>
+        <p:spPr>
+          <a:xfrm>
+            <a:off x="142875" y="2318100"/>
+            <a:ext cx="2315305" cy="1822268"/>
+          </a:xfrm>
+          <a:prstGeom prst="cloudCallout">
+            <a:avLst>
+              <a:gd name="adj1" fmla="val 78607"/>
+              <a:gd name="adj2" fmla="val -34390"/>
+            </a:avLst>
+          </a:prstGeom>
+          <a:solidFill>
+            <a:srgbClr val="FFFFFF"/>
+          </a:solidFill>
+          <a:ln>
+            <a:solidFill>
+              <a:srgbClr val="7F7F7F"/>
+            </a:solidFill>
+          </a:ln>
+        </p:spPr>
+        <p:style>
+          <a:lnRef idx="1">
+            <a:schemeClr val="accent1"/>
+          </a:lnRef>
+          <a:fillRef idx="3">
+            <a:schemeClr val="accent1"/>
+          </a:fillRef>
+          <a:effectRef idx="2">
+            <a:schemeClr val="accent1"/>
+          </a:effectRef>
+          <a:fontRef idx="minor">
+            <a:schemeClr val="lt1"/>
+          </a:fontRef>
+        </p:style>
+        <p:txBody>
+          <a:bodyPr rtlCol="0" anchor="ctr"/>
+          <a:lstStyle/>
+          <a:p>
+            <a:pPr algn="ctr"/>
+            <a:r>
+              <a:rPr lang="en-US" sz="2000" dirty="0" smtClean="0">
+                <a:solidFill>
+                  <a:srgbClr val="000000"/>
+                </a:solidFill>
+              </a:rPr>
+              <a:t>He wants to tell me I am beautiful.</a:t>
+            </a:r>
+            <a:endParaRPr lang="en-US" sz="2000" dirty="0">
+              <a:solidFill>
+                <a:srgbClr val="000000"/>
+              </a:solidFill>
+            </a:endParaRPr>
+          </a:p>
+        </p:txBody>
+      </p:sp>
+      <p:sp>
+        <p:nvSpPr>
+          <p:cNvPr id="10" name="Title 1"/>
+          <p:cNvSpPr>
+            <a:spLocks noGrp="1"/>
+          </p:cNvSpPr>
+          <p:nvPr>
+            <p:ph type="title"/>
+          </p:nvPr>
+        </p:nvSpPr>
+        <p:spPr>
+          <a:xfrm>
+            <a:off x="457200" y="274638"/>
+            <a:ext cx="8229600" cy="1143000"/>
+          </a:xfrm>
+        </p:spPr>
+        <p:txBody>
+          <a:bodyPr/>
+          <a:lstStyle/>
+          <a:p>
+            <a:r>
+              <a:rPr lang="en-US" dirty="0" smtClean="0"/>
+              <a:t>Nonliteral language</a:t>
+            </a:r>
+            <a:endParaRPr lang="en-US" dirty="0"/>
+          </a:p>
+        </p:txBody>
+      </p:sp>
+    </p:spTree>
+    <p:custDataLst>
+      <p:tags r:id="rId1"/>
+    </p:custDataLst>
+    <p:extLst>
+      <p:ext uri="{BB962C8B-B14F-4D97-AF65-F5344CB8AC3E}">
+        <p14:creationId xmlns:p14="http://schemas.microsoft.com/office/powerpoint/2010/main" val="1148633022"/>
+      </p:ext>
+    </p:extLst>
+  </p:cSld>
+  <p:clrMapOvr>
+    <a:masterClrMapping/>
+  </p:clrMapOvr>
+  <mc:AlternateContent xmlns:mc="http://schemas.openxmlformats.org/markup-compatibility/2006" xmlns:p14="http://schemas.microsoft.com/office/powerpoint/2010/main">
+    <mc:Choice Requires="p14">
+      <p:transition spd="slow" p14:dur="2000" advTm="1468"/>
+    </mc:Choice>
+    <mc:Fallback xmlns="">
+      <p:transition xmlns:p14="http://schemas.microsoft.com/office/powerpoint/2010/main" spd="slow" advTm="1468"/>
+    </mc:Fallback>
+  </mc:AlternateContent>
+  <p:timing>
+    <p:tnLst>
+      <p:par>
+        <p:cTn xmlns:p14="http://schemas.microsoft.com/office/powerpoint/2010/main" id="1" dur="indefinite" restart="never" nodeType="tmRoot"/>
+      </p:par>
+    </p:tnLst>
+  </p:timing>
+</p:sld>
+</file>
+
+<file path=ppt/slides/slide50.xml><?xml version="1.0" encoding="utf-8"?>
 <p:sld xmlns:a="http://schemas.openxmlformats.org/drawingml/2006/main" xmlns:r="http://schemas.openxmlformats.org/officeDocument/2006/relationships" xmlns:p="http://schemas.openxmlformats.org/presentationml/2006/main">
   <p:cSld>
     <p:spTree>
@@ -21627,7 +21149,7 @@
 </p:sld>
 </file>
 
-<file path=ppt/slides/slide52.xml><?xml version="1.0" encoding="utf-8"?>
+<file path=ppt/slides/slide51.xml><?xml version="1.0" encoding="utf-8"?>
 <p:sld xmlns:a="http://schemas.openxmlformats.org/drawingml/2006/main" xmlns:r="http://schemas.openxmlformats.org/officeDocument/2006/relationships" xmlns:p="http://schemas.openxmlformats.org/presentationml/2006/main">
   <p:cSld>
     <p:spTree>
@@ -22112,6 +21634,185 @@
 </p:sld>
 </file>
 
+<file path=ppt/slides/slide52.xml><?xml version="1.0" encoding="utf-8"?>
+<p:sld xmlns:a="http://schemas.openxmlformats.org/drawingml/2006/main" xmlns:r="http://schemas.openxmlformats.org/officeDocument/2006/relationships" xmlns:p="http://schemas.openxmlformats.org/presentationml/2006/main">
+  <p:cSld>
+    <p:spTree>
+      <p:nvGrpSpPr>
+        <p:cNvPr id="1" name=""/>
+        <p:cNvGrpSpPr/>
+        <p:nvPr/>
+      </p:nvGrpSpPr>
+      <p:grpSpPr>
+        <a:xfrm>
+          <a:off x="0" y="0"/>
+          <a:ext cx="0" cy="0"/>
+          <a:chOff x="0" y="0"/>
+          <a:chExt cx="0" cy="0"/>
+        </a:xfrm>
+      </p:grpSpPr>
+      <p:pic>
+        <p:nvPicPr>
+          <p:cNvPr id="6" name="Picture 5" descr="romeojuliet.jpg"/>
+          <p:cNvPicPr>
+            <a:picLocks noChangeAspect="1"/>
+          </p:cNvPicPr>
+          <p:nvPr/>
+        </p:nvPicPr>
+        <p:blipFill>
+          <a:blip r:embed="rId4">
+            <a:extLst>
+              <a:ext uri="{28A0092B-C50C-407E-A947-70E740481C1C}">
+                <a14:useLocalDpi xmlns:a14="http://schemas.microsoft.com/office/drawing/2010/main" val="0"/>
+              </a:ext>
+            </a:extLst>
+          </a:blip>
+          <a:stretch>
+            <a:fillRect/>
+          </a:stretch>
+        </p:blipFill>
+        <p:spPr>
+          <a:xfrm>
+            <a:off x="2458180" y="1698625"/>
+            <a:ext cx="4447445" cy="4887301"/>
+          </a:xfrm>
+          <a:prstGeom prst="rect">
+            <a:avLst/>
+          </a:prstGeom>
+        </p:spPr>
+      </p:pic>
+      <p:sp>
+        <p:nvSpPr>
+          <p:cNvPr id="7" name="Rounded Rectangular Callout 6"/>
+          <p:cNvSpPr/>
+          <p:nvPr/>
+        </p:nvSpPr>
+        <p:spPr>
+          <a:xfrm>
+            <a:off x="4982273" y="1529333"/>
+            <a:ext cx="3198875" cy="1603375"/>
+          </a:xfrm>
+          <a:prstGeom prst="wedgeRoundRectCallout">
+            <a:avLst>
+              <a:gd name="adj1" fmla="val -42015"/>
+              <a:gd name="adj2" fmla="val 120965"/>
+              <a:gd name="adj3" fmla="val 16667"/>
+            </a:avLst>
+          </a:prstGeom>
+          <a:solidFill>
+            <a:srgbClr val="FFFFFF"/>
+          </a:solidFill>
+          <a:ln w="28575" cmpd="sng">
+            <a:solidFill>
+              <a:schemeClr val="tx1"/>
+            </a:solidFill>
+          </a:ln>
+          <a:effectLst/>
+        </p:spPr>
+        <p:style>
+          <a:lnRef idx="1">
+            <a:schemeClr val="accent1"/>
+          </a:lnRef>
+          <a:fillRef idx="3">
+            <a:schemeClr val="accent1"/>
+          </a:fillRef>
+          <a:effectRef idx="2">
+            <a:schemeClr val="accent1"/>
+          </a:effectRef>
+          <a:fontRef idx="minor">
+            <a:schemeClr val="lt1"/>
+          </a:fontRef>
+        </p:style>
+        <p:txBody>
+          <a:bodyPr rtlCol="0" anchor="ctr"/>
+          <a:lstStyle/>
+          <a:p>
+            <a:r>
+              <a:rPr lang="en-US" sz="2200" dirty="0" smtClean="0">
+                <a:solidFill>
+                  <a:schemeClr val="tx1"/>
+                </a:solidFill>
+              </a:rPr>
+              <a:t>But soft! What light through yonder window breaks? It is the east, and </a:t>
+            </a:r>
+            <a:r>
+              <a:rPr lang="en-US" sz="2200" b="1" dirty="0" smtClean="0">
+                <a:solidFill>
+                  <a:schemeClr val="tx1"/>
+                </a:solidFill>
+              </a:rPr>
+              <a:t>Juliet is the sun</a:t>
+            </a:r>
+            <a:r>
+              <a:rPr lang="en-US" sz="2200" dirty="0" smtClean="0">
+                <a:solidFill>
+                  <a:schemeClr val="tx1"/>
+                </a:solidFill>
+              </a:rPr>
+              <a:t>.</a:t>
+            </a:r>
+          </a:p>
+        </p:txBody>
+      </p:sp>
+      <p:sp>
+        <p:nvSpPr>
+          <p:cNvPr id="10" name="Title 1"/>
+          <p:cNvSpPr>
+            <a:spLocks noGrp="1"/>
+          </p:cNvSpPr>
+          <p:nvPr>
+            <p:ph type="title"/>
+          </p:nvPr>
+        </p:nvSpPr>
+        <p:spPr>
+          <a:xfrm>
+            <a:off x="457200" y="274638"/>
+            <a:ext cx="8229600" cy="1143000"/>
+          </a:xfrm>
+        </p:spPr>
+        <p:txBody>
+          <a:bodyPr/>
+          <a:lstStyle/>
+          <a:p>
+            <a:r>
+              <a:rPr lang="en-US" dirty="0" smtClean="0"/>
+              <a:t>Ongoing work</a:t>
+            </a:r>
+            <a:endParaRPr lang="en-US" dirty="0"/>
+          </a:p>
+        </p:txBody>
+      </p:sp>
+    </p:spTree>
+    <p:custDataLst>
+      <p:tags r:id="rId1"/>
+    </p:custDataLst>
+    <p:extLst>
+      <p:ext uri="{BB962C8B-B14F-4D97-AF65-F5344CB8AC3E}">
+        <p14:creationId xmlns:p14="http://schemas.microsoft.com/office/powerpoint/2010/main" val="239626627"/>
+      </p:ext>
+    </p:extLst>
+  </p:cSld>
+  <p:clrMapOvr>
+    <a:masterClrMapping/>
+  </p:clrMapOvr>
+  <mc:AlternateContent xmlns:mc="http://schemas.openxmlformats.org/markup-compatibility/2006" xmlns:p14="http://schemas.microsoft.com/office/powerpoint/2010/main">
+    <mc:Choice Requires="p14">
+      <p:transition spd="slow" p14:dur="2000" advTm="1468"/>
+    </mc:Choice>
+    <mc:Fallback xmlns="">
+      <p:transition xmlns:p14="http://schemas.microsoft.com/office/powerpoint/2010/main" spd="slow" advTm="1468"/>
+    </mc:Fallback>
+  </mc:AlternateContent>
+  <p:timing>
+    <p:tnLst>
+      <p:par>
+        <p:cTn xmlns:p14="http://schemas.microsoft.com/office/powerpoint/2010/main" id="1" dur="indefinite" restart="never" nodeType="tmRoot"/>
+      </p:par>
+    </p:tnLst>
+  </p:timing>
+</p:sld>
+</file>
+
 <file path=ppt/slides/slide53.xml><?xml version="1.0" encoding="utf-8"?>
 <p:sld xmlns:a="http://schemas.openxmlformats.org/drawingml/2006/main" xmlns:r="http://schemas.openxmlformats.org/officeDocument/2006/relationships" xmlns:p="http://schemas.openxmlformats.org/presentationml/2006/main">
   <p:cSld>
@@ -22234,6 +21935,67 @@
       </p:sp>
       <p:sp>
         <p:nvSpPr>
+          <p:cNvPr id="9" name="Cloud Callout 8"/>
+          <p:cNvSpPr/>
+          <p:nvPr/>
+        </p:nvSpPr>
+        <p:spPr>
+          <a:xfrm>
+            <a:off x="142875" y="2318100"/>
+            <a:ext cx="2315305" cy="1822268"/>
+          </a:xfrm>
+          <a:prstGeom prst="cloudCallout">
+            <a:avLst>
+              <a:gd name="adj1" fmla="val 78607"/>
+              <a:gd name="adj2" fmla="val -34390"/>
+            </a:avLst>
+          </a:prstGeom>
+          <a:solidFill>
+            <a:srgbClr val="FFFFFF"/>
+          </a:solidFill>
+          <a:ln>
+            <a:solidFill>
+              <a:srgbClr val="7F7F7F"/>
+            </a:solidFill>
+          </a:ln>
+        </p:spPr>
+        <p:style>
+          <a:lnRef idx="1">
+            <a:schemeClr val="accent1"/>
+          </a:lnRef>
+          <a:fillRef idx="3">
+            <a:schemeClr val="accent1"/>
+          </a:fillRef>
+          <a:effectRef idx="2">
+            <a:schemeClr val="accent1"/>
+          </a:effectRef>
+          <a:fontRef idx="minor">
+            <a:schemeClr val="lt1"/>
+          </a:fontRef>
+        </p:style>
+        <p:txBody>
+          <a:bodyPr rtlCol="0" anchor="ctr"/>
+          <a:lstStyle/>
+          <a:p>
+            <a:pPr algn="ctr"/>
+            <a:r>
+              <a:rPr lang="en-US" sz="2000" dirty="0" smtClean="0">
+                <a:solidFill>
+                  <a:srgbClr val="000000"/>
+                </a:solidFill>
+              </a:rPr>
+              <a:t>What are features of the sun?</a:t>
+            </a:r>
+            <a:endParaRPr lang="en-US" sz="2000" dirty="0">
+              <a:solidFill>
+                <a:srgbClr val="000000"/>
+              </a:solidFill>
+            </a:endParaRPr>
+          </a:p>
+        </p:txBody>
+      </p:sp>
+      <p:sp>
+        <p:nvSpPr>
           <p:cNvPr id="10" name="Title 1"/>
           <p:cNvSpPr>
             <a:spLocks noGrp="1"/>
@@ -22260,13 +22022,67 @@
           </a:p>
         </p:txBody>
       </p:sp>
+      <p:sp>
+        <p:nvSpPr>
+          <p:cNvPr id="8" name="Rectangle 7"/>
+          <p:cNvSpPr/>
+          <p:nvPr/>
+        </p:nvSpPr>
+        <p:spPr>
+          <a:xfrm>
+            <a:off x="139689" y="4206957"/>
+            <a:ext cx="1908595" cy="584776"/>
+          </a:xfrm>
+          <a:prstGeom prst="rect">
+            <a:avLst/>
+          </a:prstGeom>
+        </p:spPr>
+        <p:txBody>
+          <a:bodyPr wrap="none">
+            <a:spAutoFit/>
+          </a:bodyPr>
+          <a:lstStyle/>
+          <a:p>
+            <a:r>
+              <a:rPr lang="en-US" sz="1600" dirty="0" smtClean="0">
+                <a:solidFill>
+                  <a:schemeClr val="tx1">
+                    <a:lumMod val="50000"/>
+                    <a:lumOff val="50000"/>
+                  </a:schemeClr>
+                </a:solidFill>
+                <a:latin typeface="Cambria Math"/>
+                <a:ea typeface="ＭＳ Ｐゴシック" charset="0"/>
+                <a:cs typeface="Cambria Math"/>
+              </a:rPr>
+              <a:t>P(hot plasma | sun)</a:t>
+            </a:r>
+          </a:p>
+          <a:p>
+            <a:r>
+              <a:rPr lang="en-US" sz="1600" dirty="0" smtClean="0">
+                <a:solidFill>
+                  <a:schemeClr val="tx1">
+                    <a:lumMod val="50000"/>
+                    <a:lumOff val="50000"/>
+                  </a:schemeClr>
+                </a:solidFill>
+                <a:latin typeface="Cambria Math"/>
+                <a:ea typeface="ＭＳ Ｐゴシック" charset="0"/>
+                <a:cs typeface="Cambria Math"/>
+              </a:rPr>
+              <a:t>P(beautiful | sun)</a:t>
+            </a:r>
+          </a:p>
+        </p:txBody>
+      </p:sp>
     </p:spTree>
     <p:custDataLst>
       <p:tags r:id="rId1"/>
     </p:custDataLst>
     <p:extLst>
       <p:ext uri="{BB962C8B-B14F-4D97-AF65-F5344CB8AC3E}">
-        <p14:creationId xmlns:p14="http://schemas.microsoft.com/office/powerpoint/2010/main" val="239626627"/>
+        <p14:creationId xmlns:p14="http://schemas.microsoft.com/office/powerpoint/2010/main" val="84663284"/>
       </p:ext>
     </p:extLst>
   </p:cSld>
@@ -22462,7 +22278,7 @@
                   <a:srgbClr val="000000"/>
                 </a:solidFill>
               </a:rPr>
-              <a:t>What are features of the sun?</a:t>
+              <a:t>What are features of me?</a:t>
             </a:r>
             <a:endParaRPr lang="en-US" sz="2000" dirty="0">
               <a:solidFill>
@@ -22509,7 +22325,7 @@
         <p:spPr>
           <a:xfrm>
             <a:off x="139689" y="4206957"/>
-            <a:ext cx="1908595" cy="584776"/>
+            <a:ext cx="2051062" cy="584776"/>
           </a:xfrm>
           <a:prstGeom prst="rect">
             <a:avLst/>
@@ -22533,7 +22349,7 @@
                 <a:ea typeface="ＭＳ Ｐゴシック" charset="0"/>
                 <a:cs typeface="Cambria Math"/>
               </a:rPr>
-              <a:t>P(hot plasma | sun)</a:t>
+              <a:t>P(hot plasma | Juliet)</a:t>
             </a:r>
           </a:p>
           <a:p>
@@ -22549,7 +22365,7 @@
                 <a:ea typeface="ＭＳ Ｐゴシック" charset="0"/>
                 <a:cs typeface="Cambria Math"/>
               </a:rPr>
-              <a:t>P(beautiful | sun)</a:t>
+              <a:t>P(beautiful | Juliet)</a:t>
             </a:r>
           </a:p>
         </p:txBody>
@@ -22560,7 +22376,7 @@
     </p:custDataLst>
     <p:extLst>
       <p:ext uri="{BB962C8B-B14F-4D97-AF65-F5344CB8AC3E}">
-        <p14:creationId xmlns:p14="http://schemas.microsoft.com/office/powerpoint/2010/main" val="84663284"/>
+        <p14:creationId xmlns:p14="http://schemas.microsoft.com/office/powerpoint/2010/main" val="2747499994"/>
       </p:ext>
     </p:extLst>
   </p:cSld>
@@ -22756,300 +22572,6 @@
                   <a:srgbClr val="000000"/>
                 </a:solidFill>
               </a:rPr>
-              <a:t>What are features of me?</a:t>
-            </a:r>
-            <a:endParaRPr lang="en-US" sz="2000" dirty="0">
-              <a:solidFill>
-                <a:srgbClr val="000000"/>
-              </a:solidFill>
-            </a:endParaRPr>
-          </a:p>
-        </p:txBody>
-      </p:sp>
-      <p:sp>
-        <p:nvSpPr>
-          <p:cNvPr id="10" name="Title 1"/>
-          <p:cNvSpPr>
-            <a:spLocks noGrp="1"/>
-          </p:cNvSpPr>
-          <p:nvPr>
-            <p:ph type="title"/>
-          </p:nvPr>
-        </p:nvSpPr>
-        <p:spPr>
-          <a:xfrm>
-            <a:off x="457200" y="274638"/>
-            <a:ext cx="8229600" cy="1143000"/>
-          </a:xfrm>
-        </p:spPr>
-        <p:txBody>
-          <a:bodyPr/>
-          <a:lstStyle/>
-          <a:p>
-            <a:r>
-              <a:rPr lang="en-US" dirty="0" smtClean="0"/>
-              <a:t>Ongoing work</a:t>
-            </a:r>
-            <a:endParaRPr lang="en-US" dirty="0"/>
-          </a:p>
-        </p:txBody>
-      </p:sp>
-      <p:sp>
-        <p:nvSpPr>
-          <p:cNvPr id="8" name="Rectangle 7"/>
-          <p:cNvSpPr/>
-          <p:nvPr/>
-        </p:nvSpPr>
-        <p:spPr>
-          <a:xfrm>
-            <a:off x="139689" y="4206957"/>
-            <a:ext cx="2051062" cy="584776"/>
-          </a:xfrm>
-          <a:prstGeom prst="rect">
-            <a:avLst/>
-          </a:prstGeom>
-        </p:spPr>
-        <p:txBody>
-          <a:bodyPr wrap="none">
-            <a:spAutoFit/>
-          </a:bodyPr>
-          <a:lstStyle/>
-          <a:p>
-            <a:r>
-              <a:rPr lang="en-US" sz="1600" dirty="0" smtClean="0">
-                <a:solidFill>
-                  <a:schemeClr val="tx1">
-                    <a:lumMod val="50000"/>
-                    <a:lumOff val="50000"/>
-                  </a:schemeClr>
-                </a:solidFill>
-                <a:latin typeface="Cambria Math"/>
-                <a:ea typeface="ＭＳ Ｐゴシック" charset="0"/>
-                <a:cs typeface="Cambria Math"/>
-              </a:rPr>
-              <a:t>P(hot plasma | Juliet)</a:t>
-            </a:r>
-          </a:p>
-          <a:p>
-            <a:r>
-              <a:rPr lang="en-US" sz="1600" dirty="0" smtClean="0">
-                <a:solidFill>
-                  <a:schemeClr val="tx1">
-                    <a:lumMod val="50000"/>
-                    <a:lumOff val="50000"/>
-                  </a:schemeClr>
-                </a:solidFill>
-                <a:latin typeface="Cambria Math"/>
-                <a:ea typeface="ＭＳ Ｐゴシック" charset="0"/>
-                <a:cs typeface="Cambria Math"/>
-              </a:rPr>
-              <a:t>P(beautiful | Juliet)</a:t>
-            </a:r>
-          </a:p>
-        </p:txBody>
-      </p:sp>
-    </p:spTree>
-    <p:custDataLst>
-      <p:tags r:id="rId1"/>
-    </p:custDataLst>
-    <p:extLst>
-      <p:ext uri="{BB962C8B-B14F-4D97-AF65-F5344CB8AC3E}">
-        <p14:creationId xmlns:p14="http://schemas.microsoft.com/office/powerpoint/2010/main" val="2747499994"/>
-      </p:ext>
-    </p:extLst>
-  </p:cSld>
-  <p:clrMapOvr>
-    <a:masterClrMapping/>
-  </p:clrMapOvr>
-  <mc:AlternateContent xmlns:mc="http://schemas.openxmlformats.org/markup-compatibility/2006" xmlns:p14="http://schemas.microsoft.com/office/powerpoint/2010/main">
-    <mc:Choice Requires="p14">
-      <p:transition spd="slow" p14:dur="2000" advTm="1468"/>
-    </mc:Choice>
-    <mc:Fallback xmlns="">
-      <p:transition xmlns:p14="http://schemas.microsoft.com/office/powerpoint/2010/main" spd="slow" advTm="1468"/>
-    </mc:Fallback>
-  </mc:AlternateContent>
-  <p:timing>
-    <p:tnLst>
-      <p:par>
-        <p:cTn xmlns:p14="http://schemas.microsoft.com/office/powerpoint/2010/main" id="1" dur="indefinite" restart="never" nodeType="tmRoot"/>
-      </p:par>
-    </p:tnLst>
-  </p:timing>
-</p:sld>
-</file>
-
-<file path=ppt/slides/slide56.xml><?xml version="1.0" encoding="utf-8"?>
-<p:sld xmlns:a="http://schemas.openxmlformats.org/drawingml/2006/main" xmlns:r="http://schemas.openxmlformats.org/officeDocument/2006/relationships" xmlns:p="http://schemas.openxmlformats.org/presentationml/2006/main">
-  <p:cSld>
-    <p:spTree>
-      <p:nvGrpSpPr>
-        <p:cNvPr id="1" name=""/>
-        <p:cNvGrpSpPr/>
-        <p:nvPr/>
-      </p:nvGrpSpPr>
-      <p:grpSpPr>
-        <a:xfrm>
-          <a:off x="0" y="0"/>
-          <a:ext cx="0" cy="0"/>
-          <a:chOff x="0" y="0"/>
-          <a:chExt cx="0" cy="0"/>
-        </a:xfrm>
-      </p:grpSpPr>
-      <p:pic>
-        <p:nvPicPr>
-          <p:cNvPr id="6" name="Picture 5" descr="romeojuliet.jpg"/>
-          <p:cNvPicPr>
-            <a:picLocks noChangeAspect="1"/>
-          </p:cNvPicPr>
-          <p:nvPr/>
-        </p:nvPicPr>
-        <p:blipFill>
-          <a:blip r:embed="rId4">
-            <a:extLst>
-              <a:ext uri="{28A0092B-C50C-407E-A947-70E740481C1C}">
-                <a14:useLocalDpi xmlns:a14="http://schemas.microsoft.com/office/drawing/2010/main" val="0"/>
-              </a:ext>
-            </a:extLst>
-          </a:blip>
-          <a:stretch>
-            <a:fillRect/>
-          </a:stretch>
-        </p:blipFill>
-        <p:spPr>
-          <a:xfrm>
-            <a:off x="2458180" y="1698625"/>
-            <a:ext cx="4447445" cy="4887301"/>
-          </a:xfrm>
-          <a:prstGeom prst="rect">
-            <a:avLst/>
-          </a:prstGeom>
-        </p:spPr>
-      </p:pic>
-      <p:sp>
-        <p:nvSpPr>
-          <p:cNvPr id="7" name="Rounded Rectangular Callout 6"/>
-          <p:cNvSpPr/>
-          <p:nvPr/>
-        </p:nvSpPr>
-        <p:spPr>
-          <a:xfrm>
-            <a:off x="4982273" y="1529333"/>
-            <a:ext cx="3198875" cy="1603375"/>
-          </a:xfrm>
-          <a:prstGeom prst="wedgeRoundRectCallout">
-            <a:avLst>
-              <a:gd name="adj1" fmla="val -42015"/>
-              <a:gd name="adj2" fmla="val 120965"/>
-              <a:gd name="adj3" fmla="val 16667"/>
-            </a:avLst>
-          </a:prstGeom>
-          <a:solidFill>
-            <a:srgbClr val="FFFFFF"/>
-          </a:solidFill>
-          <a:ln w="28575" cmpd="sng">
-            <a:solidFill>
-              <a:schemeClr val="tx1"/>
-            </a:solidFill>
-          </a:ln>
-          <a:effectLst/>
-        </p:spPr>
-        <p:style>
-          <a:lnRef idx="1">
-            <a:schemeClr val="accent1"/>
-          </a:lnRef>
-          <a:fillRef idx="3">
-            <a:schemeClr val="accent1"/>
-          </a:fillRef>
-          <a:effectRef idx="2">
-            <a:schemeClr val="accent1"/>
-          </a:effectRef>
-          <a:fontRef idx="minor">
-            <a:schemeClr val="lt1"/>
-          </a:fontRef>
-        </p:style>
-        <p:txBody>
-          <a:bodyPr rtlCol="0" anchor="ctr"/>
-          <a:lstStyle/>
-          <a:p>
-            <a:r>
-              <a:rPr lang="en-US" sz="2200" dirty="0" smtClean="0">
-                <a:solidFill>
-                  <a:schemeClr val="tx1"/>
-                </a:solidFill>
-              </a:rPr>
-              <a:t>But soft! What light through yonder window breaks? It is the east, and </a:t>
-            </a:r>
-            <a:r>
-              <a:rPr lang="en-US" sz="2200" b="1" dirty="0" smtClean="0">
-                <a:solidFill>
-                  <a:schemeClr val="tx1"/>
-                </a:solidFill>
-              </a:rPr>
-              <a:t>Juliet is the sun</a:t>
-            </a:r>
-            <a:r>
-              <a:rPr lang="en-US" sz="2200" dirty="0" smtClean="0">
-                <a:solidFill>
-                  <a:schemeClr val="tx1"/>
-                </a:solidFill>
-              </a:rPr>
-              <a:t>.</a:t>
-            </a:r>
-          </a:p>
-        </p:txBody>
-      </p:sp>
-      <p:sp>
-        <p:nvSpPr>
-          <p:cNvPr id="9" name="Cloud Callout 8"/>
-          <p:cNvSpPr/>
-          <p:nvPr/>
-        </p:nvSpPr>
-        <p:spPr>
-          <a:xfrm>
-            <a:off x="142875" y="2318100"/>
-            <a:ext cx="2315305" cy="1822268"/>
-          </a:xfrm>
-          <a:prstGeom prst="cloudCallout">
-            <a:avLst>
-              <a:gd name="adj1" fmla="val 78607"/>
-              <a:gd name="adj2" fmla="val -34390"/>
-            </a:avLst>
-          </a:prstGeom>
-          <a:solidFill>
-            <a:srgbClr val="FFFFFF"/>
-          </a:solidFill>
-          <a:ln>
-            <a:solidFill>
-              <a:srgbClr val="7F7F7F"/>
-            </a:solidFill>
-          </a:ln>
-        </p:spPr>
-        <p:style>
-          <a:lnRef idx="1">
-            <a:schemeClr val="accent1"/>
-          </a:lnRef>
-          <a:fillRef idx="3">
-            <a:schemeClr val="accent1"/>
-          </a:fillRef>
-          <a:effectRef idx="2">
-            <a:schemeClr val="accent1"/>
-          </a:effectRef>
-          <a:fontRef idx="minor">
-            <a:schemeClr val="lt1"/>
-          </a:fontRef>
-        </p:style>
-        <p:txBody>
-          <a:bodyPr rtlCol="0" anchor="ctr"/>
-          <a:lstStyle/>
-          <a:p>
-            <a:pPr algn="ctr"/>
-            <a:r>
-              <a:rPr lang="en-US" sz="2000" dirty="0" smtClean="0">
-                <a:solidFill>
-                  <a:srgbClr val="000000"/>
-                </a:solidFill>
-              </a:rPr>
               <a:t>What might Romeo want to say about me?</a:t>
             </a:r>
             <a:endParaRPr lang="en-US" sz="2000" dirty="0">
@@ -23173,7 +22695,7 @@
 </p:sld>
 </file>
 
-<file path=ppt/slides/slide57.xml><?xml version="1.0" encoding="utf-8"?>
+<file path=ppt/slides/slide56.xml><?xml version="1.0" encoding="utf-8"?>
 <p:sld xmlns:a="http://schemas.openxmlformats.org/drawingml/2006/main" xmlns:r="http://schemas.openxmlformats.org/officeDocument/2006/relationships" xmlns:p="http://schemas.openxmlformats.org/presentationml/2006/main">
   <p:cSld>
     <p:spTree>
@@ -23471,7 +22993,7 @@
 </p:sld>
 </file>
 
-<file path=ppt/slides/slide58.xml><?xml version="1.0" encoding="utf-8"?>
+<file path=ppt/slides/slide57.xml><?xml version="1.0" encoding="utf-8"?>
 <p:sld xmlns:a="http://schemas.openxmlformats.org/drawingml/2006/main" xmlns:r="http://schemas.openxmlformats.org/officeDocument/2006/relationships" xmlns:p="http://schemas.openxmlformats.org/presentationml/2006/main">
   <p:cSld>
     <p:spTree>
@@ -23577,7 +23099,7 @@
 </p:sld>
 </file>
 
-<file path=ppt/slides/slide59.xml><?xml version="1.0" encoding="utf-8"?>
+<file path=ppt/slides/slide58.xml><?xml version="1.0" encoding="utf-8"?>
 <p:sld xmlns:a="http://schemas.openxmlformats.org/drawingml/2006/main" xmlns:r="http://schemas.openxmlformats.org/officeDocument/2006/relationships" xmlns:p="http://schemas.openxmlformats.org/presentationml/2006/main">
   <p:cSld>
     <p:spTree>
@@ -23683,247 +23205,7 @@
 </p:sld>
 </file>
 
-<file path=ppt/slides/slide6.xml><?xml version="1.0" encoding="utf-8"?>
-<p:sld xmlns:a="http://schemas.openxmlformats.org/drawingml/2006/main" xmlns:r="http://schemas.openxmlformats.org/officeDocument/2006/relationships" xmlns:p="http://schemas.openxmlformats.org/presentationml/2006/main">
-  <p:cSld>
-    <p:spTree>
-      <p:nvGrpSpPr>
-        <p:cNvPr id="1" name=""/>
-        <p:cNvGrpSpPr/>
-        <p:nvPr/>
-      </p:nvGrpSpPr>
-      <p:grpSpPr>
-        <a:xfrm>
-          <a:off x="0" y="0"/>
-          <a:ext cx="0" cy="0"/>
-          <a:chOff x="0" y="0"/>
-          <a:chExt cx="0" cy="0"/>
-        </a:xfrm>
-      </p:grpSpPr>
-      <p:pic>
-        <p:nvPicPr>
-          <p:cNvPr id="6" name="Picture 5" descr="romeojuliet.jpg"/>
-          <p:cNvPicPr>
-            <a:picLocks noChangeAspect="1"/>
-          </p:cNvPicPr>
-          <p:nvPr/>
-        </p:nvPicPr>
-        <p:blipFill>
-          <a:blip r:embed="rId4">
-            <a:extLst>
-              <a:ext uri="{28A0092B-C50C-407E-A947-70E740481C1C}">
-                <a14:useLocalDpi xmlns:a14="http://schemas.microsoft.com/office/drawing/2010/main" val="0"/>
-              </a:ext>
-            </a:extLst>
-          </a:blip>
-          <a:stretch>
-            <a:fillRect/>
-          </a:stretch>
-        </p:blipFill>
-        <p:spPr>
-          <a:xfrm>
-            <a:off x="2458180" y="1698625"/>
-            <a:ext cx="4447445" cy="4887301"/>
-          </a:xfrm>
-          <a:prstGeom prst="rect">
-            <a:avLst/>
-          </a:prstGeom>
-        </p:spPr>
-      </p:pic>
-      <p:sp>
-        <p:nvSpPr>
-          <p:cNvPr id="9" name="Rounded Rectangular Callout 8"/>
-          <p:cNvSpPr/>
-          <p:nvPr/>
-        </p:nvSpPr>
-        <p:spPr>
-          <a:xfrm>
-            <a:off x="4982273" y="1529333"/>
-            <a:ext cx="3198875" cy="1603375"/>
-          </a:xfrm>
-          <a:prstGeom prst="wedgeRoundRectCallout">
-            <a:avLst>
-              <a:gd name="adj1" fmla="val -42015"/>
-              <a:gd name="adj2" fmla="val 120965"/>
-              <a:gd name="adj3" fmla="val 16667"/>
-            </a:avLst>
-          </a:prstGeom>
-          <a:solidFill>
-            <a:srgbClr val="FFFFFF"/>
-          </a:solidFill>
-          <a:ln w="28575" cmpd="sng">
-            <a:solidFill>
-              <a:schemeClr val="tx1"/>
-            </a:solidFill>
-          </a:ln>
-          <a:effectLst/>
-        </p:spPr>
-        <p:style>
-          <a:lnRef idx="1">
-            <a:schemeClr val="accent1"/>
-          </a:lnRef>
-          <a:fillRef idx="3">
-            <a:schemeClr val="accent1"/>
-          </a:fillRef>
-          <a:effectRef idx="2">
-            <a:schemeClr val="accent1"/>
-          </a:effectRef>
-          <a:fontRef idx="minor">
-            <a:schemeClr val="lt1"/>
-          </a:fontRef>
-        </p:style>
-        <p:txBody>
-          <a:bodyPr rtlCol="0" anchor="ctr"/>
-          <a:lstStyle/>
-          <a:p>
-            <a:r>
-              <a:rPr lang="en-US" sz="2200" dirty="0" smtClean="0">
-                <a:solidFill>
-                  <a:schemeClr val="tx1"/>
-                </a:solidFill>
-              </a:rPr>
-              <a:t>But soft! What light through yonder window breaks? It is the east, and </a:t>
-            </a:r>
-            <a:r>
-              <a:rPr lang="en-US" sz="2200" b="1" dirty="0" smtClean="0">
-                <a:solidFill>
-                  <a:schemeClr val="tx1"/>
-                </a:solidFill>
-              </a:rPr>
-              <a:t>Juliet is the sun</a:t>
-            </a:r>
-            <a:r>
-              <a:rPr lang="en-US" sz="2200" dirty="0" smtClean="0">
-                <a:solidFill>
-                  <a:schemeClr val="tx1"/>
-                </a:solidFill>
-              </a:rPr>
-              <a:t>.</a:t>
-            </a:r>
-          </a:p>
-        </p:txBody>
-      </p:sp>
-      <p:sp>
-        <p:nvSpPr>
-          <p:cNvPr id="12" name="Cloud Callout 11"/>
-          <p:cNvSpPr/>
-          <p:nvPr/>
-        </p:nvSpPr>
-        <p:spPr>
-          <a:xfrm>
-            <a:off x="142875" y="2318100"/>
-            <a:ext cx="2315305" cy="1822268"/>
-          </a:xfrm>
-          <a:prstGeom prst="cloudCallout">
-            <a:avLst>
-              <a:gd name="adj1" fmla="val 78607"/>
-              <a:gd name="adj2" fmla="val -34390"/>
-            </a:avLst>
-          </a:prstGeom>
-          <a:solidFill>
-            <a:srgbClr val="FFFFFF"/>
-          </a:solidFill>
-          <a:ln>
-            <a:solidFill>
-              <a:srgbClr val="7F7F7F"/>
-            </a:solidFill>
-          </a:ln>
-        </p:spPr>
-        <p:style>
-          <a:lnRef idx="1">
-            <a:schemeClr val="accent1"/>
-          </a:lnRef>
-          <a:fillRef idx="3">
-            <a:schemeClr val="accent1"/>
-          </a:fillRef>
-          <a:effectRef idx="2">
-            <a:schemeClr val="accent1"/>
-          </a:effectRef>
-          <a:fontRef idx="minor">
-            <a:schemeClr val="lt1"/>
-          </a:fontRef>
-        </p:style>
-        <p:txBody>
-          <a:bodyPr rtlCol="0" anchor="ctr"/>
-          <a:lstStyle/>
-          <a:p>
-            <a:pPr algn="ctr"/>
-            <a:r>
-              <a:rPr lang="en-US" sz="2000" dirty="0" smtClean="0">
-                <a:solidFill>
-                  <a:srgbClr val="000000"/>
-                </a:solidFill>
-              </a:rPr>
-              <a:t>He wants to tell me I am hot.</a:t>
-            </a:r>
-            <a:endParaRPr lang="en-US" sz="2000" dirty="0">
-              <a:solidFill>
-                <a:srgbClr val="000000"/>
-              </a:solidFill>
-            </a:endParaRPr>
-          </a:p>
-        </p:txBody>
-      </p:sp>
-      <p:sp>
-        <p:nvSpPr>
-          <p:cNvPr id="13" name="Title 1"/>
-          <p:cNvSpPr>
-            <a:spLocks noGrp="1"/>
-          </p:cNvSpPr>
-          <p:nvPr>
-            <p:ph type="title"/>
-          </p:nvPr>
-        </p:nvSpPr>
-        <p:spPr>
-          <a:xfrm>
-            <a:off x="457200" y="274638"/>
-            <a:ext cx="8229600" cy="1143000"/>
-          </a:xfrm>
-        </p:spPr>
-        <p:txBody>
-          <a:bodyPr/>
-          <a:lstStyle/>
-          <a:p>
-            <a:r>
-              <a:rPr lang="en-US" dirty="0" smtClean="0"/>
-              <a:t>Nonliteral language</a:t>
-            </a:r>
-            <a:endParaRPr lang="en-US" dirty="0"/>
-          </a:p>
-        </p:txBody>
-      </p:sp>
-    </p:spTree>
-    <p:custDataLst>
-      <p:tags r:id="rId1"/>
-    </p:custDataLst>
-    <p:extLst>
-      <p:ext uri="{BB962C8B-B14F-4D97-AF65-F5344CB8AC3E}">
-        <p14:creationId xmlns:p14="http://schemas.microsoft.com/office/powerpoint/2010/main" val="3729966437"/>
-      </p:ext>
-    </p:extLst>
-  </p:cSld>
-  <p:clrMapOvr>
-    <a:masterClrMapping/>
-  </p:clrMapOvr>
-  <mc:AlternateContent xmlns:mc="http://schemas.openxmlformats.org/markup-compatibility/2006" xmlns:p14="http://schemas.microsoft.com/office/powerpoint/2010/main">
-    <mc:Choice Requires="p14">
-      <p:transition spd="slow" p14:dur="2000" advTm="1468"/>
-    </mc:Choice>
-    <mc:Fallback xmlns="">
-      <p:transition xmlns:p14="http://schemas.microsoft.com/office/powerpoint/2010/main" spd="slow" advTm="1468"/>
-    </mc:Fallback>
-  </mc:AlternateContent>
-  <p:timing>
-    <p:tnLst>
-      <p:par>
-        <p:cTn xmlns:p14="http://schemas.microsoft.com/office/powerpoint/2010/main" id="1" dur="indefinite" restart="never" nodeType="tmRoot"/>
-      </p:par>
-    </p:tnLst>
-  </p:timing>
-</p:sld>
-</file>
-
-<file path=ppt/slides/slide60.xml><?xml version="1.0" encoding="utf-8"?>
+<file path=ppt/slides/slide59.xml><?xml version="1.0" encoding="utf-8"?>
 <p:sld xmlns:a="http://schemas.openxmlformats.org/drawingml/2006/main" xmlns:r="http://schemas.openxmlformats.org/officeDocument/2006/relationships" xmlns:p="http://schemas.openxmlformats.org/presentationml/2006/main">
   <p:cSld>
     <p:spTree>
@@ -24300,7 +23582,247 @@
 </p:sld>
 </file>
 
-<file path=ppt/slides/slide61.xml><?xml version="1.0" encoding="utf-8"?>
+<file path=ppt/slides/slide6.xml><?xml version="1.0" encoding="utf-8"?>
+<p:sld xmlns:a="http://schemas.openxmlformats.org/drawingml/2006/main" xmlns:r="http://schemas.openxmlformats.org/officeDocument/2006/relationships" xmlns:p="http://schemas.openxmlformats.org/presentationml/2006/main">
+  <p:cSld>
+    <p:spTree>
+      <p:nvGrpSpPr>
+        <p:cNvPr id="1" name=""/>
+        <p:cNvGrpSpPr/>
+        <p:nvPr/>
+      </p:nvGrpSpPr>
+      <p:grpSpPr>
+        <a:xfrm>
+          <a:off x="0" y="0"/>
+          <a:ext cx="0" cy="0"/>
+          <a:chOff x="0" y="0"/>
+          <a:chExt cx="0" cy="0"/>
+        </a:xfrm>
+      </p:grpSpPr>
+      <p:pic>
+        <p:nvPicPr>
+          <p:cNvPr id="6" name="Picture 5" descr="romeojuliet.jpg"/>
+          <p:cNvPicPr>
+            <a:picLocks noChangeAspect="1"/>
+          </p:cNvPicPr>
+          <p:nvPr/>
+        </p:nvPicPr>
+        <p:blipFill>
+          <a:blip r:embed="rId4">
+            <a:extLst>
+              <a:ext uri="{28A0092B-C50C-407E-A947-70E740481C1C}">
+                <a14:useLocalDpi xmlns:a14="http://schemas.microsoft.com/office/drawing/2010/main" val="0"/>
+              </a:ext>
+            </a:extLst>
+          </a:blip>
+          <a:stretch>
+            <a:fillRect/>
+          </a:stretch>
+        </p:blipFill>
+        <p:spPr>
+          <a:xfrm>
+            <a:off x="2458180" y="1698625"/>
+            <a:ext cx="4447445" cy="4887301"/>
+          </a:xfrm>
+          <a:prstGeom prst="rect">
+            <a:avLst/>
+          </a:prstGeom>
+        </p:spPr>
+      </p:pic>
+      <p:sp>
+        <p:nvSpPr>
+          <p:cNvPr id="9" name="Rounded Rectangular Callout 8"/>
+          <p:cNvSpPr/>
+          <p:nvPr/>
+        </p:nvSpPr>
+        <p:spPr>
+          <a:xfrm>
+            <a:off x="4982273" y="1529333"/>
+            <a:ext cx="3198875" cy="1603375"/>
+          </a:xfrm>
+          <a:prstGeom prst="wedgeRoundRectCallout">
+            <a:avLst>
+              <a:gd name="adj1" fmla="val -42015"/>
+              <a:gd name="adj2" fmla="val 120965"/>
+              <a:gd name="adj3" fmla="val 16667"/>
+            </a:avLst>
+          </a:prstGeom>
+          <a:solidFill>
+            <a:srgbClr val="FFFFFF"/>
+          </a:solidFill>
+          <a:ln w="28575" cmpd="sng">
+            <a:solidFill>
+              <a:schemeClr val="tx1"/>
+            </a:solidFill>
+          </a:ln>
+          <a:effectLst/>
+        </p:spPr>
+        <p:style>
+          <a:lnRef idx="1">
+            <a:schemeClr val="accent1"/>
+          </a:lnRef>
+          <a:fillRef idx="3">
+            <a:schemeClr val="accent1"/>
+          </a:fillRef>
+          <a:effectRef idx="2">
+            <a:schemeClr val="accent1"/>
+          </a:effectRef>
+          <a:fontRef idx="minor">
+            <a:schemeClr val="lt1"/>
+          </a:fontRef>
+        </p:style>
+        <p:txBody>
+          <a:bodyPr rtlCol="0" anchor="ctr"/>
+          <a:lstStyle/>
+          <a:p>
+            <a:r>
+              <a:rPr lang="en-US" sz="2200" dirty="0" smtClean="0">
+                <a:solidFill>
+                  <a:schemeClr val="tx1"/>
+                </a:solidFill>
+              </a:rPr>
+              <a:t>But soft! What light through yonder window breaks? It is the east, and </a:t>
+            </a:r>
+            <a:r>
+              <a:rPr lang="en-US" sz="2200" b="1" dirty="0" smtClean="0">
+                <a:solidFill>
+                  <a:schemeClr val="tx1"/>
+                </a:solidFill>
+              </a:rPr>
+              <a:t>Juliet is the sun</a:t>
+            </a:r>
+            <a:r>
+              <a:rPr lang="en-US" sz="2200" dirty="0" smtClean="0">
+                <a:solidFill>
+                  <a:schemeClr val="tx1"/>
+                </a:solidFill>
+              </a:rPr>
+              <a:t>.</a:t>
+            </a:r>
+          </a:p>
+        </p:txBody>
+      </p:sp>
+      <p:sp>
+        <p:nvSpPr>
+          <p:cNvPr id="12" name="Cloud Callout 11"/>
+          <p:cNvSpPr/>
+          <p:nvPr/>
+        </p:nvSpPr>
+        <p:spPr>
+          <a:xfrm>
+            <a:off x="142875" y="2318100"/>
+            <a:ext cx="2315305" cy="1822268"/>
+          </a:xfrm>
+          <a:prstGeom prst="cloudCallout">
+            <a:avLst>
+              <a:gd name="adj1" fmla="val 78607"/>
+              <a:gd name="adj2" fmla="val -34390"/>
+            </a:avLst>
+          </a:prstGeom>
+          <a:solidFill>
+            <a:srgbClr val="FFFFFF"/>
+          </a:solidFill>
+          <a:ln>
+            <a:solidFill>
+              <a:srgbClr val="7F7F7F"/>
+            </a:solidFill>
+          </a:ln>
+        </p:spPr>
+        <p:style>
+          <a:lnRef idx="1">
+            <a:schemeClr val="accent1"/>
+          </a:lnRef>
+          <a:fillRef idx="3">
+            <a:schemeClr val="accent1"/>
+          </a:fillRef>
+          <a:effectRef idx="2">
+            <a:schemeClr val="accent1"/>
+          </a:effectRef>
+          <a:fontRef idx="minor">
+            <a:schemeClr val="lt1"/>
+          </a:fontRef>
+        </p:style>
+        <p:txBody>
+          <a:bodyPr rtlCol="0" anchor="ctr"/>
+          <a:lstStyle/>
+          <a:p>
+            <a:pPr algn="ctr"/>
+            <a:r>
+              <a:rPr lang="en-US" sz="2000" dirty="0" smtClean="0">
+                <a:solidFill>
+                  <a:srgbClr val="000000"/>
+                </a:solidFill>
+              </a:rPr>
+              <a:t>He wants to tell me I am hot.</a:t>
+            </a:r>
+            <a:endParaRPr lang="en-US" sz="2000" dirty="0">
+              <a:solidFill>
+                <a:srgbClr val="000000"/>
+              </a:solidFill>
+            </a:endParaRPr>
+          </a:p>
+        </p:txBody>
+      </p:sp>
+      <p:sp>
+        <p:nvSpPr>
+          <p:cNvPr id="13" name="Title 1"/>
+          <p:cNvSpPr>
+            <a:spLocks noGrp="1"/>
+          </p:cNvSpPr>
+          <p:nvPr>
+            <p:ph type="title"/>
+          </p:nvPr>
+        </p:nvSpPr>
+        <p:spPr>
+          <a:xfrm>
+            <a:off x="457200" y="274638"/>
+            <a:ext cx="8229600" cy="1143000"/>
+          </a:xfrm>
+        </p:spPr>
+        <p:txBody>
+          <a:bodyPr/>
+          <a:lstStyle/>
+          <a:p>
+            <a:r>
+              <a:rPr lang="en-US" dirty="0" smtClean="0"/>
+              <a:t>Nonliteral language</a:t>
+            </a:r>
+            <a:endParaRPr lang="en-US" dirty="0"/>
+          </a:p>
+        </p:txBody>
+      </p:sp>
+    </p:spTree>
+    <p:custDataLst>
+      <p:tags r:id="rId1"/>
+    </p:custDataLst>
+    <p:extLst>
+      <p:ext uri="{BB962C8B-B14F-4D97-AF65-F5344CB8AC3E}">
+        <p14:creationId xmlns:p14="http://schemas.microsoft.com/office/powerpoint/2010/main" val="3729966437"/>
+      </p:ext>
+    </p:extLst>
+  </p:cSld>
+  <p:clrMapOvr>
+    <a:masterClrMapping/>
+  </p:clrMapOvr>
+  <mc:AlternateContent xmlns:mc="http://schemas.openxmlformats.org/markup-compatibility/2006" xmlns:p14="http://schemas.microsoft.com/office/powerpoint/2010/main">
+    <mc:Choice Requires="p14">
+      <p:transition spd="slow" p14:dur="2000" advTm="1468"/>
+    </mc:Choice>
+    <mc:Fallback xmlns="">
+      <p:transition xmlns:p14="http://schemas.microsoft.com/office/powerpoint/2010/main" spd="slow" advTm="1468"/>
+    </mc:Fallback>
+  </mc:AlternateContent>
+  <p:timing>
+    <p:tnLst>
+      <p:par>
+        <p:cTn xmlns:p14="http://schemas.microsoft.com/office/powerpoint/2010/main" id="1" dur="indefinite" restart="never" nodeType="tmRoot"/>
+      </p:par>
+    </p:tnLst>
+  </p:timing>
+</p:sld>
+</file>
+
+<file path=ppt/slides/slide60.xml><?xml version="1.0" encoding="utf-8"?>
 <p:sld xmlns:a="http://schemas.openxmlformats.org/drawingml/2006/main" xmlns:r="http://schemas.openxmlformats.org/officeDocument/2006/relationships" xmlns:p="http://schemas.openxmlformats.org/presentationml/2006/main">
   <p:cSld>
     <p:spTree>
